--- a/test.pptx
+++ b/test.pptx
@@ -3092,287 +3092,26 @@
       <p:grpSpPr/>
       <p:sp>
         <p:nvSpPr>
-          <p:cNvPr id="2" name="TextBox 1"/>
-          <p:cNvSpPr txBox="1"/>
-          <p:nvPr/>
-        </p:nvSpPr>
-        <p:spPr>
-          <a:xfrm>
-            <a:off x="2390588" y="772252"/>
-            <a:ext cx="9789169" cy="343398"/>
-          </a:xfrm>
-          <a:prstGeom prst="rect">
-            <a:avLst/>
-          </a:prstGeom>
-          <a:noFill/>
-        </p:spPr>
-        <p:txBody>
-          <a:bodyPr wrap="square">
-            <a:spAutoFit/>
-          </a:bodyPr>
-          <a:lstStyle/>
-          <a:p/>
-          <a:p>
-            <a:r>
-              <a:rPr sz="2400" b="1" i="0">
-                <a:latin typeface="Helvetica-Bold"/>
-              </a:rPr>
-              <a:t>Test Page 1: Text and Basic Shapes</a:t>
-            </a:r>
-          </a:p>
-        </p:txBody>
-      </p:sp>
-      <p:sp>
-        <p:nvSpPr>
-          <p:cNvPr id="3" name="TextBox 2"/>
-          <p:cNvSpPr txBox="1"/>
-          <p:nvPr/>
-        </p:nvSpPr>
-        <p:spPr>
-          <a:xfrm>
-            <a:off x="2390588" y="1424593"/>
-            <a:ext cx="1546519" cy="171325"/>
-          </a:xfrm>
-          <a:prstGeom prst="rect">
-            <a:avLst/>
-          </a:prstGeom>
-          <a:noFill/>
-        </p:spPr>
-        <p:txBody>
-          <a:bodyPr wrap="square">
-            <a:spAutoFit/>
-          </a:bodyPr>
-          <a:lstStyle/>
-          <a:p/>
-          <a:p>
-            <a:r>
-              <a:rPr sz="1200" b="0" i="0">
-                <a:latin typeface="Helvetica"/>
-              </a:rPr>
-              <a:t>Regular text</a:t>
-            </a:r>
-          </a:p>
-        </p:txBody>
-      </p:sp>
-      <p:sp>
-        <p:nvSpPr>
-          <p:cNvPr id="4" name="TextBox 3"/>
-          <p:cNvSpPr txBox="1"/>
-          <p:nvPr/>
-        </p:nvSpPr>
-        <p:spPr>
-          <a:xfrm>
-            <a:off x="2390588" y="1633035"/>
-            <a:ext cx="1227232" cy="171699"/>
-          </a:xfrm>
-          <a:prstGeom prst="rect">
-            <a:avLst/>
-          </a:prstGeom>
-          <a:noFill/>
-        </p:spPr>
-        <p:txBody>
-          <a:bodyPr wrap="square">
-            <a:spAutoFit/>
-          </a:bodyPr>
-          <a:lstStyle/>
-          <a:p/>
-          <a:p>
-            <a:r>
-              <a:rPr sz="1200" b="1" i="0">
-                <a:latin typeface="Helvetica-Bold"/>
-              </a:rPr>
-              <a:t>Bold text</a:t>
-            </a:r>
-          </a:p>
-        </p:txBody>
-      </p:sp>
-      <p:sp>
-        <p:nvSpPr>
-          <p:cNvPr id="5" name="TextBox 4"/>
-          <p:cNvSpPr txBox="1"/>
-          <p:nvPr/>
-        </p:nvSpPr>
-        <p:spPr>
-          <a:xfrm>
-            <a:off x="2390588" y="1840853"/>
-            <a:ext cx="1131991" cy="168831"/>
-          </a:xfrm>
-          <a:prstGeom prst="rect">
-            <a:avLst/>
-          </a:prstGeom>
-          <a:noFill/>
-        </p:spPr>
-        <p:txBody>
-          <a:bodyPr wrap="square">
-            <a:spAutoFit/>
-          </a:bodyPr>
-          <a:lstStyle/>
-          <a:p/>
-          <a:p>
-            <a:r>
-              <a:rPr sz="1200" b="0" i="1">
-                <a:latin typeface="Helvetica-Oblique"/>
-              </a:rPr>
-              <a:t>Italic text</a:t>
-            </a:r>
-          </a:p>
-        </p:txBody>
-      </p:sp>
-      <p:sp>
-        <p:nvSpPr>
-          <p:cNvPr id="6" name="TextBox 5"/>
-          <p:cNvSpPr txBox="1"/>
-          <p:nvPr/>
-        </p:nvSpPr>
-        <p:spPr>
-          <a:xfrm>
-            <a:off x="2390588" y="2048297"/>
-            <a:ext cx="1960760" cy="172322"/>
-          </a:xfrm>
-          <a:prstGeom prst="rect">
-            <a:avLst/>
-          </a:prstGeom>
-          <a:noFill/>
-        </p:spPr>
-        <p:txBody>
-          <a:bodyPr wrap="square">
-            <a:spAutoFit/>
-          </a:bodyPr>
-          <a:lstStyle/>
-          <a:p/>
-          <a:p>
-            <a:r>
-              <a:rPr sz="1200" b="1" i="1">
-                <a:latin typeface="Helvetica-BoldOblique"/>
-              </a:rPr>
-              <a:t>Bold Italic text</a:t>
-            </a:r>
-          </a:p>
-        </p:txBody>
-      </p:sp>
-      <p:sp>
-        <p:nvSpPr>
-          <p:cNvPr id="7" name="TextBox 6"/>
-          <p:cNvSpPr txBox="1"/>
-          <p:nvPr/>
-        </p:nvSpPr>
-        <p:spPr>
-          <a:xfrm>
-            <a:off x="2390588" y="2463684"/>
-            <a:ext cx="2172757" cy="171325"/>
-          </a:xfrm>
-          <a:prstGeom prst="rect">
-            <a:avLst/>
-          </a:prstGeom>
-          <a:noFill/>
-        </p:spPr>
-        <p:txBody>
-          <a:bodyPr wrap="square">
-            <a:spAutoFit/>
-          </a:bodyPr>
-          <a:lstStyle/>
-          <a:p/>
-          <a:p>
-            <a:pPr/>
-            <a:r>
-              <a:rPr sz="1200" b="0" i="0">
-                <a:latin typeface="Helvetica"/>
-              </a:rPr>
-              <a:t>First level bullet</a:t>
-            </a:r>
-          </a:p>
-        </p:txBody>
-      </p:sp>
-      <p:sp>
-        <p:nvSpPr>
-          <p:cNvPr id="8" name="TextBox 7"/>
-          <p:cNvSpPr txBox="1"/>
-          <p:nvPr/>
-        </p:nvSpPr>
-        <p:spPr>
-          <a:xfrm>
-            <a:off x="2868705" y="2671502"/>
-            <a:ext cx="2705762" cy="171325"/>
-          </a:xfrm>
-          <a:prstGeom prst="rect">
-            <a:avLst/>
-          </a:prstGeom>
-          <a:noFill/>
-        </p:spPr>
-        <p:txBody>
-          <a:bodyPr wrap="square">
-            <a:spAutoFit/>
-          </a:bodyPr>
-          <a:lstStyle/>
-          <a:p/>
-          <a:p>
-            <a:r>
-              <a:rPr sz="1200" b="0" i="0">
-                <a:latin typeface="ZapfDingbats"/>
-              </a:rPr>
-              <a:t>I</a:t>
-            </a:r>
-            <a:r>
-              <a:rPr sz="1200" b="0" i="0">
-                <a:latin typeface="Helvetica"/>
-              </a:rPr>
-              <a:t> Second level bullet</a:t>
-            </a:r>
-          </a:p>
-        </p:txBody>
-      </p:sp>
-      <p:sp>
-        <p:nvSpPr>
-          <p:cNvPr id="9" name="TextBox 8"/>
-          <p:cNvSpPr txBox="1"/>
-          <p:nvPr/>
-        </p:nvSpPr>
-        <p:spPr>
-          <a:xfrm>
-            <a:off x="3346823" y="2879320"/>
-            <a:ext cx="2386476" cy="171325"/>
-          </a:xfrm>
-          <a:prstGeom prst="rect">
-            <a:avLst/>
-          </a:prstGeom>
-          <a:noFill/>
-        </p:spPr>
-        <p:txBody>
-          <a:bodyPr wrap="square">
-            <a:spAutoFit/>
-          </a:bodyPr>
-          <a:lstStyle/>
-          <a:p/>
-          <a:p>
-            <a:r>
-              <a:rPr sz="1200" b="0" i="0">
-                <a:latin typeface="ZapfDingbats"/>
-              </a:rPr>
-              <a:t>I</a:t>
-            </a:r>
-            <a:r>
-              <a:rPr sz="1200" b="0" i="0">
-                <a:latin typeface="Helvetica"/>
-              </a:rPr>
-              <a:t> Third level bullet</a:t>
-            </a:r>
-          </a:p>
-        </p:txBody>
-      </p:sp>
-      <p:sp>
-        <p:nvSpPr>
-          <p:cNvPr id="10" name="Rectangle 9"/>
+          <p:cNvPr id="2" name="Rounded Rectangle 1"/>
           <p:cNvSpPr/>
           <p:nvPr/>
         </p:nvSpPr>
         <p:spPr>
           <a:xfrm>
-            <a:off x="2390588" y="3117272"/>
-            <a:ext cx="2390588" cy="519545"/>
-          </a:xfrm>
-          <a:prstGeom prst="rect">
-            <a:avLst/>
-          </a:prstGeom>
+            <a:off x="914400" y="1828800"/>
+            <a:ext cx="3657600" cy="1828800"/>
+          </a:xfrm>
+          <a:prstGeom prst="roundRect">
+            <a:avLst/>
+          </a:prstGeom>
+          <a:solidFill>
+            <a:srgbClr val="FFFFFF"/>
+          </a:solidFill>
+          <a:ln>
+            <a:solidFill>
+              <a:srgbClr val="E6E6E6"/>
+            </a:solidFill>
+          </a:ln>
         </p:spPr>
         <p:style>
           <a:lnRef idx="1">
@@ -3398,18 +3137,53 @@
       </p:sp>
       <p:sp>
         <p:nvSpPr>
-          <p:cNvPr id="11" name="Rectangle 10"/>
+          <p:cNvPr id="3" name="TextBox 2"/>
+          <p:cNvSpPr txBox="1"/>
+          <p:nvPr/>
+        </p:nvSpPr>
+        <p:spPr>
+          <a:xfrm>
+            <a:off x="1097280" y="2011680"/>
+            <a:ext cx="3291840" cy="457200"/>
+          </a:xfrm>
+          <a:prstGeom prst="rect">
+            <a:avLst/>
+          </a:prstGeom>
+          <a:noFill/>
+        </p:spPr>
+        <p:txBody>
+          <a:bodyPr wrap="none">
+            <a:spAutoFit/>
+          </a:bodyPr>
+          <a:lstStyle/>
+          <a:p>
+            <a:r>
+              <a:rPr b="1" sz="1600"/>
+              <a:t>Germany</a:t>
+            </a:r>
+          </a:p>
+        </p:txBody>
+      </p:sp>
+      <p:sp>
+        <p:nvSpPr>
+          <p:cNvPr id="4" name="Oval 3"/>
           <p:cNvSpPr/>
           <p:nvPr/>
         </p:nvSpPr>
         <p:spPr>
           <a:xfrm>
-            <a:off x="6574117" y="3117272"/>
-            <a:ext cx="1195294" cy="519545"/>
-          </a:xfrm>
-          <a:prstGeom prst="rect">
-            <a:avLst/>
-          </a:prstGeom>
+            <a:off x="4206240" y="2103120"/>
+            <a:ext cx="137160" cy="137160"/>
+          </a:xfrm>
+          <a:prstGeom prst="ellipse">
+            <a:avLst/>
+          </a:prstGeom>
+          <a:solidFill>
+            <a:srgbClr val="FFC107"/>
+          </a:solidFill>
+          <a:ln>
+            <a:noFill/>
+          </a:ln>
         </p:spPr>
         <p:style>
           <a:lnRef idx="1">
@@ -3435,18 +3209,88 @@
       </p:sp>
       <p:sp>
         <p:nvSpPr>
-          <p:cNvPr id="12" name="Rectangle 11"/>
+          <p:cNvPr id="5" name="TextBox 4"/>
+          <p:cNvSpPr txBox="1"/>
+          <p:nvPr/>
+        </p:nvSpPr>
+        <p:spPr>
+          <a:xfrm>
+            <a:off x="1097280" y="2560320"/>
+            <a:ext cx="3291840" cy="457200"/>
+          </a:xfrm>
+          <a:prstGeom prst="rect">
+            <a:avLst/>
+          </a:prstGeom>
+          <a:noFill/>
+        </p:spPr>
+        <p:txBody>
+          <a:bodyPr wrap="none">
+            <a:spAutoFit/>
+          </a:bodyPr>
+          <a:lstStyle/>
+          <a:p>
+            <a:r>
+              <a:rPr sz="1200"/>
+              <a:t>Reviewing PBG portfolio</a:t>
+            </a:r>
+          </a:p>
+        </p:txBody>
+      </p:sp>
+      <p:sp>
+        <p:nvSpPr>
+          <p:cNvPr id="6" name="TextBox 5"/>
+          <p:cNvSpPr txBox="1"/>
+          <p:nvPr/>
+        </p:nvSpPr>
+        <p:spPr>
+          <a:xfrm>
+            <a:off x="1097280" y="3017520"/>
+            <a:ext cx="3291840" cy="274320"/>
+          </a:xfrm>
+          <a:prstGeom prst="rect">
+            <a:avLst/>
+          </a:prstGeom>
+          <a:noFill/>
+        </p:spPr>
+        <p:txBody>
+          <a:bodyPr wrap="none">
+            <a:spAutoFit/>
+          </a:bodyPr>
+          <a:lstStyle/>
+          <a:p>
+            <a:r>
+              <a:rPr sz="1000">
+                <a:solidFill>
+                  <a:srgbClr val="808080"/>
+                </a:solidFill>
+              </a:rPr>
+              <a:t>March 28, 2023</a:t>
+            </a:r>
+          </a:p>
+        </p:txBody>
+      </p:sp>
+      <p:sp>
+        <p:nvSpPr>
+          <p:cNvPr id="7" name="Rounded Rectangle 6"/>
           <p:cNvSpPr/>
           <p:nvPr/>
         </p:nvSpPr>
         <p:spPr>
           <a:xfrm>
-            <a:off x="9562352" y="3117272"/>
-            <a:ext cx="1195294" cy="519545"/>
-          </a:xfrm>
-          <a:prstGeom prst="rect">
-            <a:avLst/>
-          </a:prstGeom>
+            <a:off x="5029200" y="1828800"/>
+            <a:ext cx="3657600" cy="1828800"/>
+          </a:xfrm>
+          <a:prstGeom prst="roundRect">
+            <a:avLst/>
+          </a:prstGeom>
+          <a:solidFill>
+            <a:srgbClr val="FFFFFF"/>
+          </a:solidFill>
+          <a:ln>
+            <a:solidFill>
+              <a:srgbClr val="E6E6E6"/>
+            </a:solidFill>
+          </a:ln>
         </p:spPr>
         <p:style>
           <a:lnRef idx="1">
@@ -3467,6 +3311,859 @@
           <a:lstStyle/>
           <a:p>
             <a:pPr algn="ctr"/>
+          </a:p>
+        </p:txBody>
+      </p:sp>
+      <p:sp>
+        <p:nvSpPr>
+          <p:cNvPr id="8" name="TextBox 7"/>
+          <p:cNvSpPr txBox="1"/>
+          <p:nvPr/>
+        </p:nvSpPr>
+        <p:spPr>
+          <a:xfrm>
+            <a:off x="5212080" y="2011680"/>
+            <a:ext cx="3291840" cy="457200"/>
+          </a:xfrm>
+          <a:prstGeom prst="rect">
+            <a:avLst/>
+          </a:prstGeom>
+          <a:noFill/>
+        </p:spPr>
+        <p:txBody>
+          <a:bodyPr wrap="none">
+            <a:spAutoFit/>
+          </a:bodyPr>
+          <a:lstStyle/>
+          <a:p>
+            <a:r>
+              <a:rPr b="1" sz="1600"/>
+              <a:t>Spain</a:t>
+            </a:r>
+          </a:p>
+        </p:txBody>
+      </p:sp>
+      <p:sp>
+        <p:nvSpPr>
+          <p:cNvPr id="9" name="Oval 8"/>
+          <p:cNvSpPr/>
+          <p:nvPr/>
+        </p:nvSpPr>
+        <p:spPr>
+          <a:xfrm>
+            <a:off x="8321040" y="2103120"/>
+            <a:ext cx="137160" cy="137160"/>
+          </a:xfrm>
+          <a:prstGeom prst="ellipse">
+            <a:avLst/>
+          </a:prstGeom>
+          <a:solidFill>
+            <a:srgbClr val="4CAF50"/>
+          </a:solidFill>
+          <a:ln>
+            <a:noFill/>
+          </a:ln>
+        </p:spPr>
+        <p:style>
+          <a:lnRef idx="1">
+            <a:schemeClr val="accent1"/>
+          </a:lnRef>
+          <a:fillRef idx="3">
+            <a:schemeClr val="accent1"/>
+          </a:fillRef>
+          <a:effectRef idx="2">
+            <a:schemeClr val="accent1"/>
+          </a:effectRef>
+          <a:fontRef idx="minor">
+            <a:schemeClr val="lt1"/>
+          </a:fontRef>
+        </p:style>
+        <p:txBody>
+          <a:bodyPr rtlCol="0" anchor="ctr"/>
+          <a:lstStyle/>
+          <a:p>
+            <a:pPr algn="ctr"/>
+          </a:p>
+        </p:txBody>
+      </p:sp>
+      <p:sp>
+        <p:nvSpPr>
+          <p:cNvPr id="10" name="TextBox 9"/>
+          <p:cNvSpPr txBox="1"/>
+          <p:nvPr/>
+        </p:nvSpPr>
+        <p:spPr>
+          <a:xfrm>
+            <a:off x="5212080" y="2560320"/>
+            <a:ext cx="3291840" cy="457200"/>
+          </a:xfrm>
+          <a:prstGeom prst="rect">
+            <a:avLst/>
+          </a:prstGeom>
+          <a:noFill/>
+        </p:spPr>
+        <p:txBody>
+          <a:bodyPr wrap="none">
+            <a:spAutoFit/>
+          </a:bodyPr>
+          <a:lstStyle/>
+          <a:p>
+            <a:r>
+              <a:rPr sz="1200"/>
+              <a:t>Business data received</a:t>
+            </a:r>
+          </a:p>
+        </p:txBody>
+      </p:sp>
+      <p:sp>
+        <p:nvSpPr>
+          <p:cNvPr id="11" name="Rounded Rectangle 10"/>
+          <p:cNvSpPr/>
+          <p:nvPr/>
+        </p:nvSpPr>
+        <p:spPr>
+          <a:xfrm>
+            <a:off x="9144000" y="1828800"/>
+            <a:ext cx="3657600" cy="1828800"/>
+          </a:xfrm>
+          <a:prstGeom prst="roundRect">
+            <a:avLst/>
+          </a:prstGeom>
+          <a:solidFill>
+            <a:srgbClr val="FFFFFF"/>
+          </a:solidFill>
+          <a:ln>
+            <a:solidFill>
+              <a:srgbClr val="E6E6E6"/>
+            </a:solidFill>
+          </a:ln>
+        </p:spPr>
+        <p:style>
+          <a:lnRef idx="1">
+            <a:schemeClr val="accent1"/>
+          </a:lnRef>
+          <a:fillRef idx="3">
+            <a:schemeClr val="accent1"/>
+          </a:fillRef>
+          <a:effectRef idx="2">
+            <a:schemeClr val="accent1"/>
+          </a:effectRef>
+          <a:fontRef idx="minor">
+            <a:schemeClr val="lt1"/>
+          </a:fontRef>
+        </p:style>
+        <p:txBody>
+          <a:bodyPr rtlCol="0" anchor="ctr"/>
+          <a:lstStyle/>
+          <a:p>
+            <a:pPr algn="ctr"/>
+          </a:p>
+        </p:txBody>
+      </p:sp>
+      <p:sp>
+        <p:nvSpPr>
+          <p:cNvPr id="12" name="TextBox 11"/>
+          <p:cNvSpPr txBox="1"/>
+          <p:nvPr/>
+        </p:nvSpPr>
+        <p:spPr>
+          <a:xfrm>
+            <a:off x="9326880" y="2011680"/>
+            <a:ext cx="3291840" cy="457200"/>
+          </a:xfrm>
+          <a:prstGeom prst="rect">
+            <a:avLst/>
+          </a:prstGeom>
+          <a:noFill/>
+        </p:spPr>
+        <p:txBody>
+          <a:bodyPr wrap="none">
+            <a:spAutoFit/>
+          </a:bodyPr>
+          <a:lstStyle/>
+          <a:p>
+            <a:r>
+              <a:rPr b="1" sz="1600"/>
+              <a:t>Belgium</a:t>
+            </a:r>
+          </a:p>
+        </p:txBody>
+      </p:sp>
+      <p:sp>
+        <p:nvSpPr>
+          <p:cNvPr id="13" name="Oval 12"/>
+          <p:cNvSpPr/>
+          <p:nvPr/>
+        </p:nvSpPr>
+        <p:spPr>
+          <a:xfrm>
+            <a:off x="12435840" y="2103120"/>
+            <a:ext cx="137160" cy="137160"/>
+          </a:xfrm>
+          <a:prstGeom prst="ellipse">
+            <a:avLst/>
+          </a:prstGeom>
+          <a:solidFill>
+            <a:srgbClr val="4CAF50"/>
+          </a:solidFill>
+          <a:ln>
+            <a:noFill/>
+          </a:ln>
+        </p:spPr>
+        <p:style>
+          <a:lnRef idx="1">
+            <a:schemeClr val="accent1"/>
+          </a:lnRef>
+          <a:fillRef idx="3">
+            <a:schemeClr val="accent1"/>
+          </a:fillRef>
+          <a:effectRef idx="2">
+            <a:schemeClr val="accent1"/>
+          </a:effectRef>
+          <a:fontRef idx="minor">
+            <a:schemeClr val="lt1"/>
+          </a:fontRef>
+        </p:style>
+        <p:txBody>
+          <a:bodyPr rtlCol="0" anchor="ctr"/>
+          <a:lstStyle/>
+          <a:p>
+            <a:pPr algn="ctr"/>
+          </a:p>
+        </p:txBody>
+      </p:sp>
+      <p:sp>
+        <p:nvSpPr>
+          <p:cNvPr id="14" name="TextBox 13"/>
+          <p:cNvSpPr txBox="1"/>
+          <p:nvPr/>
+        </p:nvSpPr>
+        <p:spPr>
+          <a:xfrm>
+            <a:off x="9326880" y="2560320"/>
+            <a:ext cx="3291840" cy="457200"/>
+          </a:xfrm>
+          <a:prstGeom prst="rect">
+            <a:avLst/>
+          </a:prstGeom>
+          <a:noFill/>
+        </p:spPr>
+        <p:txBody>
+          <a:bodyPr wrap="none">
+            <a:spAutoFit/>
+          </a:bodyPr>
+          <a:lstStyle/>
+          <a:p>
+            <a:r>
+              <a:rPr sz="1200"/>
+              <a:t>Work commencing March 31st</a:t>
+            </a:r>
+          </a:p>
+        </p:txBody>
+      </p:sp>
+      <p:sp>
+        <p:nvSpPr>
+          <p:cNvPr id="15" name="Rounded Rectangle 14"/>
+          <p:cNvSpPr/>
+          <p:nvPr/>
+        </p:nvSpPr>
+        <p:spPr>
+          <a:xfrm>
+            <a:off x="13258800" y="1828800"/>
+            <a:ext cx="3657600" cy="1828800"/>
+          </a:xfrm>
+          <a:prstGeom prst="roundRect">
+            <a:avLst/>
+          </a:prstGeom>
+          <a:solidFill>
+            <a:srgbClr val="FFFFFF"/>
+          </a:solidFill>
+          <a:ln>
+            <a:solidFill>
+              <a:srgbClr val="E6E6E6"/>
+            </a:solidFill>
+          </a:ln>
+        </p:spPr>
+        <p:style>
+          <a:lnRef idx="1">
+            <a:schemeClr val="accent1"/>
+          </a:lnRef>
+          <a:fillRef idx="3">
+            <a:schemeClr val="accent1"/>
+          </a:fillRef>
+          <a:effectRef idx="2">
+            <a:schemeClr val="accent1"/>
+          </a:effectRef>
+          <a:fontRef idx="minor">
+            <a:schemeClr val="lt1"/>
+          </a:fontRef>
+        </p:style>
+        <p:txBody>
+          <a:bodyPr rtlCol="0" anchor="ctr"/>
+          <a:lstStyle/>
+          <a:p>
+            <a:pPr algn="ctr"/>
+          </a:p>
+        </p:txBody>
+      </p:sp>
+      <p:sp>
+        <p:nvSpPr>
+          <p:cNvPr id="16" name="TextBox 15"/>
+          <p:cNvSpPr txBox="1"/>
+          <p:nvPr/>
+        </p:nvSpPr>
+        <p:spPr>
+          <a:xfrm>
+            <a:off x="13441680" y="2011680"/>
+            <a:ext cx="3291840" cy="457200"/>
+          </a:xfrm>
+          <a:prstGeom prst="rect">
+            <a:avLst/>
+          </a:prstGeom>
+          <a:noFill/>
+        </p:spPr>
+        <p:txBody>
+          <a:bodyPr wrap="none">
+            <a:spAutoFit/>
+          </a:bodyPr>
+          <a:lstStyle/>
+          <a:p>
+            <a:r>
+              <a:rPr b="1" sz="1600"/>
+              <a:t>India</a:t>
+            </a:r>
+          </a:p>
+        </p:txBody>
+      </p:sp>
+      <p:sp>
+        <p:nvSpPr>
+          <p:cNvPr id="17" name="Oval 16"/>
+          <p:cNvSpPr/>
+          <p:nvPr/>
+        </p:nvSpPr>
+        <p:spPr>
+          <a:xfrm>
+            <a:off x="16550640" y="2103120"/>
+            <a:ext cx="137160" cy="137160"/>
+          </a:xfrm>
+          <a:prstGeom prst="ellipse">
+            <a:avLst/>
+          </a:prstGeom>
+          <a:solidFill>
+            <a:srgbClr val="F44336"/>
+          </a:solidFill>
+          <a:ln>
+            <a:noFill/>
+          </a:ln>
+        </p:spPr>
+        <p:style>
+          <a:lnRef idx="1">
+            <a:schemeClr val="accent1"/>
+          </a:lnRef>
+          <a:fillRef idx="3">
+            <a:schemeClr val="accent1"/>
+          </a:fillRef>
+          <a:effectRef idx="2">
+            <a:schemeClr val="accent1"/>
+          </a:effectRef>
+          <a:fontRef idx="minor">
+            <a:schemeClr val="lt1"/>
+          </a:fontRef>
+        </p:style>
+        <p:txBody>
+          <a:bodyPr rtlCol="0" anchor="ctr"/>
+          <a:lstStyle/>
+          <a:p>
+            <a:pPr algn="ctr"/>
+          </a:p>
+        </p:txBody>
+      </p:sp>
+      <p:sp>
+        <p:nvSpPr>
+          <p:cNvPr id="18" name="TextBox 17"/>
+          <p:cNvSpPr txBox="1"/>
+          <p:nvPr/>
+        </p:nvSpPr>
+        <p:spPr>
+          <a:xfrm>
+            <a:off x="13441680" y="2560320"/>
+            <a:ext cx="3291840" cy="457200"/>
+          </a:xfrm>
+          <a:prstGeom prst="rect">
+            <a:avLst/>
+          </a:prstGeom>
+          <a:noFill/>
+        </p:spPr>
+        <p:txBody>
+          <a:bodyPr wrap="none">
+            <a:spAutoFit/>
+          </a:bodyPr>
+          <a:lstStyle/>
+          <a:p>
+            <a:r>
+              <a:rPr sz="1200"/>
+              <a:t>Awaiting data</a:t>
+            </a:r>
+          </a:p>
+        </p:txBody>
+      </p:sp>
+      <p:sp>
+        <p:nvSpPr>
+          <p:cNvPr id="19" name="Rectangle 18"/>
+          <p:cNvSpPr/>
+          <p:nvPr/>
+        </p:nvSpPr>
+        <p:spPr>
+          <a:xfrm>
+            <a:off x="2743200" y="4572000"/>
+            <a:ext cx="5486400" cy="274320"/>
+          </a:xfrm>
+          <a:prstGeom prst="rect">
+            <a:avLst/>
+          </a:prstGeom>
+          <a:solidFill>
+            <a:srgbClr val="E6E6E6"/>
+          </a:solidFill>
+          <a:ln>
+            <a:noFill/>
+          </a:ln>
+        </p:spPr>
+        <p:style>
+          <a:lnRef idx="1">
+            <a:schemeClr val="accent1"/>
+          </a:lnRef>
+          <a:fillRef idx="3">
+            <a:schemeClr val="accent1"/>
+          </a:fillRef>
+          <a:effectRef idx="2">
+            <a:schemeClr val="accent1"/>
+          </a:effectRef>
+          <a:fontRef idx="minor">
+            <a:schemeClr val="lt1"/>
+          </a:fontRef>
+        </p:style>
+        <p:txBody>
+          <a:bodyPr rtlCol="0" anchor="ctr"/>
+          <a:lstStyle/>
+          <a:p>
+            <a:pPr algn="ctr"/>
+          </a:p>
+        </p:txBody>
+      </p:sp>
+      <p:sp>
+        <p:nvSpPr>
+          <p:cNvPr id="20" name="Rectangle 19"/>
+          <p:cNvSpPr/>
+          <p:nvPr/>
+        </p:nvSpPr>
+        <p:spPr>
+          <a:xfrm>
+            <a:off x="2743200" y="4572000"/>
+            <a:ext cx="1920239" cy="274320"/>
+          </a:xfrm>
+          <a:prstGeom prst="rect">
+            <a:avLst/>
+          </a:prstGeom>
+          <a:solidFill>
+            <a:srgbClr val="0078D4"/>
+          </a:solidFill>
+          <a:ln>
+            <a:noFill/>
+          </a:ln>
+        </p:spPr>
+        <p:style>
+          <a:lnRef idx="1">
+            <a:schemeClr val="accent1"/>
+          </a:lnRef>
+          <a:fillRef idx="3">
+            <a:schemeClr val="accent1"/>
+          </a:fillRef>
+          <a:effectRef idx="2">
+            <a:schemeClr val="accent1"/>
+          </a:effectRef>
+          <a:fontRef idx="minor">
+            <a:schemeClr val="lt1"/>
+          </a:fontRef>
+        </p:style>
+        <p:txBody>
+          <a:bodyPr rtlCol="0" anchor="ctr"/>
+          <a:lstStyle/>
+          <a:p>
+            <a:pPr algn="ctr"/>
+          </a:p>
+        </p:txBody>
+      </p:sp>
+      <p:sp>
+        <p:nvSpPr>
+          <p:cNvPr id="21" name="TextBox 20"/>
+          <p:cNvSpPr txBox="1"/>
+          <p:nvPr/>
+        </p:nvSpPr>
+        <p:spPr>
+          <a:xfrm>
+            <a:off x="1645920" y="4480560"/>
+            <a:ext cx="914400" cy="274320"/>
+          </a:xfrm>
+          <a:prstGeom prst="rect">
+            <a:avLst/>
+          </a:prstGeom>
+          <a:noFill/>
+        </p:spPr>
+        <p:txBody>
+          <a:bodyPr wrap="none">
+            <a:spAutoFit/>
+          </a:bodyPr>
+          <a:lstStyle/>
+          <a:p>
+            <a:r>
+              <a:rPr sz="1000"/>
+              <a:t>Germany</a:t>
+            </a:r>
+          </a:p>
+        </p:txBody>
+      </p:sp>
+      <p:sp>
+        <p:nvSpPr>
+          <p:cNvPr id="22" name="Rectangle 21"/>
+          <p:cNvSpPr/>
+          <p:nvPr/>
+        </p:nvSpPr>
+        <p:spPr>
+          <a:xfrm>
+            <a:off x="2743200" y="5029200"/>
+            <a:ext cx="5486400" cy="274320"/>
+          </a:xfrm>
+          <a:prstGeom prst="rect">
+            <a:avLst/>
+          </a:prstGeom>
+          <a:solidFill>
+            <a:srgbClr val="E6E6E6"/>
+          </a:solidFill>
+          <a:ln>
+            <a:noFill/>
+          </a:ln>
+        </p:spPr>
+        <p:style>
+          <a:lnRef idx="1">
+            <a:schemeClr val="accent1"/>
+          </a:lnRef>
+          <a:fillRef idx="3">
+            <a:schemeClr val="accent1"/>
+          </a:fillRef>
+          <a:effectRef idx="2">
+            <a:schemeClr val="accent1"/>
+          </a:effectRef>
+          <a:fontRef idx="minor">
+            <a:schemeClr val="lt1"/>
+          </a:fontRef>
+        </p:style>
+        <p:txBody>
+          <a:bodyPr rtlCol="0" anchor="ctr"/>
+          <a:lstStyle/>
+          <a:p>
+            <a:pPr algn="ctr"/>
+          </a:p>
+        </p:txBody>
+      </p:sp>
+      <p:sp>
+        <p:nvSpPr>
+          <p:cNvPr id="23" name="Rectangle 22"/>
+          <p:cNvSpPr/>
+          <p:nvPr/>
+        </p:nvSpPr>
+        <p:spPr>
+          <a:xfrm>
+            <a:off x="2743200" y="5029200"/>
+            <a:ext cx="4114800" cy="274320"/>
+          </a:xfrm>
+          <a:prstGeom prst="rect">
+            <a:avLst/>
+          </a:prstGeom>
+          <a:solidFill>
+            <a:srgbClr val="0078D4"/>
+          </a:solidFill>
+          <a:ln>
+            <a:noFill/>
+          </a:ln>
+        </p:spPr>
+        <p:style>
+          <a:lnRef idx="1">
+            <a:schemeClr val="accent1"/>
+          </a:lnRef>
+          <a:fillRef idx="3">
+            <a:schemeClr val="accent1"/>
+          </a:fillRef>
+          <a:effectRef idx="2">
+            <a:schemeClr val="accent1"/>
+          </a:effectRef>
+          <a:fontRef idx="minor">
+            <a:schemeClr val="lt1"/>
+          </a:fontRef>
+        </p:style>
+        <p:txBody>
+          <a:bodyPr rtlCol="0" anchor="ctr"/>
+          <a:lstStyle/>
+          <a:p>
+            <a:pPr algn="ctr"/>
+          </a:p>
+        </p:txBody>
+      </p:sp>
+      <p:sp>
+        <p:nvSpPr>
+          <p:cNvPr id="24" name="TextBox 23"/>
+          <p:cNvSpPr txBox="1"/>
+          <p:nvPr/>
+        </p:nvSpPr>
+        <p:spPr>
+          <a:xfrm>
+            <a:off x="1645920" y="4937760"/>
+            <a:ext cx="914400" cy="274320"/>
+          </a:xfrm>
+          <a:prstGeom prst="rect">
+            <a:avLst/>
+          </a:prstGeom>
+          <a:noFill/>
+        </p:spPr>
+        <p:txBody>
+          <a:bodyPr wrap="none">
+            <a:spAutoFit/>
+          </a:bodyPr>
+          <a:lstStyle/>
+          <a:p>
+            <a:r>
+              <a:rPr sz="1000"/>
+              <a:t>Spain</a:t>
+            </a:r>
+          </a:p>
+        </p:txBody>
+      </p:sp>
+      <p:sp>
+        <p:nvSpPr>
+          <p:cNvPr id="25" name="Rectangle 24"/>
+          <p:cNvSpPr/>
+          <p:nvPr/>
+        </p:nvSpPr>
+        <p:spPr>
+          <a:xfrm>
+            <a:off x="2743200" y="5486400"/>
+            <a:ext cx="5486400" cy="274320"/>
+          </a:xfrm>
+          <a:prstGeom prst="rect">
+            <a:avLst/>
+          </a:prstGeom>
+          <a:solidFill>
+            <a:srgbClr val="E6E6E6"/>
+          </a:solidFill>
+          <a:ln>
+            <a:noFill/>
+          </a:ln>
+        </p:spPr>
+        <p:style>
+          <a:lnRef idx="1">
+            <a:schemeClr val="accent1"/>
+          </a:lnRef>
+          <a:fillRef idx="3">
+            <a:schemeClr val="accent1"/>
+          </a:fillRef>
+          <a:effectRef idx="2">
+            <a:schemeClr val="accent1"/>
+          </a:effectRef>
+          <a:fontRef idx="minor">
+            <a:schemeClr val="lt1"/>
+          </a:fontRef>
+        </p:style>
+        <p:txBody>
+          <a:bodyPr rtlCol="0" anchor="ctr"/>
+          <a:lstStyle/>
+          <a:p>
+            <a:pPr algn="ctr"/>
+          </a:p>
+        </p:txBody>
+      </p:sp>
+      <p:sp>
+        <p:nvSpPr>
+          <p:cNvPr id="26" name="Rectangle 25"/>
+          <p:cNvSpPr/>
+          <p:nvPr/>
+        </p:nvSpPr>
+        <p:spPr>
+          <a:xfrm>
+            <a:off x="2743200" y="5486400"/>
+            <a:ext cx="4389120" cy="274320"/>
+          </a:xfrm>
+          <a:prstGeom prst="rect">
+            <a:avLst/>
+          </a:prstGeom>
+          <a:solidFill>
+            <a:srgbClr val="0078D4"/>
+          </a:solidFill>
+          <a:ln>
+            <a:noFill/>
+          </a:ln>
+        </p:spPr>
+        <p:style>
+          <a:lnRef idx="1">
+            <a:schemeClr val="accent1"/>
+          </a:lnRef>
+          <a:fillRef idx="3">
+            <a:schemeClr val="accent1"/>
+          </a:fillRef>
+          <a:effectRef idx="2">
+            <a:schemeClr val="accent1"/>
+          </a:effectRef>
+          <a:fontRef idx="minor">
+            <a:schemeClr val="lt1"/>
+          </a:fontRef>
+        </p:style>
+        <p:txBody>
+          <a:bodyPr rtlCol="0" anchor="ctr"/>
+          <a:lstStyle/>
+          <a:p>
+            <a:pPr algn="ctr"/>
+          </a:p>
+        </p:txBody>
+      </p:sp>
+      <p:sp>
+        <p:nvSpPr>
+          <p:cNvPr id="27" name="TextBox 26"/>
+          <p:cNvSpPr txBox="1"/>
+          <p:nvPr/>
+        </p:nvSpPr>
+        <p:spPr>
+          <a:xfrm>
+            <a:off x="1645920" y="5394960"/>
+            <a:ext cx="914400" cy="274320"/>
+          </a:xfrm>
+          <a:prstGeom prst="rect">
+            <a:avLst/>
+          </a:prstGeom>
+          <a:noFill/>
+        </p:spPr>
+        <p:txBody>
+          <a:bodyPr wrap="none">
+            <a:spAutoFit/>
+          </a:bodyPr>
+          <a:lstStyle/>
+          <a:p>
+            <a:r>
+              <a:rPr sz="1000"/>
+              <a:t>Belgium</a:t>
+            </a:r>
+          </a:p>
+        </p:txBody>
+      </p:sp>
+      <p:sp>
+        <p:nvSpPr>
+          <p:cNvPr id="28" name="Rectangle 27"/>
+          <p:cNvSpPr/>
+          <p:nvPr/>
+        </p:nvSpPr>
+        <p:spPr>
+          <a:xfrm>
+            <a:off x="2743200" y="5943600"/>
+            <a:ext cx="5486400" cy="274320"/>
+          </a:xfrm>
+          <a:prstGeom prst="rect">
+            <a:avLst/>
+          </a:prstGeom>
+          <a:solidFill>
+            <a:srgbClr val="E6E6E6"/>
+          </a:solidFill>
+          <a:ln>
+            <a:noFill/>
+          </a:ln>
+        </p:spPr>
+        <p:style>
+          <a:lnRef idx="1">
+            <a:schemeClr val="accent1"/>
+          </a:lnRef>
+          <a:fillRef idx="3">
+            <a:schemeClr val="accent1"/>
+          </a:fillRef>
+          <a:effectRef idx="2">
+            <a:schemeClr val="accent1"/>
+          </a:effectRef>
+          <a:fontRef idx="minor">
+            <a:schemeClr val="lt1"/>
+          </a:fontRef>
+        </p:style>
+        <p:txBody>
+          <a:bodyPr rtlCol="0" anchor="ctr"/>
+          <a:lstStyle/>
+          <a:p>
+            <a:pPr algn="ctr"/>
+          </a:p>
+        </p:txBody>
+      </p:sp>
+      <p:sp>
+        <p:nvSpPr>
+          <p:cNvPr id="29" name="Rectangle 28"/>
+          <p:cNvSpPr/>
+          <p:nvPr/>
+        </p:nvSpPr>
+        <p:spPr>
+          <a:xfrm>
+            <a:off x="2743200" y="5943600"/>
+            <a:ext cx="1097280" cy="274320"/>
+          </a:xfrm>
+          <a:prstGeom prst="rect">
+            <a:avLst/>
+          </a:prstGeom>
+          <a:solidFill>
+            <a:srgbClr val="0078D4"/>
+          </a:solidFill>
+          <a:ln>
+            <a:noFill/>
+          </a:ln>
+        </p:spPr>
+        <p:style>
+          <a:lnRef idx="1">
+            <a:schemeClr val="accent1"/>
+          </a:lnRef>
+          <a:fillRef idx="3">
+            <a:schemeClr val="accent1"/>
+          </a:fillRef>
+          <a:effectRef idx="2">
+            <a:schemeClr val="accent1"/>
+          </a:effectRef>
+          <a:fontRef idx="minor">
+            <a:schemeClr val="lt1"/>
+          </a:fontRef>
+        </p:style>
+        <p:txBody>
+          <a:bodyPr rtlCol="0" anchor="ctr"/>
+          <a:lstStyle/>
+          <a:p>
+            <a:pPr algn="ctr"/>
+          </a:p>
+        </p:txBody>
+      </p:sp>
+      <p:sp>
+        <p:nvSpPr>
+          <p:cNvPr id="30" name="TextBox 29"/>
+          <p:cNvSpPr txBox="1"/>
+          <p:nvPr/>
+        </p:nvSpPr>
+        <p:spPr>
+          <a:xfrm>
+            <a:off x="1645920" y="5852160"/>
+            <a:ext cx="914400" cy="274320"/>
+          </a:xfrm>
+          <a:prstGeom prst="rect">
+            <a:avLst/>
+          </a:prstGeom>
+          <a:noFill/>
+        </p:spPr>
+        <p:txBody>
+          <a:bodyPr wrap="none">
+            <a:spAutoFit/>
+          </a:bodyPr>
+          <a:lstStyle/>
+          <a:p>
+            <a:r>
+              <a:rPr sz="1000"/>
+              <a:t>India</a:t>
+            </a:r>
           </a:p>
         </p:txBody>
       </p:sp>
@@ -3490,50 +4187,26 @@
       <p:grpSpPr/>
       <p:sp>
         <p:nvSpPr>
-          <p:cNvPr id="2" name="TextBox 1"/>
-          <p:cNvSpPr txBox="1"/>
-          <p:nvPr/>
-        </p:nvSpPr>
-        <p:spPr>
-          <a:xfrm>
-            <a:off x="2390588" y="772252"/>
-            <a:ext cx="8162614" cy="343398"/>
-          </a:xfrm>
-          <a:prstGeom prst="rect">
-            <a:avLst/>
-          </a:prstGeom>
-          <a:noFill/>
-        </p:spPr>
-        <p:txBody>
-          <a:bodyPr wrap="square">
-            <a:spAutoFit/>
-          </a:bodyPr>
-          <a:lstStyle/>
-          <a:p/>
-          <a:p>
-            <a:r>
-              <a:rPr sz="2400" b="1" i="0">
-                <a:latin typeface="Helvetica-Bold"/>
-              </a:rPr>
-              <a:t>Test Page 2: Complex Shapes</a:t>
-            </a:r>
-          </a:p>
-        </p:txBody>
-      </p:sp>
-      <p:sp>
-        <p:nvSpPr>
-          <p:cNvPr id="3" name="Rectangle 2"/>
+          <p:cNvPr id="2" name="Rounded Rectangle 1"/>
           <p:cNvSpPr/>
           <p:nvPr/>
         </p:nvSpPr>
         <p:spPr>
           <a:xfrm>
-            <a:off x="2618870" y="1584065"/>
-            <a:ext cx="2162306" cy="988233"/>
-          </a:xfrm>
-          <a:prstGeom prst="rect">
-            <a:avLst/>
-          </a:prstGeom>
+            <a:off x="914400" y="1828800"/>
+            <a:ext cx="3657600" cy="1828800"/>
+          </a:xfrm>
+          <a:prstGeom prst="roundRect">
+            <a:avLst/>
+          </a:prstGeom>
+          <a:solidFill>
+            <a:srgbClr val="FFFFFF"/>
+          </a:solidFill>
+          <a:ln>
+            <a:solidFill>
+              <a:srgbClr val="E6E6E6"/>
+            </a:solidFill>
+          </a:ln>
         </p:spPr>
         <p:style>
           <a:lnRef idx="1">
@@ -3559,18 +4232,53 @@
       </p:sp>
       <p:sp>
         <p:nvSpPr>
-          <p:cNvPr id="4" name="Rectangle 3"/>
+          <p:cNvPr id="3" name="TextBox 2"/>
+          <p:cNvSpPr txBox="1"/>
+          <p:nvPr/>
+        </p:nvSpPr>
+        <p:spPr>
+          <a:xfrm>
+            <a:off x="1097280" y="2011680"/>
+            <a:ext cx="3291840" cy="457200"/>
+          </a:xfrm>
+          <a:prstGeom prst="rect">
+            <a:avLst/>
+          </a:prstGeom>
+          <a:noFill/>
+        </p:spPr>
+        <p:txBody>
+          <a:bodyPr wrap="none">
+            <a:spAutoFit/>
+          </a:bodyPr>
+          <a:lstStyle/>
+          <a:p>
+            <a:r>
+              <a:rPr b="1" sz="1600"/>
+              <a:t>Germany</a:t>
+            </a:r>
+          </a:p>
+        </p:txBody>
+      </p:sp>
+      <p:sp>
+        <p:nvSpPr>
+          <p:cNvPr id="4" name="Oval 3"/>
           <p:cNvSpPr/>
           <p:nvPr/>
         </p:nvSpPr>
         <p:spPr>
           <a:xfrm>
-            <a:off x="2390588" y="3117272"/>
-            <a:ext cx="4781176" cy="0"/>
-          </a:xfrm>
-          <a:prstGeom prst="rect">
-            <a:avLst/>
-          </a:prstGeom>
+            <a:off x="4206240" y="2103120"/>
+            <a:ext cx="137160" cy="137160"/>
+          </a:xfrm>
+          <a:prstGeom prst="ellipse">
+            <a:avLst/>
+          </a:prstGeom>
+          <a:solidFill>
+            <a:srgbClr val="FFC107"/>
+          </a:solidFill>
+          <a:ln>
+            <a:noFill/>
+          </a:ln>
         </p:spPr>
         <p:style>
           <a:lnRef idx="1">
@@ -3596,18 +4304,88 @@
       </p:sp>
       <p:sp>
         <p:nvSpPr>
-          <p:cNvPr id="5" name="Rectangle 4"/>
+          <p:cNvPr id="5" name="TextBox 4"/>
+          <p:cNvSpPr txBox="1"/>
+          <p:nvPr/>
+        </p:nvSpPr>
+        <p:spPr>
+          <a:xfrm>
+            <a:off x="1097280" y="2560320"/>
+            <a:ext cx="3291840" cy="457200"/>
+          </a:xfrm>
+          <a:prstGeom prst="rect">
+            <a:avLst/>
+          </a:prstGeom>
+          <a:noFill/>
+        </p:spPr>
+        <p:txBody>
+          <a:bodyPr wrap="none">
+            <a:spAutoFit/>
+          </a:bodyPr>
+          <a:lstStyle/>
+          <a:p>
+            <a:r>
+              <a:rPr sz="1200"/>
+              <a:t>Reviewing PBG portfolio</a:t>
+            </a:r>
+          </a:p>
+        </p:txBody>
+      </p:sp>
+      <p:sp>
+        <p:nvSpPr>
+          <p:cNvPr id="6" name="TextBox 5"/>
+          <p:cNvSpPr txBox="1"/>
+          <p:nvPr/>
+        </p:nvSpPr>
+        <p:spPr>
+          <a:xfrm>
+            <a:off x="1097280" y="3017520"/>
+            <a:ext cx="3291840" cy="274320"/>
+          </a:xfrm>
+          <a:prstGeom prst="rect">
+            <a:avLst/>
+          </a:prstGeom>
+          <a:noFill/>
+        </p:spPr>
+        <p:txBody>
+          <a:bodyPr wrap="none">
+            <a:spAutoFit/>
+          </a:bodyPr>
+          <a:lstStyle/>
+          <a:p>
+            <a:r>
+              <a:rPr sz="1000">
+                <a:solidFill>
+                  <a:srgbClr val="808080"/>
+                </a:solidFill>
+              </a:rPr>
+              <a:t>March 28, 2023</a:t>
+            </a:r>
+          </a:p>
+        </p:txBody>
+      </p:sp>
+      <p:sp>
+        <p:nvSpPr>
+          <p:cNvPr id="7" name="Rounded Rectangle 6"/>
           <p:cNvSpPr/>
           <p:nvPr/>
         </p:nvSpPr>
         <p:spPr>
           <a:xfrm>
-            <a:off x="2390588" y="3106881"/>
-            <a:ext cx="4781176" cy="0"/>
-          </a:xfrm>
-          <a:prstGeom prst="rect">
-            <a:avLst/>
-          </a:prstGeom>
+            <a:off x="5029200" y="1828800"/>
+            <a:ext cx="3657600" cy="1828800"/>
+          </a:xfrm>
+          <a:prstGeom prst="roundRect">
+            <a:avLst/>
+          </a:prstGeom>
+          <a:solidFill>
+            <a:srgbClr val="FFFFFF"/>
+          </a:solidFill>
+          <a:ln>
+            <a:solidFill>
+              <a:srgbClr val="E6E6E6"/>
+            </a:solidFill>
+          </a:ln>
         </p:spPr>
         <p:style>
           <a:lnRef idx="1">
@@ -3633,18 +4411,53 @@
       </p:sp>
       <p:sp>
         <p:nvSpPr>
-          <p:cNvPr id="6" name="Rectangle 5"/>
+          <p:cNvPr id="8" name="TextBox 7"/>
+          <p:cNvSpPr txBox="1"/>
+          <p:nvPr/>
+        </p:nvSpPr>
+        <p:spPr>
+          <a:xfrm>
+            <a:off x="5212080" y="2011680"/>
+            <a:ext cx="3291840" cy="457200"/>
+          </a:xfrm>
+          <a:prstGeom prst="rect">
+            <a:avLst/>
+          </a:prstGeom>
+          <a:noFill/>
+        </p:spPr>
+        <p:txBody>
+          <a:bodyPr wrap="none">
+            <a:spAutoFit/>
+          </a:bodyPr>
+          <a:lstStyle/>
+          <a:p>
+            <a:r>
+              <a:rPr b="1" sz="1600"/>
+              <a:t>Spain</a:t>
+            </a:r>
+          </a:p>
+        </p:txBody>
+      </p:sp>
+      <p:sp>
+        <p:nvSpPr>
+          <p:cNvPr id="9" name="Oval 8"/>
           <p:cNvSpPr/>
           <p:nvPr/>
         </p:nvSpPr>
         <p:spPr>
           <a:xfrm>
-            <a:off x="2390588" y="3096490"/>
-            <a:ext cx="4781176" cy="0"/>
-          </a:xfrm>
-          <a:prstGeom prst="rect">
-            <a:avLst/>
-          </a:prstGeom>
+            <a:off x="8321040" y="2103120"/>
+            <a:ext cx="137160" cy="137160"/>
+          </a:xfrm>
+          <a:prstGeom prst="ellipse">
+            <a:avLst/>
+          </a:prstGeom>
+          <a:solidFill>
+            <a:srgbClr val="4CAF50"/>
+          </a:solidFill>
+          <a:ln>
+            <a:noFill/>
+          </a:ln>
         </p:spPr>
         <p:style>
           <a:lnRef idx="1">
@@ -3670,18 +4483,55 @@
       </p:sp>
       <p:sp>
         <p:nvSpPr>
-          <p:cNvPr id="7" name="Rectangle 6"/>
+          <p:cNvPr id="10" name="TextBox 9"/>
+          <p:cNvSpPr txBox="1"/>
+          <p:nvPr/>
+        </p:nvSpPr>
+        <p:spPr>
+          <a:xfrm>
+            <a:off x="5212080" y="2560320"/>
+            <a:ext cx="3291840" cy="457200"/>
+          </a:xfrm>
+          <a:prstGeom prst="rect">
+            <a:avLst/>
+          </a:prstGeom>
+          <a:noFill/>
+        </p:spPr>
+        <p:txBody>
+          <a:bodyPr wrap="none">
+            <a:spAutoFit/>
+          </a:bodyPr>
+          <a:lstStyle/>
+          <a:p>
+            <a:r>
+              <a:rPr sz="1200"/>
+              <a:t>Business data received</a:t>
+            </a:r>
+          </a:p>
+        </p:txBody>
+      </p:sp>
+      <p:sp>
+        <p:nvSpPr>
+          <p:cNvPr id="11" name="Rounded Rectangle 10"/>
           <p:cNvSpPr/>
           <p:nvPr/>
         </p:nvSpPr>
         <p:spPr>
           <a:xfrm>
-            <a:off x="2390588" y="3086099"/>
-            <a:ext cx="4781176" cy="0"/>
-          </a:xfrm>
-          <a:prstGeom prst="rect">
-            <a:avLst/>
-          </a:prstGeom>
+            <a:off x="9144000" y="1828800"/>
+            <a:ext cx="3657600" cy="1828800"/>
+          </a:xfrm>
+          <a:prstGeom prst="roundRect">
+            <a:avLst/>
+          </a:prstGeom>
+          <a:solidFill>
+            <a:srgbClr val="FFFFFF"/>
+          </a:solidFill>
+          <a:ln>
+            <a:solidFill>
+              <a:srgbClr val="E6E6E6"/>
+            </a:solidFill>
+          </a:ln>
         </p:spPr>
         <p:style>
           <a:lnRef idx="1">
@@ -3707,18 +4557,53 @@
       </p:sp>
       <p:sp>
         <p:nvSpPr>
-          <p:cNvPr id="8" name="Rectangle 7"/>
+          <p:cNvPr id="12" name="TextBox 11"/>
+          <p:cNvSpPr txBox="1"/>
+          <p:nvPr/>
+        </p:nvSpPr>
+        <p:spPr>
+          <a:xfrm>
+            <a:off x="9326880" y="2011680"/>
+            <a:ext cx="3291840" cy="457200"/>
+          </a:xfrm>
+          <a:prstGeom prst="rect">
+            <a:avLst/>
+          </a:prstGeom>
+          <a:noFill/>
+        </p:spPr>
+        <p:txBody>
+          <a:bodyPr wrap="none">
+            <a:spAutoFit/>
+          </a:bodyPr>
+          <a:lstStyle/>
+          <a:p>
+            <a:r>
+              <a:rPr b="1" sz="1600"/>
+              <a:t>Belgium</a:t>
+            </a:r>
+          </a:p>
+        </p:txBody>
+      </p:sp>
+      <p:sp>
+        <p:nvSpPr>
+          <p:cNvPr id="13" name="Oval 12"/>
           <p:cNvSpPr/>
           <p:nvPr/>
         </p:nvSpPr>
         <p:spPr>
           <a:xfrm>
-            <a:off x="2390588" y="3075709"/>
-            <a:ext cx="4781176" cy="0"/>
-          </a:xfrm>
-          <a:prstGeom prst="rect">
-            <a:avLst/>
-          </a:prstGeom>
+            <a:off x="12435840" y="2103120"/>
+            <a:ext cx="137160" cy="137160"/>
+          </a:xfrm>
+          <a:prstGeom prst="ellipse">
+            <a:avLst/>
+          </a:prstGeom>
+          <a:solidFill>
+            <a:srgbClr val="4CAF50"/>
+          </a:solidFill>
+          <a:ln>
+            <a:noFill/>
+          </a:ln>
         </p:spPr>
         <p:style>
           <a:lnRef idx="1">
@@ -3744,18 +4629,55 @@
       </p:sp>
       <p:sp>
         <p:nvSpPr>
-          <p:cNvPr id="9" name="Rectangle 8"/>
+          <p:cNvPr id="14" name="TextBox 13"/>
+          <p:cNvSpPr txBox="1"/>
+          <p:nvPr/>
+        </p:nvSpPr>
+        <p:spPr>
+          <a:xfrm>
+            <a:off x="9326880" y="2560320"/>
+            <a:ext cx="3291840" cy="457200"/>
+          </a:xfrm>
+          <a:prstGeom prst="rect">
+            <a:avLst/>
+          </a:prstGeom>
+          <a:noFill/>
+        </p:spPr>
+        <p:txBody>
+          <a:bodyPr wrap="none">
+            <a:spAutoFit/>
+          </a:bodyPr>
+          <a:lstStyle/>
+          <a:p>
+            <a:r>
+              <a:rPr sz="1200"/>
+              <a:t>Work commencing March 31st</a:t>
+            </a:r>
+          </a:p>
+        </p:txBody>
+      </p:sp>
+      <p:sp>
+        <p:nvSpPr>
+          <p:cNvPr id="15" name="Rounded Rectangle 14"/>
           <p:cNvSpPr/>
           <p:nvPr/>
         </p:nvSpPr>
         <p:spPr>
           <a:xfrm>
-            <a:off x="2390588" y="3065318"/>
-            <a:ext cx="4781176" cy="0"/>
-          </a:xfrm>
-          <a:prstGeom prst="rect">
-            <a:avLst/>
-          </a:prstGeom>
+            <a:off x="13258800" y="1828800"/>
+            <a:ext cx="3657600" cy="1828800"/>
+          </a:xfrm>
+          <a:prstGeom prst="roundRect">
+            <a:avLst/>
+          </a:prstGeom>
+          <a:solidFill>
+            <a:srgbClr val="FFFFFF"/>
+          </a:solidFill>
+          <a:ln>
+            <a:solidFill>
+              <a:srgbClr val="E6E6E6"/>
+            </a:solidFill>
+          </a:ln>
         </p:spPr>
         <p:style>
           <a:lnRef idx="1">
@@ -3781,18 +4703,53 @@
       </p:sp>
       <p:sp>
         <p:nvSpPr>
-          <p:cNvPr id="10" name="Rectangle 9"/>
+          <p:cNvPr id="16" name="TextBox 15"/>
+          <p:cNvSpPr txBox="1"/>
+          <p:nvPr/>
+        </p:nvSpPr>
+        <p:spPr>
+          <a:xfrm>
+            <a:off x="13441680" y="2011680"/>
+            <a:ext cx="3291840" cy="457200"/>
+          </a:xfrm>
+          <a:prstGeom prst="rect">
+            <a:avLst/>
+          </a:prstGeom>
+          <a:noFill/>
+        </p:spPr>
+        <p:txBody>
+          <a:bodyPr wrap="none">
+            <a:spAutoFit/>
+          </a:bodyPr>
+          <a:lstStyle/>
+          <a:p>
+            <a:r>
+              <a:rPr b="1" sz="1600"/>
+              <a:t>India</a:t>
+            </a:r>
+          </a:p>
+        </p:txBody>
+      </p:sp>
+      <p:sp>
+        <p:nvSpPr>
+          <p:cNvPr id="17" name="Oval 16"/>
           <p:cNvSpPr/>
           <p:nvPr/>
         </p:nvSpPr>
         <p:spPr>
           <a:xfrm>
-            <a:off x="2390588" y="3054927"/>
-            <a:ext cx="4781176" cy="0"/>
-          </a:xfrm>
-          <a:prstGeom prst="rect">
-            <a:avLst/>
-          </a:prstGeom>
+            <a:off x="16550640" y="2103120"/>
+            <a:ext cx="137160" cy="137160"/>
+          </a:xfrm>
+          <a:prstGeom prst="ellipse">
+            <a:avLst/>
+          </a:prstGeom>
+          <a:solidFill>
+            <a:srgbClr val="F44336"/>
+          </a:solidFill>
+          <a:ln>
+            <a:noFill/>
+          </a:ln>
         </p:spPr>
         <p:style>
           <a:lnRef idx="1">
@@ -3818,18 +4775,53 @@
       </p:sp>
       <p:sp>
         <p:nvSpPr>
-          <p:cNvPr id="11" name="Rectangle 10"/>
+          <p:cNvPr id="18" name="TextBox 17"/>
+          <p:cNvSpPr txBox="1"/>
+          <p:nvPr/>
+        </p:nvSpPr>
+        <p:spPr>
+          <a:xfrm>
+            <a:off x="13441680" y="2560320"/>
+            <a:ext cx="3291840" cy="457200"/>
+          </a:xfrm>
+          <a:prstGeom prst="rect">
+            <a:avLst/>
+          </a:prstGeom>
+          <a:noFill/>
+        </p:spPr>
+        <p:txBody>
+          <a:bodyPr wrap="none">
+            <a:spAutoFit/>
+          </a:bodyPr>
+          <a:lstStyle/>
+          <a:p>
+            <a:r>
+              <a:rPr sz="1200"/>
+              <a:t>Awaiting data</a:t>
+            </a:r>
+          </a:p>
+        </p:txBody>
+      </p:sp>
+      <p:sp>
+        <p:nvSpPr>
+          <p:cNvPr id="19" name="Rectangle 18"/>
           <p:cNvSpPr/>
           <p:nvPr/>
         </p:nvSpPr>
         <p:spPr>
           <a:xfrm>
-            <a:off x="2390588" y="3044536"/>
-            <a:ext cx="4781176" cy="0"/>
-          </a:xfrm>
-          <a:prstGeom prst="rect">
-            <a:avLst/>
-          </a:prstGeom>
+            <a:off x="2743200" y="4572000"/>
+            <a:ext cx="5486400" cy="274320"/>
+          </a:xfrm>
+          <a:prstGeom prst="rect">
+            <a:avLst/>
+          </a:prstGeom>
+          <a:solidFill>
+            <a:srgbClr val="E6E6E6"/>
+          </a:solidFill>
+          <a:ln>
+            <a:noFill/>
+          </a:ln>
         </p:spPr>
         <p:style>
           <a:lnRef idx="1">
@@ -3855,18 +4847,24 @@
       </p:sp>
       <p:sp>
         <p:nvSpPr>
-          <p:cNvPr id="12" name="Rectangle 11"/>
+          <p:cNvPr id="20" name="Rectangle 19"/>
           <p:cNvSpPr/>
           <p:nvPr/>
         </p:nvSpPr>
         <p:spPr>
           <a:xfrm>
-            <a:off x="2390588" y="3034145"/>
-            <a:ext cx="4781176" cy="0"/>
-          </a:xfrm>
-          <a:prstGeom prst="rect">
-            <a:avLst/>
-          </a:prstGeom>
+            <a:off x="2743200" y="4572000"/>
+            <a:ext cx="1920239" cy="274320"/>
+          </a:xfrm>
+          <a:prstGeom prst="rect">
+            <a:avLst/>
+          </a:prstGeom>
+          <a:solidFill>
+            <a:srgbClr val="0078D4"/>
+          </a:solidFill>
+          <a:ln>
+            <a:noFill/>
+          </a:ln>
         </p:spPr>
         <p:style>
           <a:lnRef idx="1">
@@ -3892,18 +4890,53 @@
       </p:sp>
       <p:sp>
         <p:nvSpPr>
-          <p:cNvPr id="13" name="Rectangle 12"/>
+          <p:cNvPr id="21" name="TextBox 20"/>
+          <p:cNvSpPr txBox="1"/>
+          <p:nvPr/>
+        </p:nvSpPr>
+        <p:spPr>
+          <a:xfrm>
+            <a:off x="1645920" y="4480560"/>
+            <a:ext cx="914400" cy="274320"/>
+          </a:xfrm>
+          <a:prstGeom prst="rect">
+            <a:avLst/>
+          </a:prstGeom>
+          <a:noFill/>
+        </p:spPr>
+        <p:txBody>
+          <a:bodyPr wrap="none">
+            <a:spAutoFit/>
+          </a:bodyPr>
+          <a:lstStyle/>
+          <a:p>
+            <a:r>
+              <a:rPr sz="1000"/>
+              <a:t>Germany</a:t>
+            </a:r>
+          </a:p>
+        </p:txBody>
+      </p:sp>
+      <p:sp>
+        <p:nvSpPr>
+          <p:cNvPr id="22" name="Rectangle 21"/>
           <p:cNvSpPr/>
           <p:nvPr/>
         </p:nvSpPr>
         <p:spPr>
           <a:xfrm>
-            <a:off x="2390588" y="3023754"/>
-            <a:ext cx="4781176" cy="0"/>
-          </a:xfrm>
-          <a:prstGeom prst="rect">
-            <a:avLst/>
-          </a:prstGeom>
+            <a:off x="2743200" y="5029200"/>
+            <a:ext cx="5486400" cy="274320"/>
+          </a:xfrm>
+          <a:prstGeom prst="rect">
+            <a:avLst/>
+          </a:prstGeom>
+          <a:solidFill>
+            <a:srgbClr val="E6E6E6"/>
+          </a:solidFill>
+          <a:ln>
+            <a:noFill/>
+          </a:ln>
         </p:spPr>
         <p:style>
           <a:lnRef idx="1">
@@ -3929,18 +4962,24 @@
       </p:sp>
       <p:sp>
         <p:nvSpPr>
-          <p:cNvPr id="14" name="Rectangle 13"/>
+          <p:cNvPr id="23" name="Rectangle 22"/>
           <p:cNvSpPr/>
           <p:nvPr/>
         </p:nvSpPr>
         <p:spPr>
           <a:xfrm>
-            <a:off x="2390588" y="3013363"/>
-            <a:ext cx="4781176" cy="0"/>
-          </a:xfrm>
-          <a:prstGeom prst="rect">
-            <a:avLst/>
-          </a:prstGeom>
+            <a:off x="2743200" y="5029200"/>
+            <a:ext cx="4114800" cy="274320"/>
+          </a:xfrm>
+          <a:prstGeom prst="rect">
+            <a:avLst/>
+          </a:prstGeom>
+          <a:solidFill>
+            <a:srgbClr val="0078D4"/>
+          </a:solidFill>
+          <a:ln>
+            <a:noFill/>
+          </a:ln>
         </p:spPr>
         <p:style>
           <a:lnRef idx="1">
@@ -3966,18 +5005,53 @@
       </p:sp>
       <p:sp>
         <p:nvSpPr>
-          <p:cNvPr id="15" name="Rectangle 14"/>
+          <p:cNvPr id="24" name="TextBox 23"/>
+          <p:cNvSpPr txBox="1"/>
+          <p:nvPr/>
+        </p:nvSpPr>
+        <p:spPr>
+          <a:xfrm>
+            <a:off x="1645920" y="4937760"/>
+            <a:ext cx="914400" cy="274320"/>
+          </a:xfrm>
+          <a:prstGeom prst="rect">
+            <a:avLst/>
+          </a:prstGeom>
+          <a:noFill/>
+        </p:spPr>
+        <p:txBody>
+          <a:bodyPr wrap="none">
+            <a:spAutoFit/>
+          </a:bodyPr>
+          <a:lstStyle/>
+          <a:p>
+            <a:r>
+              <a:rPr sz="1000"/>
+              <a:t>Spain</a:t>
+            </a:r>
+          </a:p>
+        </p:txBody>
+      </p:sp>
+      <p:sp>
+        <p:nvSpPr>
+          <p:cNvPr id="25" name="Rectangle 24"/>
           <p:cNvSpPr/>
           <p:nvPr/>
         </p:nvSpPr>
         <p:spPr>
           <a:xfrm>
-            <a:off x="2390588" y="3002972"/>
-            <a:ext cx="4781176" cy="0"/>
-          </a:xfrm>
-          <a:prstGeom prst="rect">
-            <a:avLst/>
-          </a:prstGeom>
+            <a:off x="2743200" y="5486400"/>
+            <a:ext cx="5486400" cy="274320"/>
+          </a:xfrm>
+          <a:prstGeom prst="rect">
+            <a:avLst/>
+          </a:prstGeom>
+          <a:solidFill>
+            <a:srgbClr val="E6E6E6"/>
+          </a:solidFill>
+          <a:ln>
+            <a:noFill/>
+          </a:ln>
         </p:spPr>
         <p:style>
           <a:lnRef idx="1">
@@ -4003,18 +5077,24 @@
       </p:sp>
       <p:sp>
         <p:nvSpPr>
-          <p:cNvPr id="16" name="Rectangle 15"/>
+          <p:cNvPr id="26" name="Rectangle 25"/>
           <p:cNvSpPr/>
           <p:nvPr/>
         </p:nvSpPr>
         <p:spPr>
           <a:xfrm>
-            <a:off x="2390588" y="2992581"/>
-            <a:ext cx="4781176" cy="0"/>
-          </a:xfrm>
-          <a:prstGeom prst="rect">
-            <a:avLst/>
-          </a:prstGeom>
+            <a:off x="2743200" y="5486400"/>
+            <a:ext cx="4389120" cy="274320"/>
+          </a:xfrm>
+          <a:prstGeom prst="rect">
+            <a:avLst/>
+          </a:prstGeom>
+          <a:solidFill>
+            <a:srgbClr val="0078D4"/>
+          </a:solidFill>
+          <a:ln>
+            <a:noFill/>
+          </a:ln>
         </p:spPr>
         <p:style>
           <a:lnRef idx="1">
@@ -4040,18 +5120,53 @@
       </p:sp>
       <p:sp>
         <p:nvSpPr>
-          <p:cNvPr id="17" name="Rectangle 16"/>
+          <p:cNvPr id="27" name="TextBox 26"/>
+          <p:cNvSpPr txBox="1"/>
+          <p:nvPr/>
+        </p:nvSpPr>
+        <p:spPr>
+          <a:xfrm>
+            <a:off x="1645920" y="5394960"/>
+            <a:ext cx="914400" cy="274320"/>
+          </a:xfrm>
+          <a:prstGeom prst="rect">
+            <a:avLst/>
+          </a:prstGeom>
+          <a:noFill/>
+        </p:spPr>
+        <p:txBody>
+          <a:bodyPr wrap="none">
+            <a:spAutoFit/>
+          </a:bodyPr>
+          <a:lstStyle/>
+          <a:p>
+            <a:r>
+              <a:rPr sz="1000"/>
+              <a:t>Belgium</a:t>
+            </a:r>
+          </a:p>
+        </p:txBody>
+      </p:sp>
+      <p:sp>
+        <p:nvSpPr>
+          <p:cNvPr id="28" name="Rectangle 27"/>
           <p:cNvSpPr/>
           <p:nvPr/>
         </p:nvSpPr>
         <p:spPr>
           <a:xfrm>
-            <a:off x="2390588" y="2982190"/>
-            <a:ext cx="4781176" cy="0"/>
-          </a:xfrm>
-          <a:prstGeom prst="rect">
-            <a:avLst/>
-          </a:prstGeom>
+            <a:off x="2743200" y="5943600"/>
+            <a:ext cx="5486400" cy="274320"/>
+          </a:xfrm>
+          <a:prstGeom prst="rect">
+            <a:avLst/>
+          </a:prstGeom>
+          <a:solidFill>
+            <a:srgbClr val="E6E6E6"/>
+          </a:solidFill>
+          <a:ln>
+            <a:noFill/>
+          </a:ln>
         </p:spPr>
         <p:style>
           <a:lnRef idx="1">
@@ -4077,18 +5192,24 @@
       </p:sp>
       <p:sp>
         <p:nvSpPr>
-          <p:cNvPr id="18" name="Rectangle 17"/>
+          <p:cNvPr id="29" name="Rectangle 28"/>
           <p:cNvSpPr/>
           <p:nvPr/>
         </p:nvSpPr>
         <p:spPr>
           <a:xfrm>
-            <a:off x="2390588" y="2971799"/>
-            <a:ext cx="4781176" cy="0"/>
-          </a:xfrm>
-          <a:prstGeom prst="rect">
-            <a:avLst/>
-          </a:prstGeom>
+            <a:off x="2743200" y="5943600"/>
+            <a:ext cx="1097280" cy="274320"/>
+          </a:xfrm>
+          <a:prstGeom prst="rect">
+            <a:avLst/>
+          </a:prstGeom>
+          <a:solidFill>
+            <a:srgbClr val="0078D4"/>
+          </a:solidFill>
+          <a:ln>
+            <a:noFill/>
+          </a:ln>
         </p:spPr>
         <p:style>
           <a:lnRef idx="1">
@@ -4114,3257 +5235,30 @@
       </p:sp>
       <p:sp>
         <p:nvSpPr>
-          <p:cNvPr id="19" name="Rectangle 18"/>
-          <p:cNvSpPr/>
-          <p:nvPr/>
-        </p:nvSpPr>
-        <p:spPr>
-          <a:xfrm>
-            <a:off x="2390588" y="2961409"/>
-            <a:ext cx="4781176" cy="0"/>
-          </a:xfrm>
-          <a:prstGeom prst="rect">
-            <a:avLst/>
-          </a:prstGeom>
-        </p:spPr>
-        <p:style>
-          <a:lnRef idx="1">
-            <a:schemeClr val="accent1"/>
-          </a:lnRef>
-          <a:fillRef idx="3">
-            <a:schemeClr val="accent1"/>
-          </a:fillRef>
-          <a:effectRef idx="2">
-            <a:schemeClr val="accent1"/>
-          </a:effectRef>
-          <a:fontRef idx="minor">
-            <a:schemeClr val="lt1"/>
-          </a:fontRef>
-        </p:style>
-        <p:txBody>
-          <a:bodyPr rtlCol="0" anchor="ctr"/>
-          <a:lstStyle/>
-          <a:p>
-            <a:pPr algn="ctr"/>
-          </a:p>
-        </p:txBody>
-      </p:sp>
-      <p:sp>
-        <p:nvSpPr>
-          <p:cNvPr id="20" name="Rectangle 19"/>
-          <p:cNvSpPr/>
-          <p:nvPr/>
-        </p:nvSpPr>
-        <p:spPr>
-          <a:xfrm>
-            <a:off x="2390588" y="2951018"/>
-            <a:ext cx="4781176" cy="0"/>
-          </a:xfrm>
-          <a:prstGeom prst="rect">
-            <a:avLst/>
-          </a:prstGeom>
-        </p:spPr>
-        <p:style>
-          <a:lnRef idx="1">
-            <a:schemeClr val="accent1"/>
-          </a:lnRef>
-          <a:fillRef idx="3">
-            <a:schemeClr val="accent1"/>
-          </a:fillRef>
-          <a:effectRef idx="2">
-            <a:schemeClr val="accent1"/>
-          </a:effectRef>
-          <a:fontRef idx="minor">
-            <a:schemeClr val="lt1"/>
-          </a:fontRef>
-        </p:style>
-        <p:txBody>
-          <a:bodyPr rtlCol="0" anchor="ctr"/>
-          <a:lstStyle/>
-          <a:p>
-            <a:pPr algn="ctr"/>
-          </a:p>
-        </p:txBody>
-      </p:sp>
-      <p:sp>
-        <p:nvSpPr>
-          <p:cNvPr id="21" name="Rectangle 20"/>
-          <p:cNvSpPr/>
-          <p:nvPr/>
-        </p:nvSpPr>
-        <p:spPr>
-          <a:xfrm>
-            <a:off x="2390588" y="2940627"/>
-            <a:ext cx="4781176" cy="0"/>
-          </a:xfrm>
-          <a:prstGeom prst="rect">
-            <a:avLst/>
-          </a:prstGeom>
-        </p:spPr>
-        <p:style>
-          <a:lnRef idx="1">
-            <a:schemeClr val="accent1"/>
-          </a:lnRef>
-          <a:fillRef idx="3">
-            <a:schemeClr val="accent1"/>
-          </a:fillRef>
-          <a:effectRef idx="2">
-            <a:schemeClr val="accent1"/>
-          </a:effectRef>
-          <a:fontRef idx="minor">
-            <a:schemeClr val="lt1"/>
-          </a:fontRef>
-        </p:style>
-        <p:txBody>
-          <a:bodyPr rtlCol="0" anchor="ctr"/>
-          <a:lstStyle/>
-          <a:p>
-            <a:pPr algn="ctr"/>
-          </a:p>
-        </p:txBody>
-      </p:sp>
-      <p:sp>
-        <p:nvSpPr>
-          <p:cNvPr id="22" name="Rectangle 21"/>
-          <p:cNvSpPr/>
-          <p:nvPr/>
-        </p:nvSpPr>
-        <p:spPr>
-          <a:xfrm>
-            <a:off x="2390588" y="2930236"/>
-            <a:ext cx="4781176" cy="0"/>
-          </a:xfrm>
-          <a:prstGeom prst="rect">
-            <a:avLst/>
-          </a:prstGeom>
-        </p:spPr>
-        <p:style>
-          <a:lnRef idx="1">
-            <a:schemeClr val="accent1"/>
-          </a:lnRef>
-          <a:fillRef idx="3">
-            <a:schemeClr val="accent1"/>
-          </a:fillRef>
-          <a:effectRef idx="2">
-            <a:schemeClr val="accent1"/>
-          </a:effectRef>
-          <a:fontRef idx="minor">
-            <a:schemeClr val="lt1"/>
-          </a:fontRef>
-        </p:style>
-        <p:txBody>
-          <a:bodyPr rtlCol="0" anchor="ctr"/>
-          <a:lstStyle/>
-          <a:p>
-            <a:pPr algn="ctr"/>
-          </a:p>
-        </p:txBody>
-      </p:sp>
-      <p:sp>
-        <p:nvSpPr>
-          <p:cNvPr id="23" name="Rectangle 22"/>
-          <p:cNvSpPr/>
-          <p:nvPr/>
-        </p:nvSpPr>
-        <p:spPr>
-          <a:xfrm>
-            <a:off x="2390588" y="2919845"/>
-            <a:ext cx="4781176" cy="0"/>
-          </a:xfrm>
-          <a:prstGeom prst="rect">
-            <a:avLst/>
-          </a:prstGeom>
-        </p:spPr>
-        <p:style>
-          <a:lnRef idx="1">
-            <a:schemeClr val="accent1"/>
-          </a:lnRef>
-          <a:fillRef idx="3">
-            <a:schemeClr val="accent1"/>
-          </a:fillRef>
-          <a:effectRef idx="2">
-            <a:schemeClr val="accent1"/>
-          </a:effectRef>
-          <a:fontRef idx="minor">
-            <a:schemeClr val="lt1"/>
-          </a:fontRef>
-        </p:style>
-        <p:txBody>
-          <a:bodyPr rtlCol="0" anchor="ctr"/>
-          <a:lstStyle/>
-          <a:p>
-            <a:pPr algn="ctr"/>
-          </a:p>
-        </p:txBody>
-      </p:sp>
-      <p:sp>
-        <p:nvSpPr>
-          <p:cNvPr id="24" name="Rectangle 23"/>
-          <p:cNvSpPr/>
-          <p:nvPr/>
-        </p:nvSpPr>
-        <p:spPr>
-          <a:xfrm>
-            <a:off x="2390588" y="2909454"/>
-            <a:ext cx="4781176" cy="0"/>
-          </a:xfrm>
-          <a:prstGeom prst="rect">
-            <a:avLst/>
-          </a:prstGeom>
-        </p:spPr>
-        <p:style>
-          <a:lnRef idx="1">
-            <a:schemeClr val="accent1"/>
-          </a:lnRef>
-          <a:fillRef idx="3">
-            <a:schemeClr val="accent1"/>
-          </a:fillRef>
-          <a:effectRef idx="2">
-            <a:schemeClr val="accent1"/>
-          </a:effectRef>
-          <a:fontRef idx="minor">
-            <a:schemeClr val="lt1"/>
-          </a:fontRef>
-        </p:style>
-        <p:txBody>
-          <a:bodyPr rtlCol="0" anchor="ctr"/>
-          <a:lstStyle/>
-          <a:p>
-            <a:pPr algn="ctr"/>
-          </a:p>
-        </p:txBody>
-      </p:sp>
-      <p:sp>
-        <p:nvSpPr>
-          <p:cNvPr id="25" name="Rectangle 24"/>
-          <p:cNvSpPr/>
-          <p:nvPr/>
-        </p:nvSpPr>
-        <p:spPr>
-          <a:xfrm>
-            <a:off x="2390588" y="2899063"/>
-            <a:ext cx="4781176" cy="0"/>
-          </a:xfrm>
-          <a:prstGeom prst="rect">
-            <a:avLst/>
-          </a:prstGeom>
-        </p:spPr>
-        <p:style>
-          <a:lnRef idx="1">
-            <a:schemeClr val="accent1"/>
-          </a:lnRef>
-          <a:fillRef idx="3">
-            <a:schemeClr val="accent1"/>
-          </a:fillRef>
-          <a:effectRef idx="2">
-            <a:schemeClr val="accent1"/>
-          </a:effectRef>
-          <a:fontRef idx="minor">
-            <a:schemeClr val="lt1"/>
-          </a:fontRef>
-        </p:style>
-        <p:txBody>
-          <a:bodyPr rtlCol="0" anchor="ctr"/>
-          <a:lstStyle/>
-          <a:p>
-            <a:pPr algn="ctr"/>
-          </a:p>
-        </p:txBody>
-      </p:sp>
-      <p:sp>
-        <p:nvSpPr>
-          <p:cNvPr id="26" name="Rectangle 25"/>
-          <p:cNvSpPr/>
-          <p:nvPr/>
-        </p:nvSpPr>
-        <p:spPr>
-          <a:xfrm>
-            <a:off x="2390588" y="2888672"/>
-            <a:ext cx="4781176" cy="0"/>
-          </a:xfrm>
-          <a:prstGeom prst="rect">
-            <a:avLst/>
-          </a:prstGeom>
-        </p:spPr>
-        <p:style>
-          <a:lnRef idx="1">
-            <a:schemeClr val="accent1"/>
-          </a:lnRef>
-          <a:fillRef idx="3">
-            <a:schemeClr val="accent1"/>
-          </a:fillRef>
-          <a:effectRef idx="2">
-            <a:schemeClr val="accent1"/>
-          </a:effectRef>
-          <a:fontRef idx="minor">
-            <a:schemeClr val="lt1"/>
-          </a:fontRef>
-        </p:style>
-        <p:txBody>
-          <a:bodyPr rtlCol="0" anchor="ctr"/>
-          <a:lstStyle/>
-          <a:p>
-            <a:pPr algn="ctr"/>
-          </a:p>
-        </p:txBody>
-      </p:sp>
-      <p:sp>
-        <p:nvSpPr>
-          <p:cNvPr id="27" name="Rectangle 26"/>
-          <p:cNvSpPr/>
-          <p:nvPr/>
-        </p:nvSpPr>
-        <p:spPr>
-          <a:xfrm>
-            <a:off x="2390588" y="2878281"/>
-            <a:ext cx="4781176" cy="0"/>
-          </a:xfrm>
-          <a:prstGeom prst="rect">
-            <a:avLst/>
-          </a:prstGeom>
-        </p:spPr>
-        <p:style>
-          <a:lnRef idx="1">
-            <a:schemeClr val="accent1"/>
-          </a:lnRef>
-          <a:fillRef idx="3">
-            <a:schemeClr val="accent1"/>
-          </a:fillRef>
-          <a:effectRef idx="2">
-            <a:schemeClr val="accent1"/>
-          </a:effectRef>
-          <a:fontRef idx="minor">
-            <a:schemeClr val="lt1"/>
-          </a:fontRef>
-        </p:style>
-        <p:txBody>
-          <a:bodyPr rtlCol="0" anchor="ctr"/>
-          <a:lstStyle/>
-          <a:p>
-            <a:pPr algn="ctr"/>
-          </a:p>
-        </p:txBody>
-      </p:sp>
-      <p:sp>
-        <p:nvSpPr>
-          <p:cNvPr id="28" name="Rectangle 27"/>
-          <p:cNvSpPr/>
-          <p:nvPr/>
-        </p:nvSpPr>
-        <p:spPr>
-          <a:xfrm>
-            <a:off x="2390588" y="2867890"/>
-            <a:ext cx="4781176" cy="0"/>
-          </a:xfrm>
-          <a:prstGeom prst="rect">
-            <a:avLst/>
-          </a:prstGeom>
-        </p:spPr>
-        <p:style>
-          <a:lnRef idx="1">
-            <a:schemeClr val="accent1"/>
-          </a:lnRef>
-          <a:fillRef idx="3">
-            <a:schemeClr val="accent1"/>
-          </a:fillRef>
-          <a:effectRef idx="2">
-            <a:schemeClr val="accent1"/>
-          </a:effectRef>
-          <a:fontRef idx="minor">
-            <a:schemeClr val="lt1"/>
-          </a:fontRef>
-        </p:style>
-        <p:txBody>
-          <a:bodyPr rtlCol="0" anchor="ctr"/>
-          <a:lstStyle/>
-          <a:p>
-            <a:pPr algn="ctr"/>
-          </a:p>
-        </p:txBody>
-      </p:sp>
-      <p:sp>
-        <p:nvSpPr>
-          <p:cNvPr id="29" name="Rectangle 28"/>
-          <p:cNvSpPr/>
-          <p:nvPr/>
-        </p:nvSpPr>
-        <p:spPr>
-          <a:xfrm>
-            <a:off x="2390588" y="2857500"/>
-            <a:ext cx="4781176" cy="0"/>
-          </a:xfrm>
-          <a:prstGeom prst="rect">
-            <a:avLst/>
-          </a:prstGeom>
-        </p:spPr>
-        <p:style>
-          <a:lnRef idx="1">
-            <a:schemeClr val="accent1"/>
-          </a:lnRef>
-          <a:fillRef idx="3">
-            <a:schemeClr val="accent1"/>
-          </a:fillRef>
-          <a:effectRef idx="2">
-            <a:schemeClr val="accent1"/>
-          </a:effectRef>
-          <a:fontRef idx="minor">
-            <a:schemeClr val="lt1"/>
-          </a:fontRef>
-        </p:style>
-        <p:txBody>
-          <a:bodyPr rtlCol="0" anchor="ctr"/>
-          <a:lstStyle/>
-          <a:p>
-            <a:pPr algn="ctr"/>
-          </a:p>
-        </p:txBody>
-      </p:sp>
-      <p:sp>
-        <p:nvSpPr>
-          <p:cNvPr id="30" name="Rectangle 29"/>
-          <p:cNvSpPr/>
-          <p:nvPr/>
-        </p:nvSpPr>
-        <p:spPr>
-          <a:xfrm>
-            <a:off x="2390588" y="2847109"/>
-            <a:ext cx="4781176" cy="0"/>
-          </a:xfrm>
-          <a:prstGeom prst="rect">
-            <a:avLst/>
-          </a:prstGeom>
-        </p:spPr>
-        <p:style>
-          <a:lnRef idx="1">
-            <a:schemeClr val="accent1"/>
-          </a:lnRef>
-          <a:fillRef idx="3">
-            <a:schemeClr val="accent1"/>
-          </a:fillRef>
-          <a:effectRef idx="2">
-            <a:schemeClr val="accent1"/>
-          </a:effectRef>
-          <a:fontRef idx="minor">
-            <a:schemeClr val="lt1"/>
-          </a:fontRef>
-        </p:style>
-        <p:txBody>
-          <a:bodyPr rtlCol="0" anchor="ctr"/>
-          <a:lstStyle/>
-          <a:p>
-            <a:pPr algn="ctr"/>
-          </a:p>
-        </p:txBody>
-      </p:sp>
-      <p:sp>
-        <p:nvSpPr>
-          <p:cNvPr id="31" name="Rectangle 30"/>
-          <p:cNvSpPr/>
-          <p:nvPr/>
-        </p:nvSpPr>
-        <p:spPr>
-          <a:xfrm>
-            <a:off x="2390588" y="2836718"/>
-            <a:ext cx="4781176" cy="0"/>
-          </a:xfrm>
-          <a:prstGeom prst="rect">
-            <a:avLst/>
-          </a:prstGeom>
-        </p:spPr>
-        <p:style>
-          <a:lnRef idx="1">
-            <a:schemeClr val="accent1"/>
-          </a:lnRef>
-          <a:fillRef idx="3">
-            <a:schemeClr val="accent1"/>
-          </a:fillRef>
-          <a:effectRef idx="2">
-            <a:schemeClr val="accent1"/>
-          </a:effectRef>
-          <a:fontRef idx="minor">
-            <a:schemeClr val="lt1"/>
-          </a:fontRef>
-        </p:style>
-        <p:txBody>
-          <a:bodyPr rtlCol="0" anchor="ctr"/>
-          <a:lstStyle/>
-          <a:p>
-            <a:pPr algn="ctr"/>
-          </a:p>
-        </p:txBody>
-      </p:sp>
-      <p:sp>
-        <p:nvSpPr>
-          <p:cNvPr id="32" name="Rectangle 31"/>
-          <p:cNvSpPr/>
-          <p:nvPr/>
-        </p:nvSpPr>
-        <p:spPr>
-          <a:xfrm>
-            <a:off x="2390588" y="2826327"/>
-            <a:ext cx="4781176" cy="0"/>
-          </a:xfrm>
-          <a:prstGeom prst="rect">
-            <a:avLst/>
-          </a:prstGeom>
-        </p:spPr>
-        <p:style>
-          <a:lnRef idx="1">
-            <a:schemeClr val="accent1"/>
-          </a:lnRef>
-          <a:fillRef idx="3">
-            <a:schemeClr val="accent1"/>
-          </a:fillRef>
-          <a:effectRef idx="2">
-            <a:schemeClr val="accent1"/>
-          </a:effectRef>
-          <a:fontRef idx="minor">
-            <a:schemeClr val="lt1"/>
-          </a:fontRef>
-        </p:style>
-        <p:txBody>
-          <a:bodyPr rtlCol="0" anchor="ctr"/>
-          <a:lstStyle/>
-          <a:p>
-            <a:pPr algn="ctr"/>
-          </a:p>
-        </p:txBody>
-      </p:sp>
-      <p:sp>
-        <p:nvSpPr>
-          <p:cNvPr id="33" name="Rectangle 32"/>
-          <p:cNvSpPr/>
-          <p:nvPr/>
-        </p:nvSpPr>
-        <p:spPr>
-          <a:xfrm>
-            <a:off x="2390588" y="2815936"/>
-            <a:ext cx="4781176" cy="0"/>
-          </a:xfrm>
-          <a:prstGeom prst="rect">
-            <a:avLst/>
-          </a:prstGeom>
-        </p:spPr>
-        <p:style>
-          <a:lnRef idx="1">
-            <a:schemeClr val="accent1"/>
-          </a:lnRef>
-          <a:fillRef idx="3">
-            <a:schemeClr val="accent1"/>
-          </a:fillRef>
-          <a:effectRef idx="2">
-            <a:schemeClr val="accent1"/>
-          </a:effectRef>
-          <a:fontRef idx="minor">
-            <a:schemeClr val="lt1"/>
-          </a:fontRef>
-        </p:style>
-        <p:txBody>
-          <a:bodyPr rtlCol="0" anchor="ctr"/>
-          <a:lstStyle/>
-          <a:p>
-            <a:pPr algn="ctr"/>
-          </a:p>
-        </p:txBody>
-      </p:sp>
-      <p:sp>
-        <p:nvSpPr>
-          <p:cNvPr id="34" name="Rectangle 33"/>
-          <p:cNvSpPr/>
-          <p:nvPr/>
-        </p:nvSpPr>
-        <p:spPr>
-          <a:xfrm>
-            <a:off x="2390588" y="2805545"/>
-            <a:ext cx="4781176" cy="0"/>
-          </a:xfrm>
-          <a:prstGeom prst="rect">
-            <a:avLst/>
-          </a:prstGeom>
-        </p:spPr>
-        <p:style>
-          <a:lnRef idx="1">
-            <a:schemeClr val="accent1"/>
-          </a:lnRef>
-          <a:fillRef idx="3">
-            <a:schemeClr val="accent1"/>
-          </a:fillRef>
-          <a:effectRef idx="2">
-            <a:schemeClr val="accent1"/>
-          </a:effectRef>
-          <a:fontRef idx="minor">
-            <a:schemeClr val="lt1"/>
-          </a:fontRef>
-        </p:style>
-        <p:txBody>
-          <a:bodyPr rtlCol="0" anchor="ctr"/>
-          <a:lstStyle/>
-          <a:p>
-            <a:pPr algn="ctr"/>
-          </a:p>
-        </p:txBody>
-      </p:sp>
-      <p:sp>
-        <p:nvSpPr>
-          <p:cNvPr id="35" name="Rectangle 34"/>
-          <p:cNvSpPr/>
-          <p:nvPr/>
-        </p:nvSpPr>
-        <p:spPr>
-          <a:xfrm>
-            <a:off x="2390588" y="2795154"/>
-            <a:ext cx="4781176" cy="0"/>
-          </a:xfrm>
-          <a:prstGeom prst="rect">
-            <a:avLst/>
-          </a:prstGeom>
-        </p:spPr>
-        <p:style>
-          <a:lnRef idx="1">
-            <a:schemeClr val="accent1"/>
-          </a:lnRef>
-          <a:fillRef idx="3">
-            <a:schemeClr val="accent1"/>
-          </a:fillRef>
-          <a:effectRef idx="2">
-            <a:schemeClr val="accent1"/>
-          </a:effectRef>
-          <a:fontRef idx="minor">
-            <a:schemeClr val="lt1"/>
-          </a:fontRef>
-        </p:style>
-        <p:txBody>
-          <a:bodyPr rtlCol="0" anchor="ctr"/>
-          <a:lstStyle/>
-          <a:p>
-            <a:pPr algn="ctr"/>
-          </a:p>
-        </p:txBody>
-      </p:sp>
-      <p:sp>
-        <p:nvSpPr>
-          <p:cNvPr id="36" name="Rectangle 35"/>
-          <p:cNvSpPr/>
-          <p:nvPr/>
-        </p:nvSpPr>
-        <p:spPr>
-          <a:xfrm>
-            <a:off x="2390588" y="2784763"/>
-            <a:ext cx="4781176" cy="0"/>
-          </a:xfrm>
-          <a:prstGeom prst="rect">
-            <a:avLst/>
-          </a:prstGeom>
-        </p:spPr>
-        <p:style>
-          <a:lnRef idx="1">
-            <a:schemeClr val="accent1"/>
-          </a:lnRef>
-          <a:fillRef idx="3">
-            <a:schemeClr val="accent1"/>
-          </a:fillRef>
-          <a:effectRef idx="2">
-            <a:schemeClr val="accent1"/>
-          </a:effectRef>
-          <a:fontRef idx="minor">
-            <a:schemeClr val="lt1"/>
-          </a:fontRef>
-        </p:style>
-        <p:txBody>
-          <a:bodyPr rtlCol="0" anchor="ctr"/>
-          <a:lstStyle/>
-          <a:p>
-            <a:pPr algn="ctr"/>
-          </a:p>
-        </p:txBody>
-      </p:sp>
-      <p:sp>
-        <p:nvSpPr>
-          <p:cNvPr id="37" name="Rectangle 36"/>
-          <p:cNvSpPr/>
-          <p:nvPr/>
-        </p:nvSpPr>
-        <p:spPr>
-          <a:xfrm>
-            <a:off x="2390588" y="2774372"/>
-            <a:ext cx="4781176" cy="0"/>
-          </a:xfrm>
-          <a:prstGeom prst="rect">
-            <a:avLst/>
-          </a:prstGeom>
-        </p:spPr>
-        <p:style>
-          <a:lnRef idx="1">
-            <a:schemeClr val="accent1"/>
-          </a:lnRef>
-          <a:fillRef idx="3">
-            <a:schemeClr val="accent1"/>
-          </a:fillRef>
-          <a:effectRef idx="2">
-            <a:schemeClr val="accent1"/>
-          </a:effectRef>
-          <a:fontRef idx="minor">
-            <a:schemeClr val="lt1"/>
-          </a:fontRef>
-        </p:style>
-        <p:txBody>
-          <a:bodyPr rtlCol="0" anchor="ctr"/>
-          <a:lstStyle/>
-          <a:p>
-            <a:pPr algn="ctr"/>
-          </a:p>
-        </p:txBody>
-      </p:sp>
-      <p:sp>
-        <p:nvSpPr>
-          <p:cNvPr id="38" name="Rectangle 37"/>
-          <p:cNvSpPr/>
-          <p:nvPr/>
-        </p:nvSpPr>
-        <p:spPr>
-          <a:xfrm>
-            <a:off x="2390588" y="2763981"/>
-            <a:ext cx="4781176" cy="0"/>
-          </a:xfrm>
-          <a:prstGeom prst="rect">
-            <a:avLst/>
-          </a:prstGeom>
-        </p:spPr>
-        <p:style>
-          <a:lnRef idx="1">
-            <a:schemeClr val="accent1"/>
-          </a:lnRef>
-          <a:fillRef idx="3">
-            <a:schemeClr val="accent1"/>
-          </a:fillRef>
-          <a:effectRef idx="2">
-            <a:schemeClr val="accent1"/>
-          </a:effectRef>
-          <a:fontRef idx="minor">
-            <a:schemeClr val="lt1"/>
-          </a:fontRef>
-        </p:style>
-        <p:txBody>
-          <a:bodyPr rtlCol="0" anchor="ctr"/>
-          <a:lstStyle/>
-          <a:p>
-            <a:pPr algn="ctr"/>
-          </a:p>
-        </p:txBody>
-      </p:sp>
-      <p:sp>
-        <p:nvSpPr>
-          <p:cNvPr id="39" name="Rectangle 38"/>
-          <p:cNvSpPr/>
-          <p:nvPr/>
-        </p:nvSpPr>
-        <p:spPr>
-          <a:xfrm>
-            <a:off x="2390588" y="2753590"/>
-            <a:ext cx="4781176" cy="0"/>
-          </a:xfrm>
-          <a:prstGeom prst="rect">
-            <a:avLst/>
-          </a:prstGeom>
-        </p:spPr>
-        <p:style>
-          <a:lnRef idx="1">
-            <a:schemeClr val="accent1"/>
-          </a:lnRef>
-          <a:fillRef idx="3">
-            <a:schemeClr val="accent1"/>
-          </a:fillRef>
-          <a:effectRef idx="2">
-            <a:schemeClr val="accent1"/>
-          </a:effectRef>
-          <a:fontRef idx="minor">
-            <a:schemeClr val="lt1"/>
-          </a:fontRef>
-        </p:style>
-        <p:txBody>
-          <a:bodyPr rtlCol="0" anchor="ctr"/>
-          <a:lstStyle/>
-          <a:p>
-            <a:pPr algn="ctr"/>
-          </a:p>
-        </p:txBody>
-      </p:sp>
-      <p:sp>
-        <p:nvSpPr>
-          <p:cNvPr id="40" name="Rectangle 39"/>
-          <p:cNvSpPr/>
-          <p:nvPr/>
-        </p:nvSpPr>
-        <p:spPr>
-          <a:xfrm>
-            <a:off x="2390588" y="2743200"/>
-            <a:ext cx="4781176" cy="0"/>
-          </a:xfrm>
-          <a:prstGeom prst="rect">
-            <a:avLst/>
-          </a:prstGeom>
-        </p:spPr>
-        <p:style>
-          <a:lnRef idx="1">
-            <a:schemeClr val="accent1"/>
-          </a:lnRef>
-          <a:fillRef idx="3">
-            <a:schemeClr val="accent1"/>
-          </a:fillRef>
-          <a:effectRef idx="2">
-            <a:schemeClr val="accent1"/>
-          </a:effectRef>
-          <a:fontRef idx="minor">
-            <a:schemeClr val="lt1"/>
-          </a:fontRef>
-        </p:style>
-        <p:txBody>
-          <a:bodyPr rtlCol="0" anchor="ctr"/>
-          <a:lstStyle/>
-          <a:p>
-            <a:pPr algn="ctr"/>
-          </a:p>
-        </p:txBody>
-      </p:sp>
-      <p:sp>
-        <p:nvSpPr>
-          <p:cNvPr id="41" name="Rectangle 40"/>
-          <p:cNvSpPr/>
-          <p:nvPr/>
-        </p:nvSpPr>
-        <p:spPr>
-          <a:xfrm>
-            <a:off x="2390588" y="2732809"/>
-            <a:ext cx="4781176" cy="0"/>
-          </a:xfrm>
-          <a:prstGeom prst="rect">
-            <a:avLst/>
-          </a:prstGeom>
-        </p:spPr>
-        <p:style>
-          <a:lnRef idx="1">
-            <a:schemeClr val="accent1"/>
-          </a:lnRef>
-          <a:fillRef idx="3">
-            <a:schemeClr val="accent1"/>
-          </a:fillRef>
-          <a:effectRef idx="2">
-            <a:schemeClr val="accent1"/>
-          </a:effectRef>
-          <a:fontRef idx="minor">
-            <a:schemeClr val="lt1"/>
-          </a:fontRef>
-        </p:style>
-        <p:txBody>
-          <a:bodyPr rtlCol="0" anchor="ctr"/>
-          <a:lstStyle/>
-          <a:p>
-            <a:pPr algn="ctr"/>
-          </a:p>
-        </p:txBody>
-      </p:sp>
-      <p:sp>
-        <p:nvSpPr>
-          <p:cNvPr id="42" name="Rectangle 41"/>
-          <p:cNvSpPr/>
-          <p:nvPr/>
-        </p:nvSpPr>
-        <p:spPr>
-          <a:xfrm>
-            <a:off x="2390588" y="2722418"/>
-            <a:ext cx="4781176" cy="0"/>
-          </a:xfrm>
-          <a:prstGeom prst="rect">
-            <a:avLst/>
-          </a:prstGeom>
-        </p:spPr>
-        <p:style>
-          <a:lnRef idx="1">
-            <a:schemeClr val="accent1"/>
-          </a:lnRef>
-          <a:fillRef idx="3">
-            <a:schemeClr val="accent1"/>
-          </a:fillRef>
-          <a:effectRef idx="2">
-            <a:schemeClr val="accent1"/>
-          </a:effectRef>
-          <a:fontRef idx="minor">
-            <a:schemeClr val="lt1"/>
-          </a:fontRef>
-        </p:style>
-        <p:txBody>
-          <a:bodyPr rtlCol="0" anchor="ctr"/>
-          <a:lstStyle/>
-          <a:p>
-            <a:pPr algn="ctr"/>
-          </a:p>
-        </p:txBody>
-      </p:sp>
-      <p:sp>
-        <p:nvSpPr>
-          <p:cNvPr id="43" name="Rectangle 42"/>
-          <p:cNvSpPr/>
-          <p:nvPr/>
-        </p:nvSpPr>
-        <p:spPr>
-          <a:xfrm>
-            <a:off x="2390588" y="2712027"/>
-            <a:ext cx="4781176" cy="0"/>
-          </a:xfrm>
-          <a:prstGeom prst="rect">
-            <a:avLst/>
-          </a:prstGeom>
-        </p:spPr>
-        <p:style>
-          <a:lnRef idx="1">
-            <a:schemeClr val="accent1"/>
-          </a:lnRef>
-          <a:fillRef idx="3">
-            <a:schemeClr val="accent1"/>
-          </a:fillRef>
-          <a:effectRef idx="2">
-            <a:schemeClr val="accent1"/>
-          </a:effectRef>
-          <a:fontRef idx="minor">
-            <a:schemeClr val="lt1"/>
-          </a:fontRef>
-        </p:style>
-        <p:txBody>
-          <a:bodyPr rtlCol="0" anchor="ctr"/>
-          <a:lstStyle/>
-          <a:p>
-            <a:pPr algn="ctr"/>
-          </a:p>
-        </p:txBody>
-      </p:sp>
-      <p:sp>
-        <p:nvSpPr>
-          <p:cNvPr id="44" name="Rectangle 43"/>
-          <p:cNvSpPr/>
-          <p:nvPr/>
-        </p:nvSpPr>
-        <p:spPr>
-          <a:xfrm>
-            <a:off x="2390588" y="2701636"/>
-            <a:ext cx="4781176" cy="0"/>
-          </a:xfrm>
-          <a:prstGeom prst="rect">
-            <a:avLst/>
-          </a:prstGeom>
-        </p:spPr>
-        <p:style>
-          <a:lnRef idx="1">
-            <a:schemeClr val="accent1"/>
-          </a:lnRef>
-          <a:fillRef idx="3">
-            <a:schemeClr val="accent1"/>
-          </a:fillRef>
-          <a:effectRef idx="2">
-            <a:schemeClr val="accent1"/>
-          </a:effectRef>
-          <a:fontRef idx="minor">
-            <a:schemeClr val="lt1"/>
-          </a:fontRef>
-        </p:style>
-        <p:txBody>
-          <a:bodyPr rtlCol="0" anchor="ctr"/>
-          <a:lstStyle/>
-          <a:p>
-            <a:pPr algn="ctr"/>
-          </a:p>
-        </p:txBody>
-      </p:sp>
-      <p:sp>
-        <p:nvSpPr>
-          <p:cNvPr id="45" name="Rectangle 44"/>
-          <p:cNvSpPr/>
-          <p:nvPr/>
-        </p:nvSpPr>
-        <p:spPr>
-          <a:xfrm>
-            <a:off x="2390588" y="2691245"/>
-            <a:ext cx="4781176" cy="0"/>
-          </a:xfrm>
-          <a:prstGeom prst="rect">
-            <a:avLst/>
-          </a:prstGeom>
-        </p:spPr>
-        <p:style>
-          <a:lnRef idx="1">
-            <a:schemeClr val="accent1"/>
-          </a:lnRef>
-          <a:fillRef idx="3">
-            <a:schemeClr val="accent1"/>
-          </a:fillRef>
-          <a:effectRef idx="2">
-            <a:schemeClr val="accent1"/>
-          </a:effectRef>
-          <a:fontRef idx="minor">
-            <a:schemeClr val="lt1"/>
-          </a:fontRef>
-        </p:style>
-        <p:txBody>
-          <a:bodyPr rtlCol="0" anchor="ctr"/>
-          <a:lstStyle/>
-          <a:p>
-            <a:pPr algn="ctr"/>
-          </a:p>
-        </p:txBody>
-      </p:sp>
-      <p:sp>
-        <p:nvSpPr>
-          <p:cNvPr id="46" name="Rectangle 45"/>
-          <p:cNvSpPr/>
-          <p:nvPr/>
-        </p:nvSpPr>
-        <p:spPr>
-          <a:xfrm>
-            <a:off x="2390588" y="2680854"/>
-            <a:ext cx="4781176" cy="0"/>
-          </a:xfrm>
-          <a:prstGeom prst="rect">
-            <a:avLst/>
-          </a:prstGeom>
-        </p:spPr>
-        <p:style>
-          <a:lnRef idx="1">
-            <a:schemeClr val="accent1"/>
-          </a:lnRef>
-          <a:fillRef idx="3">
-            <a:schemeClr val="accent1"/>
-          </a:fillRef>
-          <a:effectRef idx="2">
-            <a:schemeClr val="accent1"/>
-          </a:effectRef>
-          <a:fontRef idx="minor">
-            <a:schemeClr val="lt1"/>
-          </a:fontRef>
-        </p:style>
-        <p:txBody>
-          <a:bodyPr rtlCol="0" anchor="ctr"/>
-          <a:lstStyle/>
-          <a:p>
-            <a:pPr algn="ctr"/>
-          </a:p>
-        </p:txBody>
-      </p:sp>
-      <p:sp>
-        <p:nvSpPr>
-          <p:cNvPr id="47" name="Rectangle 46"/>
-          <p:cNvSpPr/>
-          <p:nvPr/>
-        </p:nvSpPr>
-        <p:spPr>
-          <a:xfrm>
-            <a:off x="2390588" y="2670463"/>
-            <a:ext cx="4781176" cy="0"/>
-          </a:xfrm>
-          <a:prstGeom prst="rect">
-            <a:avLst/>
-          </a:prstGeom>
-        </p:spPr>
-        <p:style>
-          <a:lnRef idx="1">
-            <a:schemeClr val="accent1"/>
-          </a:lnRef>
-          <a:fillRef idx="3">
-            <a:schemeClr val="accent1"/>
-          </a:fillRef>
-          <a:effectRef idx="2">
-            <a:schemeClr val="accent1"/>
-          </a:effectRef>
-          <a:fontRef idx="minor">
-            <a:schemeClr val="lt1"/>
-          </a:fontRef>
-        </p:style>
-        <p:txBody>
-          <a:bodyPr rtlCol="0" anchor="ctr"/>
-          <a:lstStyle/>
-          <a:p>
-            <a:pPr algn="ctr"/>
-          </a:p>
-        </p:txBody>
-      </p:sp>
-      <p:sp>
-        <p:nvSpPr>
-          <p:cNvPr id="48" name="Rectangle 47"/>
-          <p:cNvSpPr/>
-          <p:nvPr/>
-        </p:nvSpPr>
-        <p:spPr>
-          <a:xfrm>
-            <a:off x="2390588" y="2660072"/>
-            <a:ext cx="4781176" cy="0"/>
-          </a:xfrm>
-          <a:prstGeom prst="rect">
-            <a:avLst/>
-          </a:prstGeom>
-        </p:spPr>
-        <p:style>
-          <a:lnRef idx="1">
-            <a:schemeClr val="accent1"/>
-          </a:lnRef>
-          <a:fillRef idx="3">
-            <a:schemeClr val="accent1"/>
-          </a:fillRef>
-          <a:effectRef idx="2">
-            <a:schemeClr val="accent1"/>
-          </a:effectRef>
-          <a:fontRef idx="minor">
-            <a:schemeClr val="lt1"/>
-          </a:fontRef>
-        </p:style>
-        <p:txBody>
-          <a:bodyPr rtlCol="0" anchor="ctr"/>
-          <a:lstStyle/>
-          <a:p>
-            <a:pPr algn="ctr"/>
-          </a:p>
-        </p:txBody>
-      </p:sp>
-      <p:sp>
-        <p:nvSpPr>
-          <p:cNvPr id="49" name="Rectangle 48"/>
-          <p:cNvSpPr/>
-          <p:nvPr/>
-        </p:nvSpPr>
-        <p:spPr>
-          <a:xfrm>
-            <a:off x="2390588" y="2649681"/>
-            <a:ext cx="4781176" cy="0"/>
-          </a:xfrm>
-          <a:prstGeom prst="rect">
-            <a:avLst/>
-          </a:prstGeom>
-        </p:spPr>
-        <p:style>
-          <a:lnRef idx="1">
-            <a:schemeClr val="accent1"/>
-          </a:lnRef>
-          <a:fillRef idx="3">
-            <a:schemeClr val="accent1"/>
-          </a:fillRef>
-          <a:effectRef idx="2">
-            <a:schemeClr val="accent1"/>
-          </a:effectRef>
-          <a:fontRef idx="minor">
-            <a:schemeClr val="lt1"/>
-          </a:fontRef>
-        </p:style>
-        <p:txBody>
-          <a:bodyPr rtlCol="0" anchor="ctr"/>
-          <a:lstStyle/>
-          <a:p>
-            <a:pPr algn="ctr"/>
-          </a:p>
-        </p:txBody>
-      </p:sp>
-      <p:sp>
-        <p:nvSpPr>
-          <p:cNvPr id="50" name="Rectangle 49"/>
-          <p:cNvSpPr/>
-          <p:nvPr/>
-        </p:nvSpPr>
-        <p:spPr>
-          <a:xfrm>
-            <a:off x="2390588" y="2639290"/>
-            <a:ext cx="4781176" cy="0"/>
-          </a:xfrm>
-          <a:prstGeom prst="rect">
-            <a:avLst/>
-          </a:prstGeom>
-        </p:spPr>
-        <p:style>
-          <a:lnRef idx="1">
-            <a:schemeClr val="accent1"/>
-          </a:lnRef>
-          <a:fillRef idx="3">
-            <a:schemeClr val="accent1"/>
-          </a:fillRef>
-          <a:effectRef idx="2">
-            <a:schemeClr val="accent1"/>
-          </a:effectRef>
-          <a:fontRef idx="minor">
-            <a:schemeClr val="lt1"/>
-          </a:fontRef>
-        </p:style>
-        <p:txBody>
-          <a:bodyPr rtlCol="0" anchor="ctr"/>
-          <a:lstStyle/>
-          <a:p>
-            <a:pPr algn="ctr"/>
-          </a:p>
-        </p:txBody>
-      </p:sp>
-      <p:sp>
-        <p:nvSpPr>
-          <p:cNvPr id="51" name="Rectangle 50"/>
-          <p:cNvSpPr/>
-          <p:nvPr/>
-        </p:nvSpPr>
-        <p:spPr>
-          <a:xfrm>
-            <a:off x="2390588" y="2628900"/>
-            <a:ext cx="4781176" cy="0"/>
-          </a:xfrm>
-          <a:prstGeom prst="rect">
-            <a:avLst/>
-          </a:prstGeom>
-        </p:spPr>
-        <p:style>
-          <a:lnRef idx="1">
-            <a:schemeClr val="accent1"/>
-          </a:lnRef>
-          <a:fillRef idx="3">
-            <a:schemeClr val="accent1"/>
-          </a:fillRef>
-          <a:effectRef idx="2">
-            <a:schemeClr val="accent1"/>
-          </a:effectRef>
-          <a:fontRef idx="minor">
-            <a:schemeClr val="lt1"/>
-          </a:fontRef>
-        </p:style>
-        <p:txBody>
-          <a:bodyPr rtlCol="0" anchor="ctr"/>
-          <a:lstStyle/>
-          <a:p>
-            <a:pPr algn="ctr"/>
-          </a:p>
-        </p:txBody>
-      </p:sp>
-      <p:sp>
-        <p:nvSpPr>
-          <p:cNvPr id="52" name="Rectangle 51"/>
-          <p:cNvSpPr/>
-          <p:nvPr/>
-        </p:nvSpPr>
-        <p:spPr>
-          <a:xfrm>
-            <a:off x="2390588" y="2618509"/>
-            <a:ext cx="4781176" cy="0"/>
-          </a:xfrm>
-          <a:prstGeom prst="rect">
-            <a:avLst/>
-          </a:prstGeom>
-        </p:spPr>
-        <p:style>
-          <a:lnRef idx="1">
-            <a:schemeClr val="accent1"/>
-          </a:lnRef>
-          <a:fillRef idx="3">
-            <a:schemeClr val="accent1"/>
-          </a:fillRef>
-          <a:effectRef idx="2">
-            <a:schemeClr val="accent1"/>
-          </a:effectRef>
-          <a:fontRef idx="minor">
-            <a:schemeClr val="lt1"/>
-          </a:fontRef>
-        </p:style>
-        <p:txBody>
-          <a:bodyPr rtlCol="0" anchor="ctr"/>
-          <a:lstStyle/>
-          <a:p>
-            <a:pPr algn="ctr"/>
-          </a:p>
-        </p:txBody>
-      </p:sp>
-      <p:sp>
-        <p:nvSpPr>
-          <p:cNvPr id="53" name="Rectangle 52"/>
-          <p:cNvSpPr/>
-          <p:nvPr/>
-        </p:nvSpPr>
-        <p:spPr>
-          <a:xfrm>
-            <a:off x="2390588" y="2608118"/>
-            <a:ext cx="4781176" cy="0"/>
-          </a:xfrm>
-          <a:prstGeom prst="rect">
-            <a:avLst/>
-          </a:prstGeom>
-        </p:spPr>
-        <p:style>
-          <a:lnRef idx="1">
-            <a:schemeClr val="accent1"/>
-          </a:lnRef>
-          <a:fillRef idx="3">
-            <a:schemeClr val="accent1"/>
-          </a:fillRef>
-          <a:effectRef idx="2">
-            <a:schemeClr val="accent1"/>
-          </a:effectRef>
-          <a:fontRef idx="minor">
-            <a:schemeClr val="lt1"/>
-          </a:fontRef>
-        </p:style>
-        <p:txBody>
-          <a:bodyPr rtlCol="0" anchor="ctr"/>
-          <a:lstStyle/>
-          <a:p>
-            <a:pPr algn="ctr"/>
-          </a:p>
-        </p:txBody>
-      </p:sp>
-      <p:sp>
-        <p:nvSpPr>
-          <p:cNvPr id="54" name="Rectangle 53"/>
-          <p:cNvSpPr/>
-          <p:nvPr/>
-        </p:nvSpPr>
-        <p:spPr>
-          <a:xfrm>
-            <a:off x="2390588" y="2597727"/>
-            <a:ext cx="4781176" cy="0"/>
-          </a:xfrm>
-          <a:prstGeom prst="rect">
-            <a:avLst/>
-          </a:prstGeom>
-        </p:spPr>
-        <p:style>
-          <a:lnRef idx="1">
-            <a:schemeClr val="accent1"/>
-          </a:lnRef>
-          <a:fillRef idx="3">
-            <a:schemeClr val="accent1"/>
-          </a:fillRef>
-          <a:effectRef idx="2">
-            <a:schemeClr val="accent1"/>
-          </a:effectRef>
-          <a:fontRef idx="minor">
-            <a:schemeClr val="lt1"/>
-          </a:fontRef>
-        </p:style>
-        <p:txBody>
-          <a:bodyPr rtlCol="0" anchor="ctr"/>
-          <a:lstStyle/>
-          <a:p>
-            <a:pPr algn="ctr"/>
-          </a:p>
-        </p:txBody>
-      </p:sp>
-      <p:sp>
-        <p:nvSpPr>
-          <p:cNvPr id="55" name="Rectangle 54"/>
-          <p:cNvSpPr/>
-          <p:nvPr/>
-        </p:nvSpPr>
-        <p:spPr>
-          <a:xfrm>
-            <a:off x="2390588" y="2587336"/>
-            <a:ext cx="4781176" cy="0"/>
-          </a:xfrm>
-          <a:prstGeom prst="rect">
-            <a:avLst/>
-          </a:prstGeom>
-        </p:spPr>
-        <p:style>
-          <a:lnRef idx="1">
-            <a:schemeClr val="accent1"/>
-          </a:lnRef>
-          <a:fillRef idx="3">
-            <a:schemeClr val="accent1"/>
-          </a:fillRef>
-          <a:effectRef idx="2">
-            <a:schemeClr val="accent1"/>
-          </a:effectRef>
-          <a:fontRef idx="minor">
-            <a:schemeClr val="lt1"/>
-          </a:fontRef>
-        </p:style>
-        <p:txBody>
-          <a:bodyPr rtlCol="0" anchor="ctr"/>
-          <a:lstStyle/>
-          <a:p>
-            <a:pPr algn="ctr"/>
-          </a:p>
-        </p:txBody>
-      </p:sp>
-      <p:sp>
-        <p:nvSpPr>
-          <p:cNvPr id="56" name="Rectangle 55"/>
-          <p:cNvSpPr/>
-          <p:nvPr/>
-        </p:nvSpPr>
-        <p:spPr>
-          <a:xfrm>
-            <a:off x="2390588" y="2576945"/>
-            <a:ext cx="4781176" cy="0"/>
-          </a:xfrm>
-          <a:prstGeom prst="rect">
-            <a:avLst/>
-          </a:prstGeom>
-        </p:spPr>
-        <p:style>
-          <a:lnRef idx="1">
-            <a:schemeClr val="accent1"/>
-          </a:lnRef>
-          <a:fillRef idx="3">
-            <a:schemeClr val="accent1"/>
-          </a:fillRef>
-          <a:effectRef idx="2">
-            <a:schemeClr val="accent1"/>
-          </a:effectRef>
-          <a:fontRef idx="minor">
-            <a:schemeClr val="lt1"/>
-          </a:fontRef>
-        </p:style>
-        <p:txBody>
-          <a:bodyPr rtlCol="0" anchor="ctr"/>
-          <a:lstStyle/>
-          <a:p>
-            <a:pPr algn="ctr"/>
-          </a:p>
-        </p:txBody>
-      </p:sp>
-      <p:sp>
-        <p:nvSpPr>
-          <p:cNvPr id="57" name="Rectangle 56"/>
-          <p:cNvSpPr/>
-          <p:nvPr/>
-        </p:nvSpPr>
-        <p:spPr>
-          <a:xfrm>
-            <a:off x="2390588" y="2566554"/>
-            <a:ext cx="4781176" cy="0"/>
-          </a:xfrm>
-          <a:prstGeom prst="rect">
-            <a:avLst/>
-          </a:prstGeom>
-        </p:spPr>
-        <p:style>
-          <a:lnRef idx="1">
-            <a:schemeClr val="accent1"/>
-          </a:lnRef>
-          <a:fillRef idx="3">
-            <a:schemeClr val="accent1"/>
-          </a:fillRef>
-          <a:effectRef idx="2">
-            <a:schemeClr val="accent1"/>
-          </a:effectRef>
-          <a:fontRef idx="minor">
-            <a:schemeClr val="lt1"/>
-          </a:fontRef>
-        </p:style>
-        <p:txBody>
-          <a:bodyPr rtlCol="0" anchor="ctr"/>
-          <a:lstStyle/>
-          <a:p>
-            <a:pPr algn="ctr"/>
-          </a:p>
-        </p:txBody>
-      </p:sp>
-      <p:sp>
-        <p:nvSpPr>
-          <p:cNvPr id="58" name="Rectangle 57"/>
-          <p:cNvSpPr/>
-          <p:nvPr/>
-        </p:nvSpPr>
-        <p:spPr>
-          <a:xfrm>
-            <a:off x="2390588" y="2556163"/>
-            <a:ext cx="4781176" cy="0"/>
-          </a:xfrm>
-          <a:prstGeom prst="rect">
-            <a:avLst/>
-          </a:prstGeom>
-        </p:spPr>
-        <p:style>
-          <a:lnRef idx="1">
-            <a:schemeClr val="accent1"/>
-          </a:lnRef>
-          <a:fillRef idx="3">
-            <a:schemeClr val="accent1"/>
-          </a:fillRef>
-          <a:effectRef idx="2">
-            <a:schemeClr val="accent1"/>
-          </a:effectRef>
-          <a:fontRef idx="minor">
-            <a:schemeClr val="lt1"/>
-          </a:fontRef>
-        </p:style>
-        <p:txBody>
-          <a:bodyPr rtlCol="0" anchor="ctr"/>
-          <a:lstStyle/>
-          <a:p>
-            <a:pPr algn="ctr"/>
-          </a:p>
-        </p:txBody>
-      </p:sp>
-      <p:sp>
-        <p:nvSpPr>
-          <p:cNvPr id="59" name="Rectangle 58"/>
-          <p:cNvSpPr/>
-          <p:nvPr/>
-        </p:nvSpPr>
-        <p:spPr>
-          <a:xfrm>
-            <a:off x="2390588" y="2545772"/>
-            <a:ext cx="4781176" cy="0"/>
-          </a:xfrm>
-          <a:prstGeom prst="rect">
-            <a:avLst/>
-          </a:prstGeom>
-        </p:spPr>
-        <p:style>
-          <a:lnRef idx="1">
-            <a:schemeClr val="accent1"/>
-          </a:lnRef>
-          <a:fillRef idx="3">
-            <a:schemeClr val="accent1"/>
-          </a:fillRef>
-          <a:effectRef idx="2">
-            <a:schemeClr val="accent1"/>
-          </a:effectRef>
-          <a:fontRef idx="minor">
-            <a:schemeClr val="lt1"/>
-          </a:fontRef>
-        </p:style>
-        <p:txBody>
-          <a:bodyPr rtlCol="0" anchor="ctr"/>
-          <a:lstStyle/>
-          <a:p>
-            <a:pPr algn="ctr"/>
-          </a:p>
-        </p:txBody>
-      </p:sp>
-      <p:sp>
-        <p:nvSpPr>
-          <p:cNvPr id="60" name="Rectangle 59"/>
-          <p:cNvSpPr/>
-          <p:nvPr/>
-        </p:nvSpPr>
-        <p:spPr>
-          <a:xfrm>
-            <a:off x="2390588" y="2535381"/>
-            <a:ext cx="4781176" cy="0"/>
-          </a:xfrm>
-          <a:prstGeom prst="rect">
-            <a:avLst/>
-          </a:prstGeom>
-        </p:spPr>
-        <p:style>
-          <a:lnRef idx="1">
-            <a:schemeClr val="accent1"/>
-          </a:lnRef>
-          <a:fillRef idx="3">
-            <a:schemeClr val="accent1"/>
-          </a:fillRef>
-          <a:effectRef idx="2">
-            <a:schemeClr val="accent1"/>
-          </a:effectRef>
-          <a:fontRef idx="minor">
-            <a:schemeClr val="lt1"/>
-          </a:fontRef>
-        </p:style>
-        <p:txBody>
-          <a:bodyPr rtlCol="0" anchor="ctr"/>
-          <a:lstStyle/>
-          <a:p>
-            <a:pPr algn="ctr"/>
-          </a:p>
-        </p:txBody>
-      </p:sp>
-      <p:sp>
-        <p:nvSpPr>
-          <p:cNvPr id="61" name="Rectangle 60"/>
-          <p:cNvSpPr/>
-          <p:nvPr/>
-        </p:nvSpPr>
-        <p:spPr>
-          <a:xfrm>
-            <a:off x="2390588" y="2524990"/>
-            <a:ext cx="4781176" cy="0"/>
-          </a:xfrm>
-          <a:prstGeom prst="rect">
-            <a:avLst/>
-          </a:prstGeom>
-        </p:spPr>
-        <p:style>
-          <a:lnRef idx="1">
-            <a:schemeClr val="accent1"/>
-          </a:lnRef>
-          <a:fillRef idx="3">
-            <a:schemeClr val="accent1"/>
-          </a:fillRef>
-          <a:effectRef idx="2">
-            <a:schemeClr val="accent1"/>
-          </a:effectRef>
-          <a:fontRef idx="minor">
-            <a:schemeClr val="lt1"/>
-          </a:fontRef>
-        </p:style>
-        <p:txBody>
-          <a:bodyPr rtlCol="0" anchor="ctr"/>
-          <a:lstStyle/>
-          <a:p>
-            <a:pPr algn="ctr"/>
-          </a:p>
-        </p:txBody>
-      </p:sp>
-      <p:sp>
-        <p:nvSpPr>
-          <p:cNvPr id="62" name="Rectangle 61"/>
-          <p:cNvSpPr/>
-          <p:nvPr/>
-        </p:nvSpPr>
-        <p:spPr>
-          <a:xfrm>
-            <a:off x="2390588" y="2514600"/>
-            <a:ext cx="4781176" cy="0"/>
-          </a:xfrm>
-          <a:prstGeom prst="rect">
-            <a:avLst/>
-          </a:prstGeom>
-        </p:spPr>
-        <p:style>
-          <a:lnRef idx="1">
-            <a:schemeClr val="accent1"/>
-          </a:lnRef>
-          <a:fillRef idx="3">
-            <a:schemeClr val="accent1"/>
-          </a:fillRef>
-          <a:effectRef idx="2">
-            <a:schemeClr val="accent1"/>
-          </a:effectRef>
-          <a:fontRef idx="minor">
-            <a:schemeClr val="lt1"/>
-          </a:fontRef>
-        </p:style>
-        <p:txBody>
-          <a:bodyPr rtlCol="0" anchor="ctr"/>
-          <a:lstStyle/>
-          <a:p>
-            <a:pPr algn="ctr"/>
-          </a:p>
-        </p:txBody>
-      </p:sp>
-      <p:sp>
-        <p:nvSpPr>
-          <p:cNvPr id="63" name="Rectangle 62"/>
-          <p:cNvSpPr/>
-          <p:nvPr/>
-        </p:nvSpPr>
-        <p:spPr>
-          <a:xfrm>
-            <a:off x="2390588" y="2504209"/>
-            <a:ext cx="4781176" cy="0"/>
-          </a:xfrm>
-          <a:prstGeom prst="rect">
-            <a:avLst/>
-          </a:prstGeom>
-        </p:spPr>
-        <p:style>
-          <a:lnRef idx="1">
-            <a:schemeClr val="accent1"/>
-          </a:lnRef>
-          <a:fillRef idx="3">
-            <a:schemeClr val="accent1"/>
-          </a:fillRef>
-          <a:effectRef idx="2">
-            <a:schemeClr val="accent1"/>
-          </a:effectRef>
-          <a:fontRef idx="minor">
-            <a:schemeClr val="lt1"/>
-          </a:fontRef>
-        </p:style>
-        <p:txBody>
-          <a:bodyPr rtlCol="0" anchor="ctr"/>
-          <a:lstStyle/>
-          <a:p>
-            <a:pPr algn="ctr"/>
-          </a:p>
-        </p:txBody>
-      </p:sp>
-      <p:sp>
-        <p:nvSpPr>
-          <p:cNvPr id="64" name="Rectangle 63"/>
-          <p:cNvSpPr/>
-          <p:nvPr/>
-        </p:nvSpPr>
-        <p:spPr>
-          <a:xfrm>
-            <a:off x="2390588" y="2493818"/>
-            <a:ext cx="4781176" cy="0"/>
-          </a:xfrm>
-          <a:prstGeom prst="rect">
-            <a:avLst/>
-          </a:prstGeom>
-        </p:spPr>
-        <p:style>
-          <a:lnRef idx="1">
-            <a:schemeClr val="accent1"/>
-          </a:lnRef>
-          <a:fillRef idx="3">
-            <a:schemeClr val="accent1"/>
-          </a:fillRef>
-          <a:effectRef idx="2">
-            <a:schemeClr val="accent1"/>
-          </a:effectRef>
-          <a:fontRef idx="minor">
-            <a:schemeClr val="lt1"/>
-          </a:fontRef>
-        </p:style>
-        <p:txBody>
-          <a:bodyPr rtlCol="0" anchor="ctr"/>
-          <a:lstStyle/>
-          <a:p>
-            <a:pPr algn="ctr"/>
-          </a:p>
-        </p:txBody>
-      </p:sp>
-      <p:sp>
-        <p:nvSpPr>
-          <p:cNvPr id="65" name="Rectangle 64"/>
-          <p:cNvSpPr/>
-          <p:nvPr/>
-        </p:nvSpPr>
-        <p:spPr>
-          <a:xfrm>
-            <a:off x="2390588" y="2483427"/>
-            <a:ext cx="4781176" cy="0"/>
-          </a:xfrm>
-          <a:prstGeom prst="rect">
-            <a:avLst/>
-          </a:prstGeom>
-        </p:spPr>
-        <p:style>
-          <a:lnRef idx="1">
-            <a:schemeClr val="accent1"/>
-          </a:lnRef>
-          <a:fillRef idx="3">
-            <a:schemeClr val="accent1"/>
-          </a:fillRef>
-          <a:effectRef idx="2">
-            <a:schemeClr val="accent1"/>
-          </a:effectRef>
-          <a:fontRef idx="minor">
-            <a:schemeClr val="lt1"/>
-          </a:fontRef>
-        </p:style>
-        <p:txBody>
-          <a:bodyPr rtlCol="0" anchor="ctr"/>
-          <a:lstStyle/>
-          <a:p>
-            <a:pPr algn="ctr"/>
-          </a:p>
-        </p:txBody>
-      </p:sp>
-      <p:sp>
-        <p:nvSpPr>
-          <p:cNvPr id="66" name="Rectangle 65"/>
-          <p:cNvSpPr/>
-          <p:nvPr/>
-        </p:nvSpPr>
-        <p:spPr>
-          <a:xfrm>
-            <a:off x="2390588" y="2473036"/>
-            <a:ext cx="4781176" cy="0"/>
-          </a:xfrm>
-          <a:prstGeom prst="rect">
-            <a:avLst/>
-          </a:prstGeom>
-        </p:spPr>
-        <p:style>
-          <a:lnRef idx="1">
-            <a:schemeClr val="accent1"/>
-          </a:lnRef>
-          <a:fillRef idx="3">
-            <a:schemeClr val="accent1"/>
-          </a:fillRef>
-          <a:effectRef idx="2">
-            <a:schemeClr val="accent1"/>
-          </a:effectRef>
-          <a:fontRef idx="minor">
-            <a:schemeClr val="lt1"/>
-          </a:fontRef>
-        </p:style>
-        <p:txBody>
-          <a:bodyPr rtlCol="0" anchor="ctr"/>
-          <a:lstStyle/>
-          <a:p>
-            <a:pPr algn="ctr"/>
-          </a:p>
-        </p:txBody>
-      </p:sp>
-      <p:sp>
-        <p:nvSpPr>
-          <p:cNvPr id="67" name="Rectangle 66"/>
-          <p:cNvSpPr/>
-          <p:nvPr/>
-        </p:nvSpPr>
-        <p:spPr>
-          <a:xfrm>
-            <a:off x="2390588" y="2462645"/>
-            <a:ext cx="4781176" cy="0"/>
-          </a:xfrm>
-          <a:prstGeom prst="rect">
-            <a:avLst/>
-          </a:prstGeom>
-        </p:spPr>
-        <p:style>
-          <a:lnRef idx="1">
-            <a:schemeClr val="accent1"/>
-          </a:lnRef>
-          <a:fillRef idx="3">
-            <a:schemeClr val="accent1"/>
-          </a:fillRef>
-          <a:effectRef idx="2">
-            <a:schemeClr val="accent1"/>
-          </a:effectRef>
-          <a:fontRef idx="minor">
-            <a:schemeClr val="lt1"/>
-          </a:fontRef>
-        </p:style>
-        <p:txBody>
-          <a:bodyPr rtlCol="0" anchor="ctr"/>
-          <a:lstStyle/>
-          <a:p>
-            <a:pPr algn="ctr"/>
-          </a:p>
-        </p:txBody>
-      </p:sp>
-      <p:sp>
-        <p:nvSpPr>
-          <p:cNvPr id="68" name="Rectangle 67"/>
-          <p:cNvSpPr/>
-          <p:nvPr/>
-        </p:nvSpPr>
-        <p:spPr>
-          <a:xfrm>
-            <a:off x="2390588" y="2452254"/>
-            <a:ext cx="4781176" cy="0"/>
-          </a:xfrm>
-          <a:prstGeom prst="rect">
-            <a:avLst/>
-          </a:prstGeom>
-        </p:spPr>
-        <p:style>
-          <a:lnRef idx="1">
-            <a:schemeClr val="accent1"/>
-          </a:lnRef>
-          <a:fillRef idx="3">
-            <a:schemeClr val="accent1"/>
-          </a:fillRef>
-          <a:effectRef idx="2">
-            <a:schemeClr val="accent1"/>
-          </a:effectRef>
-          <a:fontRef idx="minor">
-            <a:schemeClr val="lt1"/>
-          </a:fontRef>
-        </p:style>
-        <p:txBody>
-          <a:bodyPr rtlCol="0" anchor="ctr"/>
-          <a:lstStyle/>
-          <a:p>
-            <a:pPr algn="ctr"/>
-          </a:p>
-        </p:txBody>
-      </p:sp>
-      <p:sp>
-        <p:nvSpPr>
-          <p:cNvPr id="69" name="Rectangle 68"/>
-          <p:cNvSpPr/>
-          <p:nvPr/>
-        </p:nvSpPr>
-        <p:spPr>
-          <a:xfrm>
-            <a:off x="2390588" y="2441863"/>
-            <a:ext cx="4781176" cy="0"/>
-          </a:xfrm>
-          <a:prstGeom prst="rect">
-            <a:avLst/>
-          </a:prstGeom>
-        </p:spPr>
-        <p:style>
-          <a:lnRef idx="1">
-            <a:schemeClr val="accent1"/>
-          </a:lnRef>
-          <a:fillRef idx="3">
-            <a:schemeClr val="accent1"/>
-          </a:fillRef>
-          <a:effectRef idx="2">
-            <a:schemeClr val="accent1"/>
-          </a:effectRef>
-          <a:fontRef idx="minor">
-            <a:schemeClr val="lt1"/>
-          </a:fontRef>
-        </p:style>
-        <p:txBody>
-          <a:bodyPr rtlCol="0" anchor="ctr"/>
-          <a:lstStyle/>
-          <a:p>
-            <a:pPr algn="ctr"/>
-          </a:p>
-        </p:txBody>
-      </p:sp>
-      <p:sp>
-        <p:nvSpPr>
-          <p:cNvPr id="70" name="Rectangle 69"/>
-          <p:cNvSpPr/>
-          <p:nvPr/>
-        </p:nvSpPr>
-        <p:spPr>
-          <a:xfrm>
-            <a:off x="2390588" y="2431472"/>
-            <a:ext cx="4781176" cy="0"/>
-          </a:xfrm>
-          <a:prstGeom prst="rect">
-            <a:avLst/>
-          </a:prstGeom>
-        </p:spPr>
-        <p:style>
-          <a:lnRef idx="1">
-            <a:schemeClr val="accent1"/>
-          </a:lnRef>
-          <a:fillRef idx="3">
-            <a:schemeClr val="accent1"/>
-          </a:fillRef>
-          <a:effectRef idx="2">
-            <a:schemeClr val="accent1"/>
-          </a:effectRef>
-          <a:fontRef idx="minor">
-            <a:schemeClr val="lt1"/>
-          </a:fontRef>
-        </p:style>
-        <p:txBody>
-          <a:bodyPr rtlCol="0" anchor="ctr"/>
-          <a:lstStyle/>
-          <a:p>
-            <a:pPr algn="ctr"/>
-          </a:p>
-        </p:txBody>
-      </p:sp>
-      <p:sp>
-        <p:nvSpPr>
-          <p:cNvPr id="71" name="Rectangle 70"/>
-          <p:cNvSpPr/>
-          <p:nvPr/>
-        </p:nvSpPr>
-        <p:spPr>
-          <a:xfrm>
-            <a:off x="2390588" y="2421081"/>
-            <a:ext cx="4781176" cy="0"/>
-          </a:xfrm>
-          <a:prstGeom prst="rect">
-            <a:avLst/>
-          </a:prstGeom>
-        </p:spPr>
-        <p:style>
-          <a:lnRef idx="1">
-            <a:schemeClr val="accent1"/>
-          </a:lnRef>
-          <a:fillRef idx="3">
-            <a:schemeClr val="accent1"/>
-          </a:fillRef>
-          <a:effectRef idx="2">
-            <a:schemeClr val="accent1"/>
-          </a:effectRef>
-          <a:fontRef idx="minor">
-            <a:schemeClr val="lt1"/>
-          </a:fontRef>
-        </p:style>
-        <p:txBody>
-          <a:bodyPr rtlCol="0" anchor="ctr"/>
-          <a:lstStyle/>
-          <a:p>
-            <a:pPr algn="ctr"/>
-          </a:p>
-        </p:txBody>
-      </p:sp>
-      <p:sp>
-        <p:nvSpPr>
-          <p:cNvPr id="72" name="Rectangle 71"/>
-          <p:cNvSpPr/>
-          <p:nvPr/>
-        </p:nvSpPr>
-        <p:spPr>
-          <a:xfrm>
-            <a:off x="2390588" y="2410690"/>
-            <a:ext cx="4781176" cy="0"/>
-          </a:xfrm>
-          <a:prstGeom prst="rect">
-            <a:avLst/>
-          </a:prstGeom>
-        </p:spPr>
-        <p:style>
-          <a:lnRef idx="1">
-            <a:schemeClr val="accent1"/>
-          </a:lnRef>
-          <a:fillRef idx="3">
-            <a:schemeClr val="accent1"/>
-          </a:fillRef>
-          <a:effectRef idx="2">
-            <a:schemeClr val="accent1"/>
-          </a:effectRef>
-          <a:fontRef idx="minor">
-            <a:schemeClr val="lt1"/>
-          </a:fontRef>
-        </p:style>
-        <p:txBody>
-          <a:bodyPr rtlCol="0" anchor="ctr"/>
-          <a:lstStyle/>
-          <a:p>
-            <a:pPr algn="ctr"/>
-          </a:p>
-        </p:txBody>
-      </p:sp>
-      <p:sp>
-        <p:nvSpPr>
-          <p:cNvPr id="73" name="Rectangle 72"/>
-          <p:cNvSpPr/>
-          <p:nvPr/>
-        </p:nvSpPr>
-        <p:spPr>
-          <a:xfrm>
-            <a:off x="2390588" y="2400300"/>
-            <a:ext cx="4781176" cy="0"/>
-          </a:xfrm>
-          <a:prstGeom prst="rect">
-            <a:avLst/>
-          </a:prstGeom>
-        </p:spPr>
-        <p:style>
-          <a:lnRef idx="1">
-            <a:schemeClr val="accent1"/>
-          </a:lnRef>
-          <a:fillRef idx="3">
-            <a:schemeClr val="accent1"/>
-          </a:fillRef>
-          <a:effectRef idx="2">
-            <a:schemeClr val="accent1"/>
-          </a:effectRef>
-          <a:fontRef idx="minor">
-            <a:schemeClr val="lt1"/>
-          </a:fontRef>
-        </p:style>
-        <p:txBody>
-          <a:bodyPr rtlCol="0" anchor="ctr"/>
-          <a:lstStyle/>
-          <a:p>
-            <a:pPr algn="ctr"/>
-          </a:p>
-        </p:txBody>
-      </p:sp>
-      <p:sp>
-        <p:nvSpPr>
-          <p:cNvPr id="74" name="Rectangle 73"/>
-          <p:cNvSpPr/>
-          <p:nvPr/>
-        </p:nvSpPr>
-        <p:spPr>
-          <a:xfrm>
-            <a:off x="2390588" y="2389909"/>
-            <a:ext cx="4781176" cy="0"/>
-          </a:xfrm>
-          <a:prstGeom prst="rect">
-            <a:avLst/>
-          </a:prstGeom>
-        </p:spPr>
-        <p:style>
-          <a:lnRef idx="1">
-            <a:schemeClr val="accent1"/>
-          </a:lnRef>
-          <a:fillRef idx="3">
-            <a:schemeClr val="accent1"/>
-          </a:fillRef>
-          <a:effectRef idx="2">
-            <a:schemeClr val="accent1"/>
-          </a:effectRef>
-          <a:fontRef idx="minor">
-            <a:schemeClr val="lt1"/>
-          </a:fontRef>
-        </p:style>
-        <p:txBody>
-          <a:bodyPr rtlCol="0" anchor="ctr"/>
-          <a:lstStyle/>
-          <a:p>
-            <a:pPr algn="ctr"/>
-          </a:p>
-        </p:txBody>
-      </p:sp>
-      <p:sp>
-        <p:nvSpPr>
-          <p:cNvPr id="75" name="Rectangle 74"/>
-          <p:cNvSpPr/>
-          <p:nvPr/>
-        </p:nvSpPr>
-        <p:spPr>
-          <a:xfrm>
-            <a:off x="2390588" y="2379518"/>
-            <a:ext cx="4781176" cy="0"/>
-          </a:xfrm>
-          <a:prstGeom prst="rect">
-            <a:avLst/>
-          </a:prstGeom>
-        </p:spPr>
-        <p:style>
-          <a:lnRef idx="1">
-            <a:schemeClr val="accent1"/>
-          </a:lnRef>
-          <a:fillRef idx="3">
-            <a:schemeClr val="accent1"/>
-          </a:fillRef>
-          <a:effectRef idx="2">
-            <a:schemeClr val="accent1"/>
-          </a:effectRef>
-          <a:fontRef idx="minor">
-            <a:schemeClr val="lt1"/>
-          </a:fontRef>
-        </p:style>
-        <p:txBody>
-          <a:bodyPr rtlCol="0" anchor="ctr"/>
-          <a:lstStyle/>
-          <a:p>
-            <a:pPr algn="ctr"/>
-          </a:p>
-        </p:txBody>
-      </p:sp>
-      <p:sp>
-        <p:nvSpPr>
-          <p:cNvPr id="76" name="Rectangle 75"/>
-          <p:cNvSpPr/>
-          <p:nvPr/>
-        </p:nvSpPr>
-        <p:spPr>
-          <a:xfrm>
-            <a:off x="2390588" y="2369127"/>
-            <a:ext cx="4781176" cy="0"/>
-          </a:xfrm>
-          <a:prstGeom prst="rect">
-            <a:avLst/>
-          </a:prstGeom>
-        </p:spPr>
-        <p:style>
-          <a:lnRef idx="1">
-            <a:schemeClr val="accent1"/>
-          </a:lnRef>
-          <a:fillRef idx="3">
-            <a:schemeClr val="accent1"/>
-          </a:fillRef>
-          <a:effectRef idx="2">
-            <a:schemeClr val="accent1"/>
-          </a:effectRef>
-          <a:fontRef idx="minor">
-            <a:schemeClr val="lt1"/>
-          </a:fontRef>
-        </p:style>
-        <p:txBody>
-          <a:bodyPr rtlCol="0" anchor="ctr"/>
-          <a:lstStyle/>
-          <a:p>
-            <a:pPr algn="ctr"/>
-          </a:p>
-        </p:txBody>
-      </p:sp>
-      <p:sp>
-        <p:nvSpPr>
-          <p:cNvPr id="77" name="Rectangle 76"/>
-          <p:cNvSpPr/>
-          <p:nvPr/>
-        </p:nvSpPr>
-        <p:spPr>
-          <a:xfrm>
-            <a:off x="2390588" y="2358736"/>
-            <a:ext cx="4781176" cy="0"/>
-          </a:xfrm>
-          <a:prstGeom prst="rect">
-            <a:avLst/>
-          </a:prstGeom>
-        </p:spPr>
-        <p:style>
-          <a:lnRef idx="1">
-            <a:schemeClr val="accent1"/>
-          </a:lnRef>
-          <a:fillRef idx="3">
-            <a:schemeClr val="accent1"/>
-          </a:fillRef>
-          <a:effectRef idx="2">
-            <a:schemeClr val="accent1"/>
-          </a:effectRef>
-          <a:fontRef idx="minor">
-            <a:schemeClr val="lt1"/>
-          </a:fontRef>
-        </p:style>
-        <p:txBody>
-          <a:bodyPr rtlCol="0" anchor="ctr"/>
-          <a:lstStyle/>
-          <a:p>
-            <a:pPr algn="ctr"/>
-          </a:p>
-        </p:txBody>
-      </p:sp>
-      <p:sp>
-        <p:nvSpPr>
-          <p:cNvPr id="78" name="Rectangle 77"/>
-          <p:cNvSpPr/>
-          <p:nvPr/>
-        </p:nvSpPr>
-        <p:spPr>
-          <a:xfrm>
-            <a:off x="2390588" y="2348345"/>
-            <a:ext cx="4781176" cy="0"/>
-          </a:xfrm>
-          <a:prstGeom prst="rect">
-            <a:avLst/>
-          </a:prstGeom>
-        </p:spPr>
-        <p:style>
-          <a:lnRef idx="1">
-            <a:schemeClr val="accent1"/>
-          </a:lnRef>
-          <a:fillRef idx="3">
-            <a:schemeClr val="accent1"/>
-          </a:fillRef>
-          <a:effectRef idx="2">
-            <a:schemeClr val="accent1"/>
-          </a:effectRef>
-          <a:fontRef idx="minor">
-            <a:schemeClr val="lt1"/>
-          </a:fontRef>
-        </p:style>
-        <p:txBody>
-          <a:bodyPr rtlCol="0" anchor="ctr"/>
-          <a:lstStyle/>
-          <a:p>
-            <a:pPr algn="ctr"/>
-          </a:p>
-        </p:txBody>
-      </p:sp>
-      <p:sp>
-        <p:nvSpPr>
-          <p:cNvPr id="79" name="Rectangle 78"/>
-          <p:cNvSpPr/>
-          <p:nvPr/>
-        </p:nvSpPr>
-        <p:spPr>
-          <a:xfrm>
-            <a:off x="2390588" y="2337954"/>
-            <a:ext cx="4781176" cy="0"/>
-          </a:xfrm>
-          <a:prstGeom prst="rect">
-            <a:avLst/>
-          </a:prstGeom>
-        </p:spPr>
-        <p:style>
-          <a:lnRef idx="1">
-            <a:schemeClr val="accent1"/>
-          </a:lnRef>
-          <a:fillRef idx="3">
-            <a:schemeClr val="accent1"/>
-          </a:fillRef>
-          <a:effectRef idx="2">
-            <a:schemeClr val="accent1"/>
-          </a:effectRef>
-          <a:fontRef idx="minor">
-            <a:schemeClr val="lt1"/>
-          </a:fontRef>
-        </p:style>
-        <p:txBody>
-          <a:bodyPr rtlCol="0" anchor="ctr"/>
-          <a:lstStyle/>
-          <a:p>
-            <a:pPr algn="ctr"/>
-          </a:p>
-        </p:txBody>
-      </p:sp>
-      <p:sp>
-        <p:nvSpPr>
-          <p:cNvPr id="80" name="Rectangle 79"/>
-          <p:cNvSpPr/>
-          <p:nvPr/>
-        </p:nvSpPr>
-        <p:spPr>
-          <a:xfrm>
-            <a:off x="2390588" y="2327563"/>
-            <a:ext cx="4781176" cy="0"/>
-          </a:xfrm>
-          <a:prstGeom prst="rect">
-            <a:avLst/>
-          </a:prstGeom>
-        </p:spPr>
-        <p:style>
-          <a:lnRef idx="1">
-            <a:schemeClr val="accent1"/>
-          </a:lnRef>
-          <a:fillRef idx="3">
-            <a:schemeClr val="accent1"/>
-          </a:fillRef>
-          <a:effectRef idx="2">
-            <a:schemeClr val="accent1"/>
-          </a:effectRef>
-          <a:fontRef idx="minor">
-            <a:schemeClr val="lt1"/>
-          </a:fontRef>
-        </p:style>
-        <p:txBody>
-          <a:bodyPr rtlCol="0" anchor="ctr"/>
-          <a:lstStyle/>
-          <a:p>
-            <a:pPr algn="ctr"/>
-          </a:p>
-        </p:txBody>
-      </p:sp>
-      <p:sp>
-        <p:nvSpPr>
-          <p:cNvPr id="81" name="Rectangle 80"/>
-          <p:cNvSpPr/>
-          <p:nvPr/>
-        </p:nvSpPr>
-        <p:spPr>
-          <a:xfrm>
-            <a:off x="2390588" y="2317172"/>
-            <a:ext cx="4781176" cy="0"/>
-          </a:xfrm>
-          <a:prstGeom prst="rect">
-            <a:avLst/>
-          </a:prstGeom>
-        </p:spPr>
-        <p:style>
-          <a:lnRef idx="1">
-            <a:schemeClr val="accent1"/>
-          </a:lnRef>
-          <a:fillRef idx="3">
-            <a:schemeClr val="accent1"/>
-          </a:fillRef>
-          <a:effectRef idx="2">
-            <a:schemeClr val="accent1"/>
-          </a:effectRef>
-          <a:fontRef idx="minor">
-            <a:schemeClr val="lt1"/>
-          </a:fontRef>
-        </p:style>
-        <p:txBody>
-          <a:bodyPr rtlCol="0" anchor="ctr"/>
-          <a:lstStyle/>
-          <a:p>
-            <a:pPr algn="ctr"/>
-          </a:p>
-        </p:txBody>
-      </p:sp>
-      <p:sp>
-        <p:nvSpPr>
-          <p:cNvPr id="82" name="Rectangle 81"/>
-          <p:cNvSpPr/>
-          <p:nvPr/>
-        </p:nvSpPr>
-        <p:spPr>
-          <a:xfrm>
-            <a:off x="2390588" y="2306781"/>
-            <a:ext cx="4781176" cy="0"/>
-          </a:xfrm>
-          <a:prstGeom prst="rect">
-            <a:avLst/>
-          </a:prstGeom>
-        </p:spPr>
-        <p:style>
-          <a:lnRef idx="1">
-            <a:schemeClr val="accent1"/>
-          </a:lnRef>
-          <a:fillRef idx="3">
-            <a:schemeClr val="accent1"/>
-          </a:fillRef>
-          <a:effectRef idx="2">
-            <a:schemeClr val="accent1"/>
-          </a:effectRef>
-          <a:fontRef idx="minor">
-            <a:schemeClr val="lt1"/>
-          </a:fontRef>
-        </p:style>
-        <p:txBody>
-          <a:bodyPr rtlCol="0" anchor="ctr"/>
-          <a:lstStyle/>
-          <a:p>
-            <a:pPr algn="ctr"/>
-          </a:p>
-        </p:txBody>
-      </p:sp>
-      <p:sp>
-        <p:nvSpPr>
-          <p:cNvPr id="83" name="Rectangle 82"/>
-          <p:cNvSpPr/>
-          <p:nvPr/>
-        </p:nvSpPr>
-        <p:spPr>
-          <a:xfrm>
-            <a:off x="2390588" y="2296390"/>
-            <a:ext cx="4781176" cy="0"/>
-          </a:xfrm>
-          <a:prstGeom prst="rect">
-            <a:avLst/>
-          </a:prstGeom>
-        </p:spPr>
-        <p:style>
-          <a:lnRef idx="1">
-            <a:schemeClr val="accent1"/>
-          </a:lnRef>
-          <a:fillRef idx="3">
-            <a:schemeClr val="accent1"/>
-          </a:fillRef>
-          <a:effectRef idx="2">
-            <a:schemeClr val="accent1"/>
-          </a:effectRef>
-          <a:fontRef idx="minor">
-            <a:schemeClr val="lt1"/>
-          </a:fontRef>
-        </p:style>
-        <p:txBody>
-          <a:bodyPr rtlCol="0" anchor="ctr"/>
-          <a:lstStyle/>
-          <a:p>
-            <a:pPr algn="ctr"/>
-          </a:p>
-        </p:txBody>
-      </p:sp>
-      <p:sp>
-        <p:nvSpPr>
-          <p:cNvPr id="84" name="Rectangle 83"/>
-          <p:cNvSpPr/>
-          <p:nvPr/>
-        </p:nvSpPr>
-        <p:spPr>
-          <a:xfrm>
-            <a:off x="2390588" y="2286000"/>
-            <a:ext cx="4781176" cy="0"/>
-          </a:xfrm>
-          <a:prstGeom prst="rect">
-            <a:avLst/>
-          </a:prstGeom>
-        </p:spPr>
-        <p:style>
-          <a:lnRef idx="1">
-            <a:schemeClr val="accent1"/>
-          </a:lnRef>
-          <a:fillRef idx="3">
-            <a:schemeClr val="accent1"/>
-          </a:fillRef>
-          <a:effectRef idx="2">
-            <a:schemeClr val="accent1"/>
-          </a:effectRef>
-          <a:fontRef idx="minor">
-            <a:schemeClr val="lt1"/>
-          </a:fontRef>
-        </p:style>
-        <p:txBody>
-          <a:bodyPr rtlCol="0" anchor="ctr"/>
-          <a:lstStyle/>
-          <a:p>
-            <a:pPr algn="ctr"/>
-          </a:p>
-        </p:txBody>
-      </p:sp>
-      <p:sp>
-        <p:nvSpPr>
-          <p:cNvPr id="85" name="Rectangle 84"/>
-          <p:cNvSpPr/>
-          <p:nvPr/>
-        </p:nvSpPr>
-        <p:spPr>
-          <a:xfrm>
-            <a:off x="2390588" y="2275609"/>
-            <a:ext cx="4781176" cy="0"/>
-          </a:xfrm>
-          <a:prstGeom prst="rect">
-            <a:avLst/>
-          </a:prstGeom>
-        </p:spPr>
-        <p:style>
-          <a:lnRef idx="1">
-            <a:schemeClr val="accent1"/>
-          </a:lnRef>
-          <a:fillRef idx="3">
-            <a:schemeClr val="accent1"/>
-          </a:fillRef>
-          <a:effectRef idx="2">
-            <a:schemeClr val="accent1"/>
-          </a:effectRef>
-          <a:fontRef idx="minor">
-            <a:schemeClr val="lt1"/>
-          </a:fontRef>
-        </p:style>
-        <p:txBody>
-          <a:bodyPr rtlCol="0" anchor="ctr"/>
-          <a:lstStyle/>
-          <a:p>
-            <a:pPr algn="ctr"/>
-          </a:p>
-        </p:txBody>
-      </p:sp>
-      <p:sp>
-        <p:nvSpPr>
-          <p:cNvPr id="86" name="Rectangle 85"/>
-          <p:cNvSpPr/>
-          <p:nvPr/>
-        </p:nvSpPr>
-        <p:spPr>
-          <a:xfrm>
-            <a:off x="2390588" y="2265218"/>
-            <a:ext cx="4781176" cy="0"/>
-          </a:xfrm>
-          <a:prstGeom prst="rect">
-            <a:avLst/>
-          </a:prstGeom>
-        </p:spPr>
-        <p:style>
-          <a:lnRef idx="1">
-            <a:schemeClr val="accent1"/>
-          </a:lnRef>
-          <a:fillRef idx="3">
-            <a:schemeClr val="accent1"/>
-          </a:fillRef>
-          <a:effectRef idx="2">
-            <a:schemeClr val="accent1"/>
-          </a:effectRef>
-          <a:fontRef idx="minor">
-            <a:schemeClr val="lt1"/>
-          </a:fontRef>
-        </p:style>
-        <p:txBody>
-          <a:bodyPr rtlCol="0" anchor="ctr"/>
-          <a:lstStyle/>
-          <a:p>
-            <a:pPr algn="ctr"/>
-          </a:p>
-        </p:txBody>
-      </p:sp>
-      <p:sp>
-        <p:nvSpPr>
-          <p:cNvPr id="87" name="Rectangle 86"/>
-          <p:cNvSpPr/>
-          <p:nvPr/>
-        </p:nvSpPr>
-        <p:spPr>
-          <a:xfrm>
-            <a:off x="2390588" y="2254827"/>
-            <a:ext cx="4781176" cy="0"/>
-          </a:xfrm>
-          <a:prstGeom prst="rect">
-            <a:avLst/>
-          </a:prstGeom>
-        </p:spPr>
-        <p:style>
-          <a:lnRef idx="1">
-            <a:schemeClr val="accent1"/>
-          </a:lnRef>
-          <a:fillRef idx="3">
-            <a:schemeClr val="accent1"/>
-          </a:fillRef>
-          <a:effectRef idx="2">
-            <a:schemeClr val="accent1"/>
-          </a:effectRef>
-          <a:fontRef idx="minor">
-            <a:schemeClr val="lt1"/>
-          </a:fontRef>
-        </p:style>
-        <p:txBody>
-          <a:bodyPr rtlCol="0" anchor="ctr"/>
-          <a:lstStyle/>
-          <a:p>
-            <a:pPr algn="ctr"/>
-          </a:p>
-        </p:txBody>
-      </p:sp>
-      <p:sp>
-        <p:nvSpPr>
-          <p:cNvPr id="88" name="Rectangle 87"/>
-          <p:cNvSpPr/>
-          <p:nvPr/>
-        </p:nvSpPr>
-        <p:spPr>
-          <a:xfrm>
-            <a:off x="2390588" y="2244436"/>
-            <a:ext cx="4781176" cy="0"/>
-          </a:xfrm>
-          <a:prstGeom prst="rect">
-            <a:avLst/>
-          </a:prstGeom>
-        </p:spPr>
-        <p:style>
-          <a:lnRef idx="1">
-            <a:schemeClr val="accent1"/>
-          </a:lnRef>
-          <a:fillRef idx="3">
-            <a:schemeClr val="accent1"/>
-          </a:fillRef>
-          <a:effectRef idx="2">
-            <a:schemeClr val="accent1"/>
-          </a:effectRef>
-          <a:fontRef idx="minor">
-            <a:schemeClr val="lt1"/>
-          </a:fontRef>
-        </p:style>
-        <p:txBody>
-          <a:bodyPr rtlCol="0" anchor="ctr"/>
-          <a:lstStyle/>
-          <a:p>
-            <a:pPr algn="ctr"/>
-          </a:p>
-        </p:txBody>
-      </p:sp>
-      <p:sp>
-        <p:nvSpPr>
-          <p:cNvPr id="89" name="Rectangle 88"/>
-          <p:cNvSpPr/>
-          <p:nvPr/>
-        </p:nvSpPr>
-        <p:spPr>
-          <a:xfrm>
-            <a:off x="2390588" y="2234045"/>
-            <a:ext cx="4781176" cy="0"/>
-          </a:xfrm>
-          <a:prstGeom prst="rect">
-            <a:avLst/>
-          </a:prstGeom>
-        </p:spPr>
-        <p:style>
-          <a:lnRef idx="1">
-            <a:schemeClr val="accent1"/>
-          </a:lnRef>
-          <a:fillRef idx="3">
-            <a:schemeClr val="accent1"/>
-          </a:fillRef>
-          <a:effectRef idx="2">
-            <a:schemeClr val="accent1"/>
-          </a:effectRef>
-          <a:fontRef idx="minor">
-            <a:schemeClr val="lt1"/>
-          </a:fontRef>
-        </p:style>
-        <p:txBody>
-          <a:bodyPr rtlCol="0" anchor="ctr"/>
-          <a:lstStyle/>
-          <a:p>
-            <a:pPr algn="ctr"/>
-          </a:p>
-        </p:txBody>
-      </p:sp>
-      <p:sp>
-        <p:nvSpPr>
-          <p:cNvPr id="90" name="Rectangle 89"/>
-          <p:cNvSpPr/>
-          <p:nvPr/>
-        </p:nvSpPr>
-        <p:spPr>
-          <a:xfrm>
-            <a:off x="2390588" y="2223654"/>
-            <a:ext cx="4781176" cy="0"/>
-          </a:xfrm>
-          <a:prstGeom prst="rect">
-            <a:avLst/>
-          </a:prstGeom>
-        </p:spPr>
-        <p:style>
-          <a:lnRef idx="1">
-            <a:schemeClr val="accent1"/>
-          </a:lnRef>
-          <a:fillRef idx="3">
-            <a:schemeClr val="accent1"/>
-          </a:fillRef>
-          <a:effectRef idx="2">
-            <a:schemeClr val="accent1"/>
-          </a:effectRef>
-          <a:fontRef idx="minor">
-            <a:schemeClr val="lt1"/>
-          </a:fontRef>
-        </p:style>
-        <p:txBody>
-          <a:bodyPr rtlCol="0" anchor="ctr"/>
-          <a:lstStyle/>
-          <a:p>
-            <a:pPr algn="ctr"/>
-          </a:p>
-        </p:txBody>
-      </p:sp>
-      <p:sp>
-        <p:nvSpPr>
-          <p:cNvPr id="91" name="Rectangle 90"/>
-          <p:cNvSpPr/>
-          <p:nvPr/>
-        </p:nvSpPr>
-        <p:spPr>
-          <a:xfrm>
-            <a:off x="2390588" y="2213263"/>
-            <a:ext cx="4781176" cy="0"/>
-          </a:xfrm>
-          <a:prstGeom prst="rect">
-            <a:avLst/>
-          </a:prstGeom>
-        </p:spPr>
-        <p:style>
-          <a:lnRef idx="1">
-            <a:schemeClr val="accent1"/>
-          </a:lnRef>
-          <a:fillRef idx="3">
-            <a:schemeClr val="accent1"/>
-          </a:fillRef>
-          <a:effectRef idx="2">
-            <a:schemeClr val="accent1"/>
-          </a:effectRef>
-          <a:fontRef idx="minor">
-            <a:schemeClr val="lt1"/>
-          </a:fontRef>
-        </p:style>
-        <p:txBody>
-          <a:bodyPr rtlCol="0" anchor="ctr"/>
-          <a:lstStyle/>
-          <a:p>
-            <a:pPr algn="ctr"/>
-          </a:p>
-        </p:txBody>
-      </p:sp>
-      <p:sp>
-        <p:nvSpPr>
-          <p:cNvPr id="92" name="Rectangle 91"/>
-          <p:cNvSpPr/>
-          <p:nvPr/>
-        </p:nvSpPr>
-        <p:spPr>
-          <a:xfrm>
-            <a:off x="2390588" y="2202872"/>
-            <a:ext cx="4781176" cy="0"/>
-          </a:xfrm>
-          <a:prstGeom prst="rect">
-            <a:avLst/>
-          </a:prstGeom>
-        </p:spPr>
-        <p:style>
-          <a:lnRef idx="1">
-            <a:schemeClr val="accent1"/>
-          </a:lnRef>
-          <a:fillRef idx="3">
-            <a:schemeClr val="accent1"/>
-          </a:fillRef>
-          <a:effectRef idx="2">
-            <a:schemeClr val="accent1"/>
-          </a:effectRef>
-          <a:fontRef idx="minor">
-            <a:schemeClr val="lt1"/>
-          </a:fontRef>
-        </p:style>
-        <p:txBody>
-          <a:bodyPr rtlCol="0" anchor="ctr"/>
-          <a:lstStyle/>
-          <a:p>
-            <a:pPr algn="ctr"/>
-          </a:p>
-        </p:txBody>
-      </p:sp>
-      <p:sp>
-        <p:nvSpPr>
-          <p:cNvPr id="93" name="Rectangle 92"/>
-          <p:cNvSpPr/>
-          <p:nvPr/>
-        </p:nvSpPr>
-        <p:spPr>
-          <a:xfrm>
-            <a:off x="2390588" y="2192481"/>
-            <a:ext cx="4781176" cy="0"/>
-          </a:xfrm>
-          <a:prstGeom prst="rect">
-            <a:avLst/>
-          </a:prstGeom>
-        </p:spPr>
-        <p:style>
-          <a:lnRef idx="1">
-            <a:schemeClr val="accent1"/>
-          </a:lnRef>
-          <a:fillRef idx="3">
-            <a:schemeClr val="accent1"/>
-          </a:fillRef>
-          <a:effectRef idx="2">
-            <a:schemeClr val="accent1"/>
-          </a:effectRef>
-          <a:fontRef idx="minor">
-            <a:schemeClr val="lt1"/>
-          </a:fontRef>
-        </p:style>
-        <p:txBody>
-          <a:bodyPr rtlCol="0" anchor="ctr"/>
-          <a:lstStyle/>
-          <a:p>
-            <a:pPr algn="ctr"/>
-          </a:p>
-        </p:txBody>
-      </p:sp>
-      <p:sp>
-        <p:nvSpPr>
-          <p:cNvPr id="94" name="Rectangle 93"/>
-          <p:cNvSpPr/>
-          <p:nvPr/>
-        </p:nvSpPr>
-        <p:spPr>
-          <a:xfrm>
-            <a:off x="2390588" y="2182090"/>
-            <a:ext cx="4781176" cy="0"/>
-          </a:xfrm>
-          <a:prstGeom prst="rect">
-            <a:avLst/>
-          </a:prstGeom>
-        </p:spPr>
-        <p:style>
-          <a:lnRef idx="1">
-            <a:schemeClr val="accent1"/>
-          </a:lnRef>
-          <a:fillRef idx="3">
-            <a:schemeClr val="accent1"/>
-          </a:fillRef>
-          <a:effectRef idx="2">
-            <a:schemeClr val="accent1"/>
-          </a:effectRef>
-          <a:fontRef idx="minor">
-            <a:schemeClr val="lt1"/>
-          </a:fontRef>
-        </p:style>
-        <p:txBody>
-          <a:bodyPr rtlCol="0" anchor="ctr"/>
-          <a:lstStyle/>
-          <a:p>
-            <a:pPr algn="ctr"/>
-          </a:p>
-        </p:txBody>
-      </p:sp>
-      <p:sp>
-        <p:nvSpPr>
-          <p:cNvPr id="95" name="Rectangle 94"/>
-          <p:cNvSpPr/>
-          <p:nvPr/>
-        </p:nvSpPr>
-        <p:spPr>
-          <a:xfrm>
-            <a:off x="2390588" y="2171700"/>
-            <a:ext cx="4781176" cy="0"/>
-          </a:xfrm>
-          <a:prstGeom prst="rect">
-            <a:avLst/>
-          </a:prstGeom>
-        </p:spPr>
-        <p:style>
-          <a:lnRef idx="1">
-            <a:schemeClr val="accent1"/>
-          </a:lnRef>
-          <a:fillRef idx="3">
-            <a:schemeClr val="accent1"/>
-          </a:fillRef>
-          <a:effectRef idx="2">
-            <a:schemeClr val="accent1"/>
-          </a:effectRef>
-          <a:fontRef idx="minor">
-            <a:schemeClr val="lt1"/>
-          </a:fontRef>
-        </p:style>
-        <p:txBody>
-          <a:bodyPr rtlCol="0" anchor="ctr"/>
-          <a:lstStyle/>
-          <a:p>
-            <a:pPr algn="ctr"/>
-          </a:p>
-        </p:txBody>
-      </p:sp>
-      <p:sp>
-        <p:nvSpPr>
-          <p:cNvPr id="96" name="Rectangle 95"/>
-          <p:cNvSpPr/>
-          <p:nvPr/>
-        </p:nvSpPr>
-        <p:spPr>
-          <a:xfrm>
-            <a:off x="2390588" y="2161309"/>
-            <a:ext cx="4781176" cy="0"/>
-          </a:xfrm>
-          <a:prstGeom prst="rect">
-            <a:avLst/>
-          </a:prstGeom>
-        </p:spPr>
-        <p:style>
-          <a:lnRef idx="1">
-            <a:schemeClr val="accent1"/>
-          </a:lnRef>
-          <a:fillRef idx="3">
-            <a:schemeClr val="accent1"/>
-          </a:fillRef>
-          <a:effectRef idx="2">
-            <a:schemeClr val="accent1"/>
-          </a:effectRef>
-          <a:fontRef idx="minor">
-            <a:schemeClr val="lt1"/>
-          </a:fontRef>
-        </p:style>
-        <p:txBody>
-          <a:bodyPr rtlCol="0" anchor="ctr"/>
-          <a:lstStyle/>
-          <a:p>
-            <a:pPr algn="ctr"/>
-          </a:p>
-        </p:txBody>
-      </p:sp>
-      <p:sp>
-        <p:nvSpPr>
-          <p:cNvPr id="97" name="Rectangle 96"/>
-          <p:cNvSpPr/>
-          <p:nvPr/>
-        </p:nvSpPr>
-        <p:spPr>
-          <a:xfrm>
-            <a:off x="2390588" y="2150918"/>
-            <a:ext cx="4781176" cy="0"/>
-          </a:xfrm>
-          <a:prstGeom prst="rect">
-            <a:avLst/>
-          </a:prstGeom>
-        </p:spPr>
-        <p:style>
-          <a:lnRef idx="1">
-            <a:schemeClr val="accent1"/>
-          </a:lnRef>
-          <a:fillRef idx="3">
-            <a:schemeClr val="accent1"/>
-          </a:fillRef>
-          <a:effectRef idx="2">
-            <a:schemeClr val="accent1"/>
-          </a:effectRef>
-          <a:fontRef idx="minor">
-            <a:schemeClr val="lt1"/>
-          </a:fontRef>
-        </p:style>
-        <p:txBody>
-          <a:bodyPr rtlCol="0" anchor="ctr"/>
-          <a:lstStyle/>
-          <a:p>
-            <a:pPr algn="ctr"/>
-          </a:p>
-        </p:txBody>
-      </p:sp>
-      <p:sp>
-        <p:nvSpPr>
-          <p:cNvPr id="98" name="Rectangle 97"/>
-          <p:cNvSpPr/>
-          <p:nvPr/>
-        </p:nvSpPr>
-        <p:spPr>
-          <a:xfrm>
-            <a:off x="2390588" y="2140527"/>
-            <a:ext cx="4781176" cy="0"/>
-          </a:xfrm>
-          <a:prstGeom prst="rect">
-            <a:avLst/>
-          </a:prstGeom>
-        </p:spPr>
-        <p:style>
-          <a:lnRef idx="1">
-            <a:schemeClr val="accent1"/>
-          </a:lnRef>
-          <a:fillRef idx="3">
-            <a:schemeClr val="accent1"/>
-          </a:fillRef>
-          <a:effectRef idx="2">
-            <a:schemeClr val="accent1"/>
-          </a:effectRef>
-          <a:fontRef idx="minor">
-            <a:schemeClr val="lt1"/>
-          </a:fontRef>
-        </p:style>
-        <p:txBody>
-          <a:bodyPr rtlCol="0" anchor="ctr"/>
-          <a:lstStyle/>
-          <a:p>
-            <a:pPr algn="ctr"/>
-          </a:p>
-        </p:txBody>
-      </p:sp>
-      <p:sp>
-        <p:nvSpPr>
-          <p:cNvPr id="99" name="Rectangle 98"/>
-          <p:cNvSpPr/>
-          <p:nvPr/>
-        </p:nvSpPr>
-        <p:spPr>
-          <a:xfrm>
-            <a:off x="2390588" y="2130136"/>
-            <a:ext cx="4781176" cy="0"/>
-          </a:xfrm>
-          <a:prstGeom prst="rect">
-            <a:avLst/>
-          </a:prstGeom>
-        </p:spPr>
-        <p:style>
-          <a:lnRef idx="1">
-            <a:schemeClr val="accent1"/>
-          </a:lnRef>
-          <a:fillRef idx="3">
-            <a:schemeClr val="accent1"/>
-          </a:fillRef>
-          <a:effectRef idx="2">
-            <a:schemeClr val="accent1"/>
-          </a:effectRef>
-          <a:fontRef idx="minor">
-            <a:schemeClr val="lt1"/>
-          </a:fontRef>
-        </p:style>
-        <p:txBody>
-          <a:bodyPr rtlCol="0" anchor="ctr"/>
-          <a:lstStyle/>
-          <a:p>
-            <a:pPr algn="ctr"/>
-          </a:p>
-        </p:txBody>
-      </p:sp>
-      <p:sp>
-        <p:nvSpPr>
-          <p:cNvPr id="100" name="Rectangle 99"/>
-          <p:cNvSpPr/>
-          <p:nvPr/>
-        </p:nvSpPr>
-        <p:spPr>
-          <a:xfrm>
-            <a:off x="2390588" y="2119745"/>
-            <a:ext cx="4781176" cy="0"/>
-          </a:xfrm>
-          <a:prstGeom prst="rect">
-            <a:avLst/>
-          </a:prstGeom>
-        </p:spPr>
-        <p:style>
-          <a:lnRef idx="1">
-            <a:schemeClr val="accent1"/>
-          </a:lnRef>
-          <a:fillRef idx="3">
-            <a:schemeClr val="accent1"/>
-          </a:fillRef>
-          <a:effectRef idx="2">
-            <a:schemeClr val="accent1"/>
-          </a:effectRef>
-          <a:fontRef idx="minor">
-            <a:schemeClr val="lt1"/>
-          </a:fontRef>
-        </p:style>
-        <p:txBody>
-          <a:bodyPr rtlCol="0" anchor="ctr"/>
-          <a:lstStyle/>
-          <a:p>
-            <a:pPr algn="ctr"/>
-          </a:p>
-        </p:txBody>
-      </p:sp>
-      <p:sp>
-        <p:nvSpPr>
-          <p:cNvPr id="101" name="Rectangle 100"/>
-          <p:cNvSpPr/>
-          <p:nvPr/>
-        </p:nvSpPr>
-        <p:spPr>
-          <a:xfrm>
-            <a:off x="2390588" y="2109354"/>
-            <a:ext cx="4781176" cy="0"/>
-          </a:xfrm>
-          <a:prstGeom prst="rect">
-            <a:avLst/>
-          </a:prstGeom>
-        </p:spPr>
-        <p:style>
-          <a:lnRef idx="1">
-            <a:schemeClr val="accent1"/>
-          </a:lnRef>
-          <a:fillRef idx="3">
-            <a:schemeClr val="accent1"/>
-          </a:fillRef>
-          <a:effectRef idx="2">
-            <a:schemeClr val="accent1"/>
-          </a:effectRef>
-          <a:fontRef idx="minor">
-            <a:schemeClr val="lt1"/>
-          </a:fontRef>
-        </p:style>
-        <p:txBody>
-          <a:bodyPr rtlCol="0" anchor="ctr"/>
-          <a:lstStyle/>
-          <a:p>
-            <a:pPr algn="ctr"/>
-          </a:p>
-        </p:txBody>
-      </p:sp>
-      <p:sp>
-        <p:nvSpPr>
-          <p:cNvPr id="102" name="Rectangle 101"/>
-          <p:cNvSpPr/>
-          <p:nvPr/>
-        </p:nvSpPr>
-        <p:spPr>
-          <a:xfrm>
-            <a:off x="2390588" y="2098963"/>
-            <a:ext cx="4781176" cy="0"/>
-          </a:xfrm>
-          <a:prstGeom prst="rect">
-            <a:avLst/>
-          </a:prstGeom>
-        </p:spPr>
-        <p:style>
-          <a:lnRef idx="1">
-            <a:schemeClr val="accent1"/>
-          </a:lnRef>
-          <a:fillRef idx="3">
-            <a:schemeClr val="accent1"/>
-          </a:fillRef>
-          <a:effectRef idx="2">
-            <a:schemeClr val="accent1"/>
-          </a:effectRef>
-          <a:fontRef idx="minor">
-            <a:schemeClr val="lt1"/>
-          </a:fontRef>
-        </p:style>
-        <p:txBody>
-          <a:bodyPr rtlCol="0" anchor="ctr"/>
-          <a:lstStyle/>
-          <a:p>
-            <a:pPr algn="ctr"/>
-          </a:p>
-        </p:txBody>
-      </p:sp>
-      <p:sp>
-        <p:nvSpPr>
-          <p:cNvPr id="103" name="Rectangle 102"/>
-          <p:cNvSpPr/>
-          <p:nvPr/>
-        </p:nvSpPr>
-        <p:spPr>
-          <a:xfrm>
-            <a:off x="2390588" y="2088572"/>
-            <a:ext cx="4781176" cy="0"/>
-          </a:xfrm>
-          <a:prstGeom prst="rect">
-            <a:avLst/>
-          </a:prstGeom>
-        </p:spPr>
-        <p:style>
-          <a:lnRef idx="1">
-            <a:schemeClr val="accent1"/>
-          </a:lnRef>
-          <a:fillRef idx="3">
-            <a:schemeClr val="accent1"/>
-          </a:fillRef>
-          <a:effectRef idx="2">
-            <a:schemeClr val="accent1"/>
-          </a:effectRef>
-          <a:fontRef idx="minor">
-            <a:schemeClr val="lt1"/>
-          </a:fontRef>
-        </p:style>
-        <p:txBody>
-          <a:bodyPr rtlCol="0" anchor="ctr"/>
-          <a:lstStyle/>
-          <a:p>
-            <a:pPr algn="ctr"/>
-          </a:p>
-        </p:txBody>
-      </p:sp>
-      <p:sp>
-        <p:nvSpPr>
-          <p:cNvPr id="104" name="Rectangle 103"/>
-          <p:cNvSpPr/>
-          <p:nvPr/>
-        </p:nvSpPr>
-        <p:spPr>
-          <a:xfrm>
-            <a:off x="2390588" y="3636818"/>
-            <a:ext cx="4781176" cy="0"/>
-          </a:xfrm>
-          <a:prstGeom prst="rect">
-            <a:avLst/>
-          </a:prstGeom>
-        </p:spPr>
-        <p:style>
-          <a:lnRef idx="1">
-            <a:schemeClr val="accent1"/>
-          </a:lnRef>
-          <a:fillRef idx="3">
-            <a:schemeClr val="accent1"/>
-          </a:fillRef>
-          <a:effectRef idx="2">
-            <a:schemeClr val="accent1"/>
-          </a:effectRef>
-          <a:fontRef idx="minor">
-            <a:schemeClr val="lt1"/>
-          </a:fontRef>
-        </p:style>
-        <p:txBody>
-          <a:bodyPr rtlCol="0" anchor="ctr"/>
-          <a:lstStyle/>
-          <a:p>
-            <a:pPr algn="ctr"/>
-          </a:p>
-        </p:txBody>
-      </p:sp>
-      <p:sp>
-        <p:nvSpPr>
-          <p:cNvPr id="105" name="Rectangle 104"/>
-          <p:cNvSpPr/>
-          <p:nvPr/>
-        </p:nvSpPr>
-        <p:spPr>
-          <a:xfrm>
-            <a:off x="2390588" y="3844636"/>
-            <a:ext cx="4781176" cy="0"/>
-          </a:xfrm>
-          <a:prstGeom prst="rect">
-            <a:avLst/>
-          </a:prstGeom>
-        </p:spPr>
-        <p:style>
-          <a:lnRef idx="1">
-            <a:schemeClr val="accent1"/>
-          </a:lnRef>
-          <a:fillRef idx="3">
-            <a:schemeClr val="accent1"/>
-          </a:fillRef>
-          <a:effectRef idx="2">
-            <a:schemeClr val="accent1"/>
-          </a:effectRef>
-          <a:fontRef idx="minor">
-            <a:schemeClr val="lt1"/>
-          </a:fontRef>
-        </p:style>
-        <p:txBody>
-          <a:bodyPr rtlCol="0" anchor="ctr"/>
-          <a:lstStyle/>
-          <a:p>
-            <a:pPr algn="ctr"/>
-          </a:p>
-        </p:txBody>
-      </p:sp>
-      <p:sp>
-        <p:nvSpPr>
-          <p:cNvPr id="106" name="Rectangle 105"/>
-          <p:cNvSpPr/>
-          <p:nvPr/>
-        </p:nvSpPr>
-        <p:spPr>
-          <a:xfrm>
-            <a:off x="2390588" y="4052454"/>
-            <a:ext cx="4781176" cy="0"/>
-          </a:xfrm>
-          <a:prstGeom prst="rect">
-            <a:avLst/>
-          </a:prstGeom>
-        </p:spPr>
-        <p:style>
-          <a:lnRef idx="1">
-            <a:schemeClr val="accent1"/>
-          </a:lnRef>
-          <a:fillRef idx="3">
-            <a:schemeClr val="accent1"/>
-          </a:fillRef>
-          <a:effectRef idx="2">
-            <a:schemeClr val="accent1"/>
-          </a:effectRef>
-          <a:fontRef idx="minor">
-            <a:schemeClr val="lt1"/>
-          </a:fontRef>
-        </p:style>
-        <p:txBody>
-          <a:bodyPr rtlCol="0" anchor="ctr"/>
-          <a:lstStyle/>
-          <a:p>
-            <a:pPr algn="ctr"/>
+          <p:cNvPr id="30" name="TextBox 29"/>
+          <p:cNvSpPr txBox="1"/>
+          <p:nvPr/>
+        </p:nvSpPr>
+        <p:spPr>
+          <a:xfrm>
+            <a:off x="1645920" y="5852160"/>
+            <a:ext cx="914400" cy="274320"/>
+          </a:xfrm>
+          <a:prstGeom prst="rect">
+            <a:avLst/>
+          </a:prstGeom>
+          <a:noFill/>
+        </p:spPr>
+        <p:txBody>
+          <a:bodyPr wrap="none">
+            <a:spAutoFit/>
+          </a:bodyPr>
+          <a:lstStyle/>
+          <a:p>
+            <a:r>
+              <a:rPr sz="1000"/>
+              <a:t>India</a:t>
+            </a:r>
           </a:p>
         </p:txBody>
       </p:sp>
@@ -7388,234 +5282,26 @@
       <p:grpSpPr/>
       <p:sp>
         <p:nvSpPr>
-          <p:cNvPr id="2" name="TextBox 1"/>
-          <p:cNvSpPr txBox="1"/>
-          <p:nvPr/>
-        </p:nvSpPr>
-        <p:spPr>
-          <a:xfrm>
-            <a:off x="2390588" y="772252"/>
-            <a:ext cx="8130484" cy="343398"/>
-          </a:xfrm>
-          <a:prstGeom prst="rect">
-            <a:avLst/>
-          </a:prstGeom>
-          <a:noFill/>
-        </p:spPr>
-        <p:txBody>
-          <a:bodyPr wrap="square">
-            <a:spAutoFit/>
-          </a:bodyPr>
-          <a:lstStyle/>
-          <a:p/>
-          <a:p>
-            <a:r>
-              <a:rPr sz="2400" b="1" i="0">
-                <a:latin typeface="Helvetica-Bold"/>
-              </a:rPr>
-              <a:t>Test Page 3: Layout Elements</a:t>
-            </a:r>
-          </a:p>
-        </p:txBody>
-      </p:sp>
-      <p:sp>
-        <p:nvSpPr>
-          <p:cNvPr id="3" name="TextBox 2"/>
-          <p:cNvSpPr txBox="1"/>
-          <p:nvPr/>
-        </p:nvSpPr>
-        <p:spPr>
-          <a:xfrm>
-            <a:off x="2510117" y="2152580"/>
-            <a:ext cx="5992917" cy="171699"/>
-          </a:xfrm>
-          <a:prstGeom prst="rect">
-            <a:avLst/>
-          </a:prstGeom>
-          <a:noFill/>
-        </p:spPr>
-        <p:txBody>
-          <a:bodyPr wrap="square">
-            <a:spAutoFit/>
-          </a:bodyPr>
-          <a:lstStyle/>
-          <a:p/>
-          <a:p>
-            <a:r>
-              <a:rPr sz="1200" b="1" i="0">
-                <a:latin typeface="Helvetica-Bold"/>
-              </a:rPr>
-              <a:t>Header 1</a:t>
-            </a:r>
-          </a:p>
-          <a:p>
-            <a:r>
-              <a:rPr sz="1200" b="1" i="0">
-                <a:latin typeface="Helvetica-Bold"/>
-              </a:rPr>
-              <a:t>Header 2</a:t>
-            </a:r>
-          </a:p>
-          <a:p>
-            <a:r>
-              <a:rPr sz="1200" b="1" i="0">
-                <a:latin typeface="Helvetica-Bold"/>
-              </a:rPr>
-              <a:t>Header 3</a:t>
-            </a:r>
-          </a:p>
-        </p:txBody>
-      </p:sp>
-      <p:sp>
-        <p:nvSpPr>
-          <p:cNvPr id="4" name="TextBox 3"/>
-          <p:cNvSpPr txBox="1"/>
-          <p:nvPr/>
-        </p:nvSpPr>
-        <p:spPr>
-          <a:xfrm>
-            <a:off x="2510117" y="2463684"/>
-            <a:ext cx="5753667" cy="171325"/>
-          </a:xfrm>
-          <a:prstGeom prst="rect">
-            <a:avLst/>
-          </a:prstGeom>
-          <a:noFill/>
-        </p:spPr>
-        <p:txBody>
-          <a:bodyPr wrap="square">
-            <a:spAutoFit/>
-          </a:bodyPr>
-          <a:lstStyle/>
-          <a:p/>
-          <a:p>
-            <a:r>
-              <a:rPr sz="1200" b="0" i="0">
-                <a:latin typeface="Helvetica"/>
-              </a:rPr>
-              <a:t>Cell 1,1</a:t>
-            </a:r>
-          </a:p>
-          <a:p>
-            <a:r>
-              <a:rPr sz="1200" b="0" i="0">
-                <a:latin typeface="Helvetica"/>
-              </a:rPr>
-              <a:t>Cell 1,2</a:t>
-            </a:r>
-          </a:p>
-          <a:p>
-            <a:r>
-              <a:rPr sz="1200" b="0" i="0">
-                <a:latin typeface="Helvetica"/>
-              </a:rPr>
-              <a:t>Cell 1,3</a:t>
-            </a:r>
-          </a:p>
-        </p:txBody>
-      </p:sp>
-      <p:sp>
-        <p:nvSpPr>
-          <p:cNvPr id="5" name="TextBox 4"/>
-          <p:cNvSpPr txBox="1"/>
-          <p:nvPr/>
-        </p:nvSpPr>
-        <p:spPr>
-          <a:xfrm>
-            <a:off x="2510117" y="2775411"/>
-            <a:ext cx="5753667" cy="171325"/>
-          </a:xfrm>
-          <a:prstGeom prst="rect">
-            <a:avLst/>
-          </a:prstGeom>
-          <a:noFill/>
-        </p:spPr>
-        <p:txBody>
-          <a:bodyPr wrap="square">
-            <a:spAutoFit/>
-          </a:bodyPr>
-          <a:lstStyle/>
-          <a:p/>
-          <a:p>
-            <a:r>
-              <a:rPr sz="1200" b="0" i="0">
-                <a:latin typeface="Helvetica"/>
-              </a:rPr>
-              <a:t>Cell 2,1</a:t>
-            </a:r>
-          </a:p>
-          <a:p>
-            <a:r>
-              <a:rPr sz="1200" b="0" i="0">
-                <a:latin typeface="Helvetica"/>
-              </a:rPr>
-              <a:t>Cell 2,2</a:t>
-            </a:r>
-          </a:p>
-          <a:p>
-            <a:r>
-              <a:rPr sz="1200" b="0" i="0">
-                <a:latin typeface="Helvetica"/>
-              </a:rPr>
-              <a:t>Cell 2,3</a:t>
-            </a:r>
-          </a:p>
-        </p:txBody>
-      </p:sp>
-      <p:sp>
-        <p:nvSpPr>
-          <p:cNvPr id="6" name="TextBox 5"/>
-          <p:cNvSpPr txBox="1"/>
-          <p:nvPr/>
-        </p:nvSpPr>
-        <p:spPr>
-          <a:xfrm>
-            <a:off x="2390588" y="3525115"/>
-            <a:ext cx="12301250" cy="142770"/>
-          </a:xfrm>
-          <a:prstGeom prst="rect">
-            <a:avLst/>
-          </a:prstGeom>
-          <a:noFill/>
-        </p:spPr>
-        <p:txBody>
-          <a:bodyPr wrap="square">
-            <a:spAutoFit/>
-          </a:bodyPr>
-          <a:lstStyle/>
-          <a:p/>
-          <a:p>
-            <a:r>
-              <a:rPr sz="1000" b="0" i="0">
-                <a:latin typeface="Helvetica"/>
-              </a:rPr>
-              <a:t>This is the left column of text. It demonstrates multi-column layout capabilities.</a:t>
-            </a:r>
-          </a:p>
-          <a:p>
-            <a:r>
-              <a:rPr sz="1000" b="0" i="0">
-                <a:latin typeface="Helvetica"/>
-              </a:rPr>
-              <a:t>This is the right column of text. It shows how content can be</a:t>
-            </a:r>
-          </a:p>
-        </p:txBody>
-      </p:sp>
-      <p:sp>
-        <p:nvSpPr>
-          <p:cNvPr id="7" name="Rectangle 6"/>
+          <p:cNvPr id="2" name="Rounded Rectangle 1"/>
           <p:cNvSpPr/>
           <p:nvPr/>
         </p:nvSpPr>
         <p:spPr>
           <a:xfrm>
-            <a:off x="2390588" y="2078181"/>
-            <a:ext cx="2390588" cy="311727"/>
-          </a:xfrm>
-          <a:prstGeom prst="rect">
-            <a:avLst/>
-          </a:prstGeom>
+            <a:off x="914400" y="1828800"/>
+            <a:ext cx="3657600" cy="1828800"/>
+          </a:xfrm>
+          <a:prstGeom prst="roundRect">
+            <a:avLst/>
+          </a:prstGeom>
+          <a:solidFill>
+            <a:srgbClr val="FFFFFF"/>
+          </a:solidFill>
+          <a:ln>
+            <a:solidFill>
+              <a:srgbClr val="E6E6E6"/>
+            </a:solidFill>
+          </a:ln>
         </p:spPr>
         <p:style>
           <a:lnRef idx="1">
@@ -7641,18 +5327,53 @@
       </p:sp>
       <p:sp>
         <p:nvSpPr>
-          <p:cNvPr id="8" name="Rectangle 7"/>
+          <p:cNvPr id="3" name="TextBox 2"/>
+          <p:cNvSpPr txBox="1"/>
+          <p:nvPr/>
+        </p:nvSpPr>
+        <p:spPr>
+          <a:xfrm>
+            <a:off x="1097280" y="2011680"/>
+            <a:ext cx="3291840" cy="457200"/>
+          </a:xfrm>
+          <a:prstGeom prst="rect">
+            <a:avLst/>
+          </a:prstGeom>
+          <a:noFill/>
+        </p:spPr>
+        <p:txBody>
+          <a:bodyPr wrap="none">
+            <a:spAutoFit/>
+          </a:bodyPr>
+          <a:lstStyle/>
+          <a:p>
+            <a:r>
+              <a:rPr b="1" sz="1600"/>
+              <a:t>Germany</a:t>
+            </a:r>
+          </a:p>
+        </p:txBody>
+      </p:sp>
+      <p:sp>
+        <p:nvSpPr>
+          <p:cNvPr id="4" name="Oval 3"/>
           <p:cNvSpPr/>
           <p:nvPr/>
         </p:nvSpPr>
         <p:spPr>
           <a:xfrm>
-            <a:off x="4781176" y="2078181"/>
-            <a:ext cx="2390588" cy="311727"/>
-          </a:xfrm>
-          <a:prstGeom prst="rect">
-            <a:avLst/>
-          </a:prstGeom>
+            <a:off x="4206240" y="2103120"/>
+            <a:ext cx="137160" cy="137160"/>
+          </a:xfrm>
+          <a:prstGeom prst="ellipse">
+            <a:avLst/>
+          </a:prstGeom>
+          <a:solidFill>
+            <a:srgbClr val="FFC107"/>
+          </a:solidFill>
+          <a:ln>
+            <a:noFill/>
+          </a:ln>
         </p:spPr>
         <p:style>
           <a:lnRef idx="1">
@@ -7678,18 +5399,88 @@
       </p:sp>
       <p:sp>
         <p:nvSpPr>
-          <p:cNvPr id="9" name="Rectangle 8"/>
+          <p:cNvPr id="5" name="TextBox 4"/>
+          <p:cNvSpPr txBox="1"/>
+          <p:nvPr/>
+        </p:nvSpPr>
+        <p:spPr>
+          <a:xfrm>
+            <a:off x="1097280" y="2560320"/>
+            <a:ext cx="3291840" cy="457200"/>
+          </a:xfrm>
+          <a:prstGeom prst="rect">
+            <a:avLst/>
+          </a:prstGeom>
+          <a:noFill/>
+        </p:spPr>
+        <p:txBody>
+          <a:bodyPr wrap="none">
+            <a:spAutoFit/>
+          </a:bodyPr>
+          <a:lstStyle/>
+          <a:p>
+            <a:r>
+              <a:rPr sz="1200"/>
+              <a:t>Reviewing PBG portfolio</a:t>
+            </a:r>
+          </a:p>
+        </p:txBody>
+      </p:sp>
+      <p:sp>
+        <p:nvSpPr>
+          <p:cNvPr id="6" name="TextBox 5"/>
+          <p:cNvSpPr txBox="1"/>
+          <p:nvPr/>
+        </p:nvSpPr>
+        <p:spPr>
+          <a:xfrm>
+            <a:off x="1097280" y="3017520"/>
+            <a:ext cx="3291840" cy="274320"/>
+          </a:xfrm>
+          <a:prstGeom prst="rect">
+            <a:avLst/>
+          </a:prstGeom>
+          <a:noFill/>
+        </p:spPr>
+        <p:txBody>
+          <a:bodyPr wrap="none">
+            <a:spAutoFit/>
+          </a:bodyPr>
+          <a:lstStyle/>
+          <a:p>
+            <a:r>
+              <a:rPr sz="1000">
+                <a:solidFill>
+                  <a:srgbClr val="808080"/>
+                </a:solidFill>
+              </a:rPr>
+              <a:t>March 28, 2023</a:t>
+            </a:r>
+          </a:p>
+        </p:txBody>
+      </p:sp>
+      <p:sp>
+        <p:nvSpPr>
+          <p:cNvPr id="7" name="Rounded Rectangle 6"/>
           <p:cNvSpPr/>
           <p:nvPr/>
         </p:nvSpPr>
         <p:spPr>
           <a:xfrm>
-            <a:off x="7171764" y="2078181"/>
-            <a:ext cx="2390588" cy="311727"/>
-          </a:xfrm>
-          <a:prstGeom prst="rect">
-            <a:avLst/>
-          </a:prstGeom>
+            <a:off x="5029200" y="1828800"/>
+            <a:ext cx="3657600" cy="1828800"/>
+          </a:xfrm>
+          <a:prstGeom prst="roundRect">
+            <a:avLst/>
+          </a:prstGeom>
+          <a:solidFill>
+            <a:srgbClr val="FFFFFF"/>
+          </a:solidFill>
+          <a:ln>
+            <a:solidFill>
+              <a:srgbClr val="E6E6E6"/>
+            </a:solidFill>
+          </a:ln>
         </p:spPr>
         <p:style>
           <a:lnRef idx="1">
@@ -7715,18 +5506,53 @@
       </p:sp>
       <p:sp>
         <p:nvSpPr>
-          <p:cNvPr id="10" name="Rectangle 9"/>
+          <p:cNvPr id="8" name="TextBox 7"/>
+          <p:cNvSpPr txBox="1"/>
+          <p:nvPr/>
+        </p:nvSpPr>
+        <p:spPr>
+          <a:xfrm>
+            <a:off x="5212080" y="2011680"/>
+            <a:ext cx="3291840" cy="457200"/>
+          </a:xfrm>
+          <a:prstGeom prst="rect">
+            <a:avLst/>
+          </a:prstGeom>
+          <a:noFill/>
+        </p:spPr>
+        <p:txBody>
+          <a:bodyPr wrap="none">
+            <a:spAutoFit/>
+          </a:bodyPr>
+          <a:lstStyle/>
+          <a:p>
+            <a:r>
+              <a:rPr b="1" sz="1600"/>
+              <a:t>Spain</a:t>
+            </a:r>
+          </a:p>
+        </p:txBody>
+      </p:sp>
+      <p:sp>
+        <p:nvSpPr>
+          <p:cNvPr id="9" name="Oval 8"/>
           <p:cNvSpPr/>
           <p:nvPr/>
         </p:nvSpPr>
         <p:spPr>
           <a:xfrm>
-            <a:off x="2390588" y="2389909"/>
-            <a:ext cx="2390588" cy="311727"/>
-          </a:xfrm>
-          <a:prstGeom prst="rect">
-            <a:avLst/>
-          </a:prstGeom>
+            <a:off x="8321040" y="2103120"/>
+            <a:ext cx="137160" cy="137160"/>
+          </a:xfrm>
+          <a:prstGeom prst="ellipse">
+            <a:avLst/>
+          </a:prstGeom>
+          <a:solidFill>
+            <a:srgbClr val="4CAF50"/>
+          </a:solidFill>
+          <a:ln>
+            <a:noFill/>
+          </a:ln>
         </p:spPr>
         <p:style>
           <a:lnRef idx="1">
@@ -7752,18 +5578,55 @@
       </p:sp>
       <p:sp>
         <p:nvSpPr>
-          <p:cNvPr id="11" name="Rectangle 10"/>
+          <p:cNvPr id="10" name="TextBox 9"/>
+          <p:cNvSpPr txBox="1"/>
+          <p:nvPr/>
+        </p:nvSpPr>
+        <p:spPr>
+          <a:xfrm>
+            <a:off x="5212080" y="2560320"/>
+            <a:ext cx="3291840" cy="457200"/>
+          </a:xfrm>
+          <a:prstGeom prst="rect">
+            <a:avLst/>
+          </a:prstGeom>
+          <a:noFill/>
+        </p:spPr>
+        <p:txBody>
+          <a:bodyPr wrap="none">
+            <a:spAutoFit/>
+          </a:bodyPr>
+          <a:lstStyle/>
+          <a:p>
+            <a:r>
+              <a:rPr sz="1200"/>
+              <a:t>Business data received</a:t>
+            </a:r>
+          </a:p>
+        </p:txBody>
+      </p:sp>
+      <p:sp>
+        <p:nvSpPr>
+          <p:cNvPr id="11" name="Rounded Rectangle 10"/>
           <p:cNvSpPr/>
           <p:nvPr/>
         </p:nvSpPr>
         <p:spPr>
           <a:xfrm>
-            <a:off x="4781176" y="2389909"/>
-            <a:ext cx="2390588" cy="311727"/>
-          </a:xfrm>
-          <a:prstGeom prst="rect">
-            <a:avLst/>
-          </a:prstGeom>
+            <a:off x="9144000" y="1828800"/>
+            <a:ext cx="3657600" cy="1828800"/>
+          </a:xfrm>
+          <a:prstGeom prst="roundRect">
+            <a:avLst/>
+          </a:prstGeom>
+          <a:solidFill>
+            <a:srgbClr val="FFFFFF"/>
+          </a:solidFill>
+          <a:ln>
+            <a:solidFill>
+              <a:srgbClr val="E6E6E6"/>
+            </a:solidFill>
+          </a:ln>
         </p:spPr>
         <p:style>
           <a:lnRef idx="1">
@@ -7789,18 +5652,53 @@
       </p:sp>
       <p:sp>
         <p:nvSpPr>
-          <p:cNvPr id="12" name="Rectangle 11"/>
+          <p:cNvPr id="12" name="TextBox 11"/>
+          <p:cNvSpPr txBox="1"/>
+          <p:nvPr/>
+        </p:nvSpPr>
+        <p:spPr>
+          <a:xfrm>
+            <a:off x="9326880" y="2011680"/>
+            <a:ext cx="3291840" cy="457200"/>
+          </a:xfrm>
+          <a:prstGeom prst="rect">
+            <a:avLst/>
+          </a:prstGeom>
+          <a:noFill/>
+        </p:spPr>
+        <p:txBody>
+          <a:bodyPr wrap="none">
+            <a:spAutoFit/>
+          </a:bodyPr>
+          <a:lstStyle/>
+          <a:p>
+            <a:r>
+              <a:rPr b="1" sz="1600"/>
+              <a:t>Belgium</a:t>
+            </a:r>
+          </a:p>
+        </p:txBody>
+      </p:sp>
+      <p:sp>
+        <p:nvSpPr>
+          <p:cNvPr id="13" name="Oval 12"/>
           <p:cNvSpPr/>
           <p:nvPr/>
         </p:nvSpPr>
         <p:spPr>
           <a:xfrm>
-            <a:off x="7171764" y="2389909"/>
-            <a:ext cx="2390588" cy="311727"/>
-          </a:xfrm>
-          <a:prstGeom prst="rect">
-            <a:avLst/>
-          </a:prstGeom>
+            <a:off x="12435840" y="2103120"/>
+            <a:ext cx="137160" cy="137160"/>
+          </a:xfrm>
+          <a:prstGeom prst="ellipse">
+            <a:avLst/>
+          </a:prstGeom>
+          <a:solidFill>
+            <a:srgbClr val="4CAF50"/>
+          </a:solidFill>
+          <a:ln>
+            <a:noFill/>
+          </a:ln>
         </p:spPr>
         <p:style>
           <a:lnRef idx="1">
@@ -7826,18 +5724,55 @@
       </p:sp>
       <p:sp>
         <p:nvSpPr>
-          <p:cNvPr id="13" name="Rectangle 12"/>
+          <p:cNvPr id="14" name="TextBox 13"/>
+          <p:cNvSpPr txBox="1"/>
+          <p:nvPr/>
+        </p:nvSpPr>
+        <p:spPr>
+          <a:xfrm>
+            <a:off x="9326880" y="2560320"/>
+            <a:ext cx="3291840" cy="457200"/>
+          </a:xfrm>
+          <a:prstGeom prst="rect">
+            <a:avLst/>
+          </a:prstGeom>
+          <a:noFill/>
+        </p:spPr>
+        <p:txBody>
+          <a:bodyPr wrap="none">
+            <a:spAutoFit/>
+          </a:bodyPr>
+          <a:lstStyle/>
+          <a:p>
+            <a:r>
+              <a:rPr sz="1200"/>
+              <a:t>Work commencing March 31st</a:t>
+            </a:r>
+          </a:p>
+        </p:txBody>
+      </p:sp>
+      <p:sp>
+        <p:nvSpPr>
+          <p:cNvPr id="15" name="Rounded Rectangle 14"/>
           <p:cNvSpPr/>
           <p:nvPr/>
         </p:nvSpPr>
         <p:spPr>
           <a:xfrm>
-            <a:off x="2390588" y="2701636"/>
-            <a:ext cx="2390588" cy="311727"/>
-          </a:xfrm>
-          <a:prstGeom prst="rect">
-            <a:avLst/>
-          </a:prstGeom>
+            <a:off x="13258800" y="1828800"/>
+            <a:ext cx="3657600" cy="1828800"/>
+          </a:xfrm>
+          <a:prstGeom prst="roundRect">
+            <a:avLst/>
+          </a:prstGeom>
+          <a:solidFill>
+            <a:srgbClr val="FFFFFF"/>
+          </a:solidFill>
+          <a:ln>
+            <a:solidFill>
+              <a:srgbClr val="E6E6E6"/>
+            </a:solidFill>
+          </a:ln>
         </p:spPr>
         <p:style>
           <a:lnRef idx="1">
@@ -7863,18 +5798,53 @@
       </p:sp>
       <p:sp>
         <p:nvSpPr>
-          <p:cNvPr id="14" name="Rectangle 13"/>
+          <p:cNvPr id="16" name="TextBox 15"/>
+          <p:cNvSpPr txBox="1"/>
+          <p:nvPr/>
+        </p:nvSpPr>
+        <p:spPr>
+          <a:xfrm>
+            <a:off x="13441680" y="2011680"/>
+            <a:ext cx="3291840" cy="457200"/>
+          </a:xfrm>
+          <a:prstGeom prst="rect">
+            <a:avLst/>
+          </a:prstGeom>
+          <a:noFill/>
+        </p:spPr>
+        <p:txBody>
+          <a:bodyPr wrap="none">
+            <a:spAutoFit/>
+          </a:bodyPr>
+          <a:lstStyle/>
+          <a:p>
+            <a:r>
+              <a:rPr b="1" sz="1600"/>
+              <a:t>India</a:t>
+            </a:r>
+          </a:p>
+        </p:txBody>
+      </p:sp>
+      <p:sp>
+        <p:nvSpPr>
+          <p:cNvPr id="17" name="Oval 16"/>
           <p:cNvSpPr/>
           <p:nvPr/>
         </p:nvSpPr>
         <p:spPr>
           <a:xfrm>
-            <a:off x="4781176" y="2701636"/>
-            <a:ext cx="2390588" cy="311727"/>
-          </a:xfrm>
-          <a:prstGeom prst="rect">
-            <a:avLst/>
-          </a:prstGeom>
+            <a:off x="16550640" y="2103120"/>
+            <a:ext cx="137160" cy="137160"/>
+          </a:xfrm>
+          <a:prstGeom prst="ellipse">
+            <a:avLst/>
+          </a:prstGeom>
+          <a:solidFill>
+            <a:srgbClr val="F44336"/>
+          </a:solidFill>
+          <a:ln>
+            <a:noFill/>
+          </a:ln>
         </p:spPr>
         <p:style>
           <a:lnRef idx="1">
@@ -7900,18 +5870,53 @@
       </p:sp>
       <p:sp>
         <p:nvSpPr>
-          <p:cNvPr id="15" name="Rectangle 14"/>
+          <p:cNvPr id="18" name="TextBox 17"/>
+          <p:cNvSpPr txBox="1"/>
+          <p:nvPr/>
+        </p:nvSpPr>
+        <p:spPr>
+          <a:xfrm>
+            <a:off x="13441680" y="2560320"/>
+            <a:ext cx="3291840" cy="457200"/>
+          </a:xfrm>
+          <a:prstGeom prst="rect">
+            <a:avLst/>
+          </a:prstGeom>
+          <a:noFill/>
+        </p:spPr>
+        <p:txBody>
+          <a:bodyPr wrap="none">
+            <a:spAutoFit/>
+          </a:bodyPr>
+          <a:lstStyle/>
+          <a:p>
+            <a:r>
+              <a:rPr sz="1200"/>
+              <a:t>Awaiting data</a:t>
+            </a:r>
+          </a:p>
+        </p:txBody>
+      </p:sp>
+      <p:sp>
+        <p:nvSpPr>
+          <p:cNvPr id="19" name="Rectangle 18"/>
           <p:cNvSpPr/>
           <p:nvPr/>
         </p:nvSpPr>
         <p:spPr>
           <a:xfrm>
-            <a:off x="7171764" y="2701636"/>
-            <a:ext cx="2390588" cy="311727"/>
-          </a:xfrm>
-          <a:prstGeom prst="rect">
-            <a:avLst/>
-          </a:prstGeom>
+            <a:off x="2743200" y="4572000"/>
+            <a:ext cx="5486400" cy="274320"/>
+          </a:xfrm>
+          <a:prstGeom prst="rect">
+            <a:avLst/>
+          </a:prstGeom>
+          <a:solidFill>
+            <a:srgbClr val="E6E6E6"/>
+          </a:solidFill>
+          <a:ln>
+            <a:noFill/>
+          </a:ln>
         </p:spPr>
         <p:style>
           <a:lnRef idx="1">
@@ -7937,18 +5942,24 @@
       </p:sp>
       <p:sp>
         <p:nvSpPr>
-          <p:cNvPr id="16" name="Rectangle 15"/>
+          <p:cNvPr id="20" name="Rectangle 19"/>
           <p:cNvSpPr/>
           <p:nvPr/>
         </p:nvSpPr>
         <p:spPr>
           <a:xfrm>
-            <a:off x="7649882" y="3325090"/>
-            <a:ext cx="0" cy="831272"/>
-          </a:xfrm>
-          <a:prstGeom prst="rect">
-            <a:avLst/>
-          </a:prstGeom>
+            <a:off x="2743200" y="4572000"/>
+            <a:ext cx="1920239" cy="274320"/>
+          </a:xfrm>
+          <a:prstGeom prst="rect">
+            <a:avLst/>
+          </a:prstGeom>
+          <a:solidFill>
+            <a:srgbClr val="0078D4"/>
+          </a:solidFill>
+          <a:ln>
+            <a:noFill/>
+          </a:ln>
         </p:spPr>
         <p:style>
           <a:lnRef idx="1">
@@ -7969,6 +5980,380 @@
           <a:lstStyle/>
           <a:p>
             <a:pPr algn="ctr"/>
+          </a:p>
+        </p:txBody>
+      </p:sp>
+      <p:sp>
+        <p:nvSpPr>
+          <p:cNvPr id="21" name="TextBox 20"/>
+          <p:cNvSpPr txBox="1"/>
+          <p:nvPr/>
+        </p:nvSpPr>
+        <p:spPr>
+          <a:xfrm>
+            <a:off x="1645920" y="4480560"/>
+            <a:ext cx="914400" cy="274320"/>
+          </a:xfrm>
+          <a:prstGeom prst="rect">
+            <a:avLst/>
+          </a:prstGeom>
+          <a:noFill/>
+        </p:spPr>
+        <p:txBody>
+          <a:bodyPr wrap="none">
+            <a:spAutoFit/>
+          </a:bodyPr>
+          <a:lstStyle/>
+          <a:p>
+            <a:r>
+              <a:rPr sz="1000"/>
+              <a:t>Germany</a:t>
+            </a:r>
+          </a:p>
+        </p:txBody>
+      </p:sp>
+      <p:sp>
+        <p:nvSpPr>
+          <p:cNvPr id="22" name="Rectangle 21"/>
+          <p:cNvSpPr/>
+          <p:nvPr/>
+        </p:nvSpPr>
+        <p:spPr>
+          <a:xfrm>
+            <a:off x="2743200" y="5029200"/>
+            <a:ext cx="5486400" cy="274320"/>
+          </a:xfrm>
+          <a:prstGeom prst="rect">
+            <a:avLst/>
+          </a:prstGeom>
+          <a:solidFill>
+            <a:srgbClr val="E6E6E6"/>
+          </a:solidFill>
+          <a:ln>
+            <a:noFill/>
+          </a:ln>
+        </p:spPr>
+        <p:style>
+          <a:lnRef idx="1">
+            <a:schemeClr val="accent1"/>
+          </a:lnRef>
+          <a:fillRef idx="3">
+            <a:schemeClr val="accent1"/>
+          </a:fillRef>
+          <a:effectRef idx="2">
+            <a:schemeClr val="accent1"/>
+          </a:effectRef>
+          <a:fontRef idx="minor">
+            <a:schemeClr val="lt1"/>
+          </a:fontRef>
+        </p:style>
+        <p:txBody>
+          <a:bodyPr rtlCol="0" anchor="ctr"/>
+          <a:lstStyle/>
+          <a:p>
+            <a:pPr algn="ctr"/>
+          </a:p>
+        </p:txBody>
+      </p:sp>
+      <p:sp>
+        <p:nvSpPr>
+          <p:cNvPr id="23" name="Rectangle 22"/>
+          <p:cNvSpPr/>
+          <p:nvPr/>
+        </p:nvSpPr>
+        <p:spPr>
+          <a:xfrm>
+            <a:off x="2743200" y="5029200"/>
+            <a:ext cx="4114800" cy="274320"/>
+          </a:xfrm>
+          <a:prstGeom prst="rect">
+            <a:avLst/>
+          </a:prstGeom>
+          <a:solidFill>
+            <a:srgbClr val="0078D4"/>
+          </a:solidFill>
+          <a:ln>
+            <a:noFill/>
+          </a:ln>
+        </p:spPr>
+        <p:style>
+          <a:lnRef idx="1">
+            <a:schemeClr val="accent1"/>
+          </a:lnRef>
+          <a:fillRef idx="3">
+            <a:schemeClr val="accent1"/>
+          </a:fillRef>
+          <a:effectRef idx="2">
+            <a:schemeClr val="accent1"/>
+          </a:effectRef>
+          <a:fontRef idx="minor">
+            <a:schemeClr val="lt1"/>
+          </a:fontRef>
+        </p:style>
+        <p:txBody>
+          <a:bodyPr rtlCol="0" anchor="ctr"/>
+          <a:lstStyle/>
+          <a:p>
+            <a:pPr algn="ctr"/>
+          </a:p>
+        </p:txBody>
+      </p:sp>
+      <p:sp>
+        <p:nvSpPr>
+          <p:cNvPr id="24" name="TextBox 23"/>
+          <p:cNvSpPr txBox="1"/>
+          <p:nvPr/>
+        </p:nvSpPr>
+        <p:spPr>
+          <a:xfrm>
+            <a:off x="1645920" y="4937760"/>
+            <a:ext cx="914400" cy="274320"/>
+          </a:xfrm>
+          <a:prstGeom prst="rect">
+            <a:avLst/>
+          </a:prstGeom>
+          <a:noFill/>
+        </p:spPr>
+        <p:txBody>
+          <a:bodyPr wrap="none">
+            <a:spAutoFit/>
+          </a:bodyPr>
+          <a:lstStyle/>
+          <a:p>
+            <a:r>
+              <a:rPr sz="1000"/>
+              <a:t>Spain</a:t>
+            </a:r>
+          </a:p>
+        </p:txBody>
+      </p:sp>
+      <p:sp>
+        <p:nvSpPr>
+          <p:cNvPr id="25" name="Rectangle 24"/>
+          <p:cNvSpPr/>
+          <p:nvPr/>
+        </p:nvSpPr>
+        <p:spPr>
+          <a:xfrm>
+            <a:off x="2743200" y="5486400"/>
+            <a:ext cx="5486400" cy="274320"/>
+          </a:xfrm>
+          <a:prstGeom prst="rect">
+            <a:avLst/>
+          </a:prstGeom>
+          <a:solidFill>
+            <a:srgbClr val="E6E6E6"/>
+          </a:solidFill>
+          <a:ln>
+            <a:noFill/>
+          </a:ln>
+        </p:spPr>
+        <p:style>
+          <a:lnRef idx="1">
+            <a:schemeClr val="accent1"/>
+          </a:lnRef>
+          <a:fillRef idx="3">
+            <a:schemeClr val="accent1"/>
+          </a:fillRef>
+          <a:effectRef idx="2">
+            <a:schemeClr val="accent1"/>
+          </a:effectRef>
+          <a:fontRef idx="minor">
+            <a:schemeClr val="lt1"/>
+          </a:fontRef>
+        </p:style>
+        <p:txBody>
+          <a:bodyPr rtlCol="0" anchor="ctr"/>
+          <a:lstStyle/>
+          <a:p>
+            <a:pPr algn="ctr"/>
+          </a:p>
+        </p:txBody>
+      </p:sp>
+      <p:sp>
+        <p:nvSpPr>
+          <p:cNvPr id="26" name="Rectangle 25"/>
+          <p:cNvSpPr/>
+          <p:nvPr/>
+        </p:nvSpPr>
+        <p:spPr>
+          <a:xfrm>
+            <a:off x="2743200" y="5486400"/>
+            <a:ext cx="4389120" cy="274320"/>
+          </a:xfrm>
+          <a:prstGeom prst="rect">
+            <a:avLst/>
+          </a:prstGeom>
+          <a:solidFill>
+            <a:srgbClr val="0078D4"/>
+          </a:solidFill>
+          <a:ln>
+            <a:noFill/>
+          </a:ln>
+        </p:spPr>
+        <p:style>
+          <a:lnRef idx="1">
+            <a:schemeClr val="accent1"/>
+          </a:lnRef>
+          <a:fillRef idx="3">
+            <a:schemeClr val="accent1"/>
+          </a:fillRef>
+          <a:effectRef idx="2">
+            <a:schemeClr val="accent1"/>
+          </a:effectRef>
+          <a:fontRef idx="minor">
+            <a:schemeClr val="lt1"/>
+          </a:fontRef>
+        </p:style>
+        <p:txBody>
+          <a:bodyPr rtlCol="0" anchor="ctr"/>
+          <a:lstStyle/>
+          <a:p>
+            <a:pPr algn="ctr"/>
+          </a:p>
+        </p:txBody>
+      </p:sp>
+      <p:sp>
+        <p:nvSpPr>
+          <p:cNvPr id="27" name="TextBox 26"/>
+          <p:cNvSpPr txBox="1"/>
+          <p:nvPr/>
+        </p:nvSpPr>
+        <p:spPr>
+          <a:xfrm>
+            <a:off x="1645920" y="5394960"/>
+            <a:ext cx="914400" cy="274320"/>
+          </a:xfrm>
+          <a:prstGeom prst="rect">
+            <a:avLst/>
+          </a:prstGeom>
+          <a:noFill/>
+        </p:spPr>
+        <p:txBody>
+          <a:bodyPr wrap="none">
+            <a:spAutoFit/>
+          </a:bodyPr>
+          <a:lstStyle/>
+          <a:p>
+            <a:r>
+              <a:rPr sz="1000"/>
+              <a:t>Belgium</a:t>
+            </a:r>
+          </a:p>
+        </p:txBody>
+      </p:sp>
+      <p:sp>
+        <p:nvSpPr>
+          <p:cNvPr id="28" name="Rectangle 27"/>
+          <p:cNvSpPr/>
+          <p:nvPr/>
+        </p:nvSpPr>
+        <p:spPr>
+          <a:xfrm>
+            <a:off x="2743200" y="5943600"/>
+            <a:ext cx="5486400" cy="274320"/>
+          </a:xfrm>
+          <a:prstGeom prst="rect">
+            <a:avLst/>
+          </a:prstGeom>
+          <a:solidFill>
+            <a:srgbClr val="E6E6E6"/>
+          </a:solidFill>
+          <a:ln>
+            <a:noFill/>
+          </a:ln>
+        </p:spPr>
+        <p:style>
+          <a:lnRef idx="1">
+            <a:schemeClr val="accent1"/>
+          </a:lnRef>
+          <a:fillRef idx="3">
+            <a:schemeClr val="accent1"/>
+          </a:fillRef>
+          <a:effectRef idx="2">
+            <a:schemeClr val="accent1"/>
+          </a:effectRef>
+          <a:fontRef idx="minor">
+            <a:schemeClr val="lt1"/>
+          </a:fontRef>
+        </p:style>
+        <p:txBody>
+          <a:bodyPr rtlCol="0" anchor="ctr"/>
+          <a:lstStyle/>
+          <a:p>
+            <a:pPr algn="ctr"/>
+          </a:p>
+        </p:txBody>
+      </p:sp>
+      <p:sp>
+        <p:nvSpPr>
+          <p:cNvPr id="29" name="Rectangle 28"/>
+          <p:cNvSpPr/>
+          <p:nvPr/>
+        </p:nvSpPr>
+        <p:spPr>
+          <a:xfrm>
+            <a:off x="2743200" y="5943600"/>
+            <a:ext cx="1097280" cy="274320"/>
+          </a:xfrm>
+          <a:prstGeom prst="rect">
+            <a:avLst/>
+          </a:prstGeom>
+          <a:solidFill>
+            <a:srgbClr val="0078D4"/>
+          </a:solidFill>
+          <a:ln>
+            <a:noFill/>
+          </a:ln>
+        </p:spPr>
+        <p:style>
+          <a:lnRef idx="1">
+            <a:schemeClr val="accent1"/>
+          </a:lnRef>
+          <a:fillRef idx="3">
+            <a:schemeClr val="accent1"/>
+          </a:fillRef>
+          <a:effectRef idx="2">
+            <a:schemeClr val="accent1"/>
+          </a:effectRef>
+          <a:fontRef idx="minor">
+            <a:schemeClr val="lt1"/>
+          </a:fontRef>
+        </p:style>
+        <p:txBody>
+          <a:bodyPr rtlCol="0" anchor="ctr"/>
+          <a:lstStyle/>
+          <a:p>
+            <a:pPr algn="ctr"/>
+          </a:p>
+        </p:txBody>
+      </p:sp>
+      <p:sp>
+        <p:nvSpPr>
+          <p:cNvPr id="30" name="TextBox 29"/>
+          <p:cNvSpPr txBox="1"/>
+          <p:nvPr/>
+        </p:nvSpPr>
+        <p:spPr>
+          <a:xfrm>
+            <a:off x="1645920" y="5852160"/>
+            <a:ext cx="914400" cy="274320"/>
+          </a:xfrm>
+          <a:prstGeom prst="rect">
+            <a:avLst/>
+          </a:prstGeom>
+          <a:noFill/>
+        </p:spPr>
+        <p:txBody>
+          <a:bodyPr wrap="none">
+            <a:spAutoFit/>
+          </a:bodyPr>
+          <a:lstStyle/>
+          <a:p>
+            <a:r>
+              <a:rPr sz="1000"/>
+              <a:t>India</a:t>
+            </a:r>
           </a:p>
         </p:txBody>
       </p:sp>
